--- a/powerpoints/ITU Academy Slides AM4-12.pptx
+++ b/powerpoints/ITU Academy Slides AM4-12.pptx
@@ -11,6 +11,19 @@
     <p:sldId id="256" r:id="rId8"/>
     <p:sldId id="257" r:id="rId9"/>
     <p:sldId id="258" r:id="rId10"/>
+    <p:sldId id="259" r:id="rId11"/>
+    <p:sldId id="260" r:id="rId12"/>
+    <p:sldId id="261" r:id="rId13"/>
+    <p:sldId id="262" r:id="rId14"/>
+    <p:sldId id="263" r:id="rId15"/>
+    <p:sldId id="264" r:id="rId16"/>
+    <p:sldId id="265" r:id="rId17"/>
+    <p:sldId id="266" r:id="rId18"/>
+    <p:sldId id="267" r:id="rId19"/>
+    <p:sldId id="268" r:id="rId20"/>
+    <p:sldId id="269" r:id="rId21"/>
+    <p:sldId id="270" r:id="rId22"/>
+    <p:sldId id="271" r:id="rId23"/>
   </p:sldIdLst>
   <p:sldSz cx="9144000" cy="6858000"/>
   <p:notesSz cx="6858000" cy="9144000"/>
@@ -338,7 +351,7 @@
       </p:grpSpPr>
       <p:sp>
         <p:nvSpPr>
-          <p:cNvPr id="112" name="Shape 112"/>
+          <p:cNvPr id="122" name="Shape 122"/>
           <p:cNvSpPr/>
           <p:nvPr>
             <p:ph type="sldImg"/>
@@ -363,7 +376,7 @@
       </p:sp>
       <p:sp>
         <p:nvSpPr>
-          <p:cNvPr id="113" name="Shape 113"/>
+          <p:cNvPr id="123" name="Shape 123"/>
           <p:cNvSpPr/>
           <p:nvPr>
             <p:ph type="body" sz="quarter" idx="1"/>
@@ -904,6 +917,155 @@
 </p:sldLayout>
 </file>
 
+<file path=ppt/slideLayouts/slideLayout12.xml><?xml version="1.0" encoding="utf-8"?>
+<p:sldLayout xmlns:a="http://schemas.openxmlformats.org/drawingml/2006/main" xmlns:r="http://schemas.openxmlformats.org/officeDocument/2006/relationships" xmlns:p="http://schemas.openxmlformats.org/presentationml/2006/main" type="tx" showMasterSp="0" showMasterPhAnim="1">
+  <p:cSld name="Title and Content">
+    <p:spTree>
+      <p:nvGrpSpPr>
+        <p:cNvPr id="1" name=""/>
+        <p:cNvGrpSpPr/>
+        <p:nvPr/>
+      </p:nvGrpSpPr>
+      <p:grpSpPr>
+        <a:xfrm>
+          <a:off x="0" y="0"/>
+          <a:ext cx="0" cy="0"/>
+          <a:chOff x="0" y="0"/>
+          <a:chExt cx="0" cy="0"/>
+        </a:xfrm>
+      </p:grpSpPr>
+      <p:pic>
+        <p:nvPicPr>
+          <p:cNvPr id="113" name="image1.jpeg" descr="image1.jpeg"/>
+          <p:cNvPicPr>
+            <a:picLocks noChangeAspect="1"/>
+          </p:cNvPicPr>
+          <p:nvPr/>
+        </p:nvPicPr>
+        <p:blipFill>
+          <a:blip r:embed="rId2">
+            <a:extLst/>
+          </a:blip>
+          <a:stretch>
+            <a:fillRect/>
+          </a:stretch>
+        </p:blipFill>
+        <p:spPr>
+          <a:xfrm>
+            <a:off x="0" y="0"/>
+            <a:ext cx="9144000" cy="6858000"/>
+          </a:xfrm>
+          <a:prstGeom prst="rect">
+            <a:avLst/>
+          </a:prstGeom>
+          <a:ln w="12700">
+            <a:miter lim="400000"/>
+          </a:ln>
+        </p:spPr>
+      </p:pic>
+      <p:sp>
+        <p:nvSpPr>
+          <p:cNvPr id="114" name="Title Text"/>
+          <p:cNvSpPr txBox="1"/>
+          <p:nvPr>
+            <p:ph type="title"/>
+          </p:nvPr>
+        </p:nvSpPr>
+        <p:spPr>
+          <a:prstGeom prst="rect">
+            <a:avLst/>
+          </a:prstGeom>
+        </p:spPr>
+        <p:txBody>
+          <a:bodyPr/>
+          <a:lstStyle/>
+          <a:p>
+            <a:pPr/>
+            <a:r>
+              <a:t>Title Text</a:t>
+            </a:r>
+          </a:p>
+        </p:txBody>
+      </p:sp>
+      <p:sp>
+        <p:nvSpPr>
+          <p:cNvPr id="115" name="Body Level One…"/>
+          <p:cNvSpPr txBox="1"/>
+          <p:nvPr>
+            <p:ph type="body" idx="1"/>
+          </p:nvPr>
+        </p:nvSpPr>
+        <p:spPr>
+          <a:prstGeom prst="rect">
+            <a:avLst/>
+          </a:prstGeom>
+        </p:spPr>
+        <p:txBody>
+          <a:bodyPr/>
+          <a:lstStyle/>
+          <a:p>
+            <a:pPr/>
+            <a:r>
+              <a:t>Body Level One</a:t>
+            </a:r>
+          </a:p>
+          <a:p>
+            <a:pPr lvl="1"/>
+            <a:r>
+              <a:t>Body Level Two</a:t>
+            </a:r>
+          </a:p>
+          <a:p>
+            <a:pPr lvl="2"/>
+            <a:r>
+              <a:t>Body Level Three</a:t>
+            </a:r>
+          </a:p>
+          <a:p>
+            <a:pPr lvl="3"/>
+            <a:r>
+              <a:t>Body Level Four</a:t>
+            </a:r>
+          </a:p>
+          <a:p>
+            <a:pPr lvl="4"/>
+            <a:r>
+              <a:t>Body Level Five</a:t>
+            </a:r>
+          </a:p>
+        </p:txBody>
+      </p:sp>
+      <p:sp>
+        <p:nvSpPr>
+          <p:cNvPr id="116" name="Slide Number"/>
+          <p:cNvSpPr txBox="1"/>
+          <p:nvPr>
+            <p:ph type="sldNum" sz="quarter" idx="2"/>
+          </p:nvPr>
+        </p:nvSpPr>
+        <p:spPr>
+          <a:prstGeom prst="rect">
+            <a:avLst/>
+          </a:prstGeom>
+        </p:spPr>
+        <p:txBody>
+          <a:bodyPr/>
+          <a:lstStyle/>
+          <a:p>
+            <a:pPr/>
+            <a:fld id="{86CB4B4D-7CA3-9044-876B-883B54F8677D}" type="slidenum"/>
+          </a:p>
+        </p:txBody>
+      </p:sp>
+    </p:spTree>
+  </p:cSld>
+  <p:clrMapOvr>
+    <a:masterClrMapping/>
+  </p:clrMapOvr>
+  <p:transition xmlns:p14="http://schemas.microsoft.com/office/powerpoint/2010/main" spd="med" advClick="1"/>
+</p:sldLayout>
+</file>
+
 <file path=ppt/slideLayouts/slideLayout2.xml><?xml version="1.0" encoding="utf-8"?>
 <p:sldLayout xmlns:a="http://schemas.openxmlformats.org/drawingml/2006/main" xmlns:r="http://schemas.openxmlformats.org/officeDocument/2006/relationships" xmlns:p="http://schemas.openxmlformats.org/presentationml/2006/main" type="tx" showMasterSp="1" showMasterPhAnim="1">
   <p:cSld name="Title and Content">
@@ -2335,6 +2497,7 @@
     <p:sldLayoutId id="2147483657" r:id="rId11"/>
     <p:sldLayoutId id="2147483658" r:id="rId12"/>
     <p:sldLayoutId id="2147483659" r:id="rId13"/>
+    <p:sldLayoutId id="2147483660" r:id="rId14"/>
   </p:sldLayoutIdLst>
   <p:transition xmlns:p14="http://schemas.microsoft.com/office/powerpoint/2010/main" spd="med" advClick="1"/>
   <p:txStyles>
@@ -3161,7 +3324,7 @@
       </p:grpSpPr>
       <p:sp>
         <p:nvSpPr>
-          <p:cNvPr id="115" name="Title 1"/>
+          <p:cNvPr id="125" name="Title 1"/>
           <p:cNvSpPr txBox="1"/>
           <p:nvPr>
             <p:ph type="ctrTitle"/>
@@ -3192,6 +3355,939 @@
             <a:pPr/>
             <a:r>
               <a:t>AI and Machine Learning for IoT Big Data</a:t>
+            </a:r>
+          </a:p>
+        </p:txBody>
+      </p:sp>
+    </p:spTree>
+  </p:cSld>
+  <p:clrMapOvr>
+    <a:masterClrMapping/>
+  </p:clrMapOvr>
+  <p:transition xmlns:p14="http://schemas.microsoft.com/office/powerpoint/2010/main" spd="med" advClick="1"/>
+</p:sld>
+</file>
+
+<file path=ppt/slides/slide10.xml><?xml version="1.0" encoding="utf-8"?>
+<p:sld xmlns:a="http://schemas.openxmlformats.org/drawingml/2006/main" xmlns:r="http://schemas.openxmlformats.org/officeDocument/2006/relationships" xmlns:p="http://schemas.openxmlformats.org/presentationml/2006/main" showMasterSp="1" showMasterPhAnim="1">
+  <p:cSld>
+    <p:spTree>
+      <p:nvGrpSpPr>
+        <p:cNvPr id="1" name=""/>
+        <p:cNvGrpSpPr/>
+        <p:nvPr/>
+      </p:nvGrpSpPr>
+      <p:grpSpPr>
+        <a:xfrm>
+          <a:off x="0" y="0"/>
+          <a:ext cx="0" cy="0"/>
+          <a:chOff x="0" y="0"/>
+          <a:chExt cx="0" cy="0"/>
+        </a:xfrm>
+      </p:grpSpPr>
+      <p:sp>
+        <p:nvSpPr>
+          <p:cNvPr id="150" name="Pipeline for all data (1)"/>
+          <p:cNvSpPr txBox="1"/>
+          <p:nvPr>
+            <p:ph type="title"/>
+          </p:nvPr>
+        </p:nvSpPr>
+        <p:spPr>
+          <a:prstGeom prst="rect">
+            <a:avLst/>
+          </a:prstGeom>
+        </p:spPr>
+        <p:txBody>
+          <a:bodyPr/>
+          <a:lstStyle/>
+          <a:p>
+            <a:pPr/>
+            <a:r>
+              <a:t>Pipeline for all data (1)</a:t>
+            </a:r>
+          </a:p>
+        </p:txBody>
+      </p:sp>
+      <p:sp>
+        <p:nvSpPr>
+          <p:cNvPr id="151" name="def fitPipeline4(data: DataFrame, k: Int): PipelineModel = {…"/>
+          <p:cNvSpPr txBox="1"/>
+          <p:nvPr/>
+        </p:nvSpPr>
+        <p:spPr>
+          <a:xfrm>
+            <a:off x="524837" y="1605280"/>
+            <a:ext cx="8272126" cy="4003040"/>
+          </a:xfrm>
+          <a:prstGeom prst="rect">
+            <a:avLst/>
+          </a:prstGeom>
+          <a:ln w="12700">
+            <a:miter lim="400000"/>
+          </a:ln>
+          <a:extLst>
+            <a:ext uri="{C572A759-6A51-4108-AA02-DFA0A04FC94B}">
+              <ma14:wrappingTextBoxFlag xmlns:ma14="http://schemas.microsoft.com/office/mac/drawingml/2011/main" val="1"/>
+            </a:ext>
+          </a:extLst>
+        </p:spPr>
+        <p:txBody>
+          <a:bodyPr wrap="none" lIns="45719" rIns="45719">
+            <a:spAutoFit/>
+          </a:bodyPr>
+          <a:lstStyle/>
+          <a:p>
+            <a:pPr/>
+            <a:r>
+              <a:t> def fitPipeline4(data: DataFrame, k: Int): PipelineModel = {</a:t>
+            </a:r>
+          </a:p>
+          <a:p>
+            <a:pPr/>
+            <a:r>
+              <a:t>    val (protoTypeEncoder, protoTypeVecCol) = oneHotPipeline("protocol_type")</a:t>
+            </a:r>
+          </a:p>
+          <a:p>
+            <a:pPr/>
+            <a:r>
+              <a:t>    val (serviceEncoder, serviceVecCol) = oneHotPipeline("service")</a:t>
+            </a:r>
+          </a:p>
+          <a:p>
+            <a:pPr/>
+            <a:r>
+              <a:t>    val (flagEncoder, flagVecCol) = oneHotPipeline("flag")</a:t>
+            </a:r>
+          </a:p>
+          <a:p>
+            <a:pPr/>
+          </a:p>
+          <a:p>
+            <a:pPr/>
+            <a:r>
+              <a:t>    // Original columns, without label / string columns, but with new vector encoded cols</a:t>
+            </a:r>
+          </a:p>
+          <a:p>
+            <a:pPr/>
+            <a:r>
+              <a:t>    val assembleCols = Set(data.columns: _*) --</a:t>
+            </a:r>
+          </a:p>
+          <a:p>
+            <a:pPr/>
+            <a:r>
+              <a:t>      Seq("label", "protocol_type", "service", "flag") ++</a:t>
+            </a:r>
+          </a:p>
+          <a:p>
+            <a:pPr/>
+            <a:r>
+              <a:t>      Seq(protoTypeVecCol, serviceVecCol, flagVecCol)</a:t>
+            </a:r>
+          </a:p>
+          <a:p>
+            <a:pPr/>
+            <a:r>
+              <a:t>    val assembler = new VectorAssembler().</a:t>
+            </a:r>
+          </a:p>
+          <a:p>
+            <a:pPr/>
+            <a:r>
+              <a:t>      setInputCols(assembleCols.toArray).</a:t>
+            </a:r>
+          </a:p>
+          <a:p>
+            <a:pPr/>
+            <a:r>
+              <a:t>      setOutputCol("featureVector")</a:t>
+            </a:r>
+          </a:p>
+          <a:p>
+            <a:pPr/>
+          </a:p>
+        </p:txBody>
+      </p:sp>
+    </p:spTree>
+  </p:cSld>
+  <p:clrMapOvr>
+    <a:masterClrMapping/>
+  </p:clrMapOvr>
+  <p:transition xmlns:p14="http://schemas.microsoft.com/office/powerpoint/2010/main" spd="med" advClick="1"/>
+</p:sld>
+</file>
+
+<file path=ppt/slides/slide11.xml><?xml version="1.0" encoding="utf-8"?>
+<p:sld xmlns:a="http://schemas.openxmlformats.org/drawingml/2006/main" xmlns:r="http://schemas.openxmlformats.org/officeDocument/2006/relationships" xmlns:p="http://schemas.openxmlformats.org/presentationml/2006/main" showMasterSp="1" showMasterPhAnim="1">
+  <p:cSld>
+    <p:spTree>
+      <p:nvGrpSpPr>
+        <p:cNvPr id="1" name=""/>
+        <p:cNvGrpSpPr/>
+        <p:nvPr/>
+      </p:nvGrpSpPr>
+      <p:grpSpPr>
+        <a:xfrm>
+          <a:off x="0" y="0"/>
+          <a:ext cx="0" cy="0"/>
+          <a:chOff x="0" y="0"/>
+          <a:chExt cx="0" cy="0"/>
+        </a:xfrm>
+      </p:grpSpPr>
+      <p:sp>
+        <p:nvSpPr>
+          <p:cNvPr id="153" name="Pipeline for all data (2)"/>
+          <p:cNvSpPr txBox="1"/>
+          <p:nvPr>
+            <p:ph type="title"/>
+          </p:nvPr>
+        </p:nvSpPr>
+        <p:spPr>
+          <a:prstGeom prst="rect">
+            <a:avLst/>
+          </a:prstGeom>
+        </p:spPr>
+        <p:txBody>
+          <a:bodyPr/>
+          <a:lstStyle/>
+          <a:p>
+            <a:pPr/>
+            <a:r>
+              <a:t>Pipeline for all data (2)</a:t>
+            </a:r>
+          </a:p>
+        </p:txBody>
+      </p:sp>
+      <p:sp>
+        <p:nvSpPr>
+          <p:cNvPr id="154" name="val scaler = new StandardScaler()…"/>
+          <p:cNvSpPr txBox="1"/>
+          <p:nvPr/>
+        </p:nvSpPr>
+        <p:spPr>
+          <a:xfrm>
+            <a:off x="524837" y="1605280"/>
+            <a:ext cx="8046540" cy="5120641"/>
+          </a:xfrm>
+          <a:prstGeom prst="rect">
+            <a:avLst/>
+          </a:prstGeom>
+          <a:ln w="12700">
+            <a:miter lim="400000"/>
+          </a:ln>
+          <a:extLst>
+            <a:ext uri="{C572A759-6A51-4108-AA02-DFA0A04FC94B}">
+              <ma14:wrappingTextBoxFlag xmlns:ma14="http://schemas.microsoft.com/office/mac/drawingml/2011/main" val="1"/>
+            </a:ext>
+          </a:extLst>
+        </p:spPr>
+        <p:txBody>
+          <a:bodyPr wrap="none" lIns="45719" rIns="45719">
+            <a:spAutoFit/>
+          </a:bodyPr>
+          <a:lstStyle/>
+          <a:p>
+            <a:pPr/>
+            <a:r>
+              <a:t>    val scaler = new StandardScaler()</a:t>
+            </a:r>
+          </a:p>
+          <a:p>
+            <a:pPr/>
+            <a:r>
+              <a:t>      .setInputCol("featureVector")</a:t>
+            </a:r>
+          </a:p>
+          <a:p>
+            <a:pPr/>
+            <a:r>
+              <a:t>      .setOutputCol("scaledFeatureVector")</a:t>
+            </a:r>
+          </a:p>
+          <a:p>
+            <a:pPr/>
+            <a:r>
+              <a:t>      .setWithStd(true)</a:t>
+            </a:r>
+          </a:p>
+          <a:p>
+            <a:pPr/>
+            <a:r>
+              <a:t>      .setWithMean(false)</a:t>
+            </a:r>
+          </a:p>
+          <a:p>
+            <a:pPr/>
+          </a:p>
+          <a:p>
+            <a:pPr/>
+            <a:r>
+              <a:t>    val kmeans = new KMeans().</a:t>
+            </a:r>
+          </a:p>
+          <a:p>
+            <a:pPr/>
+            <a:r>
+              <a:t>      setSeed(Random.nextLong()).</a:t>
+            </a:r>
+          </a:p>
+          <a:p>
+            <a:pPr/>
+            <a:r>
+              <a:t>      setK(k).</a:t>
+            </a:r>
+          </a:p>
+          <a:p>
+            <a:pPr/>
+            <a:r>
+              <a:t>      setPredictionCol("cluster").</a:t>
+            </a:r>
+          </a:p>
+          <a:p>
+            <a:pPr/>
+            <a:r>
+              <a:t>      setFeaturesCol("scaledFeatureVector").</a:t>
+            </a:r>
+          </a:p>
+          <a:p>
+            <a:pPr/>
+            <a:r>
+              <a:t>      setMaxIter(40).</a:t>
+            </a:r>
+          </a:p>
+          <a:p>
+            <a:pPr/>
+            <a:r>
+              <a:t>      setTol(1.0e-5)</a:t>
+            </a:r>
+          </a:p>
+          <a:p>
+            <a:pPr/>
+          </a:p>
+          <a:p>
+            <a:pPr/>
+            <a:r>
+              <a:t>    val pipeline = new Pipeline().setStages(</a:t>
+            </a:r>
+          </a:p>
+          <a:p>
+            <a:pPr/>
+            <a:r>
+              <a:t>      Array(protoTypeEncoder, serviceEncoder, flagEncoder, assembler, scaler, kmeans))</a:t>
+            </a:r>
+          </a:p>
+          <a:p>
+            <a:pPr/>
+            <a:r>
+              <a:t>    pipeline.fit(data)</a:t>
+            </a:r>
+          </a:p>
+          <a:p>
+            <a:pPr/>
+            <a:r>
+              <a:t>  }</a:t>
+            </a:r>
+          </a:p>
+        </p:txBody>
+      </p:sp>
+    </p:spTree>
+  </p:cSld>
+  <p:clrMapOvr>
+    <a:masterClrMapping/>
+  </p:clrMapOvr>
+  <p:transition xmlns:p14="http://schemas.microsoft.com/office/powerpoint/2010/main" spd="med" advClick="1"/>
+</p:sld>
+</file>
+
+<file path=ppt/slides/slide12.xml><?xml version="1.0" encoding="utf-8"?>
+<p:sld xmlns:a="http://schemas.openxmlformats.org/drawingml/2006/main" xmlns:r="http://schemas.openxmlformats.org/officeDocument/2006/relationships" xmlns:p="http://schemas.openxmlformats.org/presentationml/2006/main" showMasterSp="1" showMasterPhAnim="1">
+  <p:cSld>
+    <p:spTree>
+      <p:nvGrpSpPr>
+        <p:cNvPr id="1" name=""/>
+        <p:cNvGrpSpPr/>
+        <p:nvPr/>
+      </p:nvGrpSpPr>
+      <p:grpSpPr>
+        <a:xfrm>
+          <a:off x="0" y="0"/>
+          <a:ext cx="0" cy="0"/>
+          <a:chOff x="0" y="0"/>
+          <a:chExt cx="0" cy="0"/>
+        </a:xfrm>
+      </p:grpSpPr>
+      <p:sp>
+        <p:nvSpPr>
+          <p:cNvPr id="156" name="Comments on K-means"/>
+          <p:cNvSpPr txBox="1"/>
+          <p:nvPr>
+            <p:ph type="title"/>
+          </p:nvPr>
+        </p:nvSpPr>
+        <p:spPr>
+          <a:prstGeom prst="rect">
+            <a:avLst/>
+          </a:prstGeom>
+        </p:spPr>
+        <p:txBody>
+          <a:bodyPr/>
+          <a:lstStyle/>
+          <a:p>
+            <a:pPr/>
+            <a:r>
+              <a:t>Comments on K-means</a:t>
+            </a:r>
+          </a:p>
+        </p:txBody>
+      </p:sp>
+      <p:sp>
+        <p:nvSpPr>
+          <p:cNvPr id="157" name="Imported from the clustering library…"/>
+          <p:cNvSpPr txBox="1"/>
+          <p:nvPr>
+            <p:ph type="body" idx="1"/>
+          </p:nvPr>
+        </p:nvSpPr>
+        <p:spPr>
+          <a:prstGeom prst="rect">
+            <a:avLst/>
+          </a:prstGeom>
+        </p:spPr>
+        <p:txBody>
+          <a:bodyPr/>
+          <a:lstStyle/>
+          <a:p>
+            <a:pPr/>
+            <a:r>
+              <a:t>Imported from the clustering library</a:t>
+            </a:r>
+          </a:p>
+          <a:p>
+            <a:pPr/>
+            <a:r>
+              <a:t>Notes on the supplied parameters:</a:t>
+            </a:r>
+            <a:br/>
+            <a:r>
+              <a:rPr b="1"/>
+              <a:t>k</a:t>
+            </a:r>
+            <a:r>
+              <a:t> is given at invocation</a:t>
+            </a:r>
+            <a:br/>
+            <a:r>
+              <a:rPr b="1"/>
+              <a:t>max. iterations</a:t>
+            </a:r>
+            <a:r>
+              <a:t> set to 40 - might need more</a:t>
+            </a:r>
+            <a:br/>
+            <a:r>
+              <a:rPr b="1"/>
+              <a:t>tolerance</a:t>
+            </a:r>
+            <a:r>
+              <a:t> set to 1.0e-5 - depends on problem</a:t>
+            </a:r>
+            <a:br/>
+            <a:r>
+              <a:rPr b="1"/>
+              <a:t>seed</a:t>
+            </a:r>
+            <a:r>
+              <a:t> random - use constant for reproducibility</a:t>
+            </a:r>
+          </a:p>
+        </p:txBody>
+      </p:sp>
+    </p:spTree>
+  </p:cSld>
+  <p:clrMapOvr>
+    <a:masterClrMapping/>
+  </p:clrMapOvr>
+  <p:transition xmlns:p14="http://schemas.microsoft.com/office/powerpoint/2010/main" spd="med" advClick="1"/>
+</p:sld>
+</file>
+
+<file path=ppt/slides/slide13.xml><?xml version="1.0" encoding="utf-8"?>
+<p:sld xmlns:a="http://schemas.openxmlformats.org/drawingml/2006/main" xmlns:r="http://schemas.openxmlformats.org/officeDocument/2006/relationships" xmlns:p="http://schemas.openxmlformats.org/presentationml/2006/main" showMasterSp="1" showMasterPhAnim="1">
+  <p:cSld>
+    <p:spTree>
+      <p:nvGrpSpPr>
+        <p:cNvPr id="1" name=""/>
+        <p:cNvGrpSpPr/>
+        <p:nvPr/>
+      </p:nvGrpSpPr>
+      <p:grpSpPr>
+        <a:xfrm>
+          <a:off x="0" y="0"/>
+          <a:ext cx="0" cy="0"/>
+          <a:chOff x="0" y="0"/>
+          <a:chExt cx="0" cy="0"/>
+        </a:xfrm>
+      </p:grpSpPr>
+      <p:sp>
+        <p:nvSpPr>
+          <p:cNvPr id="159" name="The anomaly detector"/>
+          <p:cNvSpPr txBox="1"/>
+          <p:nvPr>
+            <p:ph type="title"/>
+          </p:nvPr>
+        </p:nvSpPr>
+        <p:spPr>
+          <a:prstGeom prst="rect">
+            <a:avLst/>
+          </a:prstGeom>
+        </p:spPr>
+        <p:txBody>
+          <a:bodyPr/>
+          <a:lstStyle/>
+          <a:p>
+            <a:pPr/>
+            <a:r>
+              <a:t>The anomaly detector</a:t>
+            </a:r>
+          </a:p>
+        </p:txBody>
+      </p:sp>
+      <p:sp>
+        <p:nvSpPr>
+          <p:cNvPr id="160" name="// Detect anomalies…"/>
+          <p:cNvSpPr txBox="1"/>
+          <p:nvPr/>
+        </p:nvSpPr>
+        <p:spPr>
+          <a:xfrm>
+            <a:off x="1705776" y="1389380"/>
+            <a:ext cx="5732448" cy="5273040"/>
+          </a:xfrm>
+          <a:prstGeom prst="rect">
+            <a:avLst/>
+          </a:prstGeom>
+          <a:ln w="12700">
+            <a:miter lim="400000"/>
+          </a:ln>
+          <a:extLst>
+            <a:ext uri="{C572A759-6A51-4108-AA02-DFA0A04FC94B}">
+              <ma14:wrappingTextBoxFlag xmlns:ma14="http://schemas.microsoft.com/office/mac/drawingml/2011/main" val="1"/>
+            </a:ext>
+          </a:extLst>
+        </p:spPr>
+        <p:txBody>
+          <a:bodyPr wrap="none" lIns="45719" rIns="45719">
+            <a:spAutoFit/>
+          </a:bodyPr>
+          <a:lstStyle/>
+          <a:p>
+            <a:pPr>
+              <a:defRPr sz="1400"/>
+            </a:pPr>
+            <a:r>
+              <a:t> // Detect anomalies</a:t>
+            </a:r>
+          </a:p>
+          <a:p>
+            <a:pPr>
+              <a:defRPr sz="1400"/>
+            </a:pPr>
+          </a:p>
+          <a:p>
+            <a:pPr>
+              <a:defRPr sz="1400"/>
+            </a:pPr>
+            <a:r>
+              <a:t>  def buildAnomalyDetector(data: DataFrame): Unit = {</a:t>
+            </a:r>
+          </a:p>
+          <a:p>
+            <a:pPr>
+              <a:defRPr sz="1400"/>
+            </a:pPr>
+            <a:r>
+              <a:t>    val pipelineModel = fitPipeline4(data, 180)</a:t>
+            </a:r>
+          </a:p>
+          <a:p>
+            <a:pPr>
+              <a:defRPr sz="1400"/>
+            </a:pPr>
+          </a:p>
+          <a:p>
+            <a:pPr>
+              <a:defRPr sz="1400"/>
+            </a:pPr>
+            <a:r>
+              <a:t>    val kMeansModel = pipelineModel.stages.last.asInstanceOf[KMeansModel]</a:t>
+            </a:r>
+          </a:p>
+          <a:p>
+            <a:pPr>
+              <a:defRPr sz="1400"/>
+            </a:pPr>
+            <a:r>
+              <a:t>    val centroids = kMeansModel.clusterCenters</a:t>
+            </a:r>
+          </a:p>
+          <a:p>
+            <a:pPr>
+              <a:defRPr sz="1400"/>
+            </a:pPr>
+          </a:p>
+          <a:p>
+            <a:pPr>
+              <a:defRPr sz="1400"/>
+            </a:pPr>
+            <a:r>
+              <a:t>    val clustered = pipelineModel.transform(data)</a:t>
+            </a:r>
+          </a:p>
+          <a:p>
+            <a:pPr>
+              <a:defRPr sz="1400"/>
+            </a:pPr>
+            <a:r>
+              <a:t>    val threshold = clustered.</a:t>
+            </a:r>
+          </a:p>
+          <a:p>
+            <a:pPr>
+              <a:defRPr sz="1400"/>
+            </a:pPr>
+            <a:r>
+              <a:t>      select("cluster", "scaledFeatureVector").as[(Int, Vector)].</a:t>
+            </a:r>
+          </a:p>
+          <a:p>
+            <a:pPr>
+              <a:defRPr sz="1400"/>
+            </a:pPr>
+            <a:r>
+              <a:t>      map { case (cluster, vec) =&gt; Vectors.sqdist(centroids(cluster), vec) }.</a:t>
+            </a:r>
+          </a:p>
+          <a:p>
+            <a:pPr>
+              <a:defRPr sz="1400"/>
+            </a:pPr>
+            <a:r>
+              <a:t>      orderBy($"value".desc).take(100).last</a:t>
+            </a:r>
+          </a:p>
+          <a:p>
+            <a:pPr>
+              <a:defRPr sz="1400"/>
+            </a:pPr>
+          </a:p>
+          <a:p>
+            <a:pPr>
+              <a:defRPr sz="1400"/>
+            </a:pPr>
+            <a:r>
+              <a:t>    val originalCols = data.columns</a:t>
+            </a:r>
+          </a:p>
+          <a:p>
+            <a:pPr>
+              <a:defRPr sz="1400"/>
+            </a:pPr>
+            <a:r>
+              <a:t>    val anomalies = clustered.filter { row =&gt;</a:t>
+            </a:r>
+          </a:p>
+          <a:p>
+            <a:pPr>
+              <a:defRPr sz="1400"/>
+            </a:pPr>
+            <a:r>
+              <a:t>      val cluster = row.getAs[Int]("cluster")</a:t>
+            </a:r>
+          </a:p>
+          <a:p>
+            <a:pPr>
+              <a:defRPr sz="1400"/>
+            </a:pPr>
+            <a:r>
+              <a:t>      val vec = row.getAs[Vector]("scaledFeatureVector")</a:t>
+            </a:r>
+          </a:p>
+          <a:p>
+            <a:pPr>
+              <a:defRPr sz="1400"/>
+            </a:pPr>
+            <a:r>
+              <a:t>      Vectors.sqdist(centroids(cluster), vec) &gt;= threshold</a:t>
+            </a:r>
+          </a:p>
+          <a:p>
+            <a:pPr>
+              <a:defRPr sz="1400"/>
+            </a:pPr>
+            <a:r>
+              <a:t>    }.select(originalCols.head, originalCols.tail:_*)</a:t>
+            </a:r>
+          </a:p>
+          <a:p>
+            <a:pPr>
+              <a:defRPr sz="1400"/>
+            </a:pPr>
+          </a:p>
+          <a:p>
+            <a:pPr>
+              <a:defRPr sz="1400"/>
+            </a:pPr>
+            <a:r>
+              <a:t>    println(anomalies.take(5))</a:t>
+            </a:r>
+          </a:p>
+          <a:p>
+            <a:pPr>
+              <a:defRPr sz="1400"/>
+            </a:pPr>
+            <a:r>
+              <a:t>  }</a:t>
+            </a:r>
+          </a:p>
+        </p:txBody>
+      </p:sp>
+    </p:spTree>
+  </p:cSld>
+  <p:clrMapOvr>
+    <a:masterClrMapping/>
+  </p:clrMapOvr>
+  <p:transition xmlns:p14="http://schemas.microsoft.com/office/powerpoint/2010/main" spd="med" advClick="1"/>
+</p:sld>
+</file>
+
+<file path=ppt/slides/slide14.xml><?xml version="1.0" encoding="utf-8"?>
+<p:sld xmlns:a="http://schemas.openxmlformats.org/drawingml/2006/main" xmlns:r="http://schemas.openxmlformats.org/officeDocument/2006/relationships" xmlns:p="http://schemas.openxmlformats.org/presentationml/2006/main" showMasterSp="1" showMasterPhAnim="1">
+  <p:cSld>
+    <p:spTree>
+      <p:nvGrpSpPr>
+        <p:cNvPr id="1" name=""/>
+        <p:cNvGrpSpPr/>
+        <p:nvPr/>
+      </p:nvGrpSpPr>
+      <p:grpSpPr>
+        <a:xfrm>
+          <a:off x="0" y="0"/>
+          <a:ext cx="0" cy="0"/>
+          <a:chOff x="0" y="0"/>
+          <a:chExt cx="0" cy="0"/>
+        </a:xfrm>
+      </p:grpSpPr>
+      <p:sp>
+        <p:nvSpPr>
+          <p:cNvPr id="162" name="Comments on the detector"/>
+          <p:cNvSpPr txBox="1"/>
+          <p:nvPr>
+            <p:ph type="title"/>
+          </p:nvPr>
+        </p:nvSpPr>
+        <p:spPr>
+          <a:prstGeom prst="rect">
+            <a:avLst/>
+          </a:prstGeom>
+        </p:spPr>
+        <p:txBody>
+          <a:bodyPr/>
+          <a:lstStyle/>
+          <a:p>
+            <a:pPr/>
+            <a:r>
+              <a:t>Comments on the detector</a:t>
+            </a:r>
+          </a:p>
+        </p:txBody>
+      </p:sp>
+      <p:sp>
+        <p:nvSpPr>
+          <p:cNvPr id="163" name="What is an anomaly? Here we define it as those data points that are in the “loosest” clusters (the clusters with the largest mean square distances)…"/>
+          <p:cNvSpPr txBox="1"/>
+          <p:nvPr>
+            <p:ph type="body" idx="1"/>
+          </p:nvPr>
+        </p:nvSpPr>
+        <p:spPr>
+          <a:prstGeom prst="rect">
+            <a:avLst/>
+          </a:prstGeom>
+        </p:spPr>
+        <p:txBody>
+          <a:bodyPr/>
+          <a:lstStyle/>
+          <a:p>
+            <a:pPr/>
+            <a:r>
+              <a:t>What is an anomaly?</a:t>
+            </a:r>
+            <a:br/>
+            <a:r>
+              <a:t>Here we define it as those data points that are in the “loosest” clusters (the clusters with the largest mean square distances)</a:t>
+            </a:r>
+          </a:p>
+          <a:p>
+            <a:pPr/>
+            <a:r>
+              <a:t>Take one (or a few) of the most outlying data points</a:t>
+            </a:r>
+          </a:p>
+          <a:p>
+            <a:pPr/>
+            <a:r>
+              <a:t>Now is the time to start analyzing the actual data (domain knowledge)</a:t>
+            </a:r>
+          </a:p>
+        </p:txBody>
+      </p:sp>
+    </p:spTree>
+  </p:cSld>
+  <p:clrMapOvr>
+    <a:masterClrMapping/>
+  </p:clrMapOvr>
+  <p:transition xmlns:p14="http://schemas.microsoft.com/office/powerpoint/2010/main" spd="med" advClick="1"/>
+</p:sld>
+</file>
+
+<file path=ppt/slides/slide15.xml><?xml version="1.0" encoding="utf-8"?>
+<p:sld xmlns:a="http://schemas.openxmlformats.org/drawingml/2006/main" xmlns:r="http://schemas.openxmlformats.org/officeDocument/2006/relationships" xmlns:p="http://schemas.openxmlformats.org/presentationml/2006/main" showMasterSp="1" showMasterPhAnim="1">
+  <p:cSld>
+    <p:spTree>
+      <p:nvGrpSpPr>
+        <p:cNvPr id="1" name=""/>
+        <p:cNvGrpSpPr/>
+        <p:nvPr/>
+      </p:nvGrpSpPr>
+      <p:grpSpPr>
+        <a:xfrm>
+          <a:off x="0" y="0"/>
+          <a:ext cx="0" cy="0"/>
+          <a:chOff x="0" y="0"/>
+          <a:chExt cx="0" cy="0"/>
+        </a:xfrm>
+      </p:grpSpPr>
+      <p:sp>
+        <p:nvSpPr>
+          <p:cNvPr id="165" name="Result of running it on the RDD"/>
+          <p:cNvSpPr txBox="1"/>
+          <p:nvPr>
+            <p:ph type="title"/>
+          </p:nvPr>
+        </p:nvSpPr>
+        <p:spPr>
+          <a:prstGeom prst="rect">
+            <a:avLst/>
+          </a:prstGeom>
+        </p:spPr>
+        <p:txBody>
+          <a:bodyPr/>
+          <a:lstStyle/>
+          <a:p>
+            <a:pPr/>
+            <a:r>
+              <a:t>Result of running it on the RDD</a:t>
+            </a:r>
+          </a:p>
+        </p:txBody>
+      </p:sp>
+    </p:spTree>
+  </p:cSld>
+  <p:clrMapOvr>
+    <a:masterClrMapping/>
+  </p:clrMapOvr>
+  <p:transition xmlns:p14="http://schemas.microsoft.com/office/powerpoint/2010/main" spd="med" advClick="1"/>
+</p:sld>
+</file>
+
+<file path=ppt/slides/slide16.xml><?xml version="1.0" encoding="utf-8"?>
+<p:sld xmlns:a="http://schemas.openxmlformats.org/drawingml/2006/main" xmlns:r="http://schemas.openxmlformats.org/officeDocument/2006/relationships" xmlns:p="http://schemas.openxmlformats.org/presentationml/2006/main" showMasterSp="1" showMasterPhAnim="1">
+  <p:cSld>
+    <p:spTree>
+      <p:nvGrpSpPr>
+        <p:cNvPr id="1" name=""/>
+        <p:cNvGrpSpPr/>
+        <p:nvPr/>
+      </p:nvGrpSpPr>
+      <p:grpSpPr>
+        <a:xfrm>
+          <a:off x="0" y="0"/>
+          <a:ext cx="0" cy="0"/>
+          <a:chOff x="0" y="0"/>
+          <a:chExt cx="0" cy="0"/>
+        </a:xfrm>
+      </p:grpSpPr>
+      <p:sp>
+        <p:nvSpPr>
+          <p:cNvPr id="167" name="Discussion"/>
+          <p:cNvSpPr txBox="1"/>
+          <p:nvPr>
+            <p:ph type="title"/>
+          </p:nvPr>
+        </p:nvSpPr>
+        <p:spPr>
+          <a:prstGeom prst="rect">
+            <a:avLst/>
+          </a:prstGeom>
+        </p:spPr>
+        <p:txBody>
+          <a:bodyPr/>
+          <a:lstStyle/>
+          <a:p>
+            <a:pPr/>
+            <a:r>
+              <a:t>Discussion</a:t>
+            </a:r>
+          </a:p>
+        </p:txBody>
+      </p:sp>
+      <p:sp>
+        <p:nvSpPr>
+          <p:cNvPr id="168" name="What could be an anomaly in sensor data? Consider examples: Temperature time series in greenhouses Pressure in a water distribution network Loads in an electric power network…"/>
+          <p:cNvSpPr txBox="1"/>
+          <p:nvPr>
+            <p:ph type="body" idx="1"/>
+          </p:nvPr>
+        </p:nvSpPr>
+        <p:spPr>
+          <a:prstGeom prst="rect">
+            <a:avLst/>
+          </a:prstGeom>
+        </p:spPr>
+        <p:txBody>
+          <a:bodyPr/>
+          <a:lstStyle/>
+          <a:p>
+            <a:pPr/>
+            <a:r>
+              <a:t>What could be an anomaly in sensor data? Consider examples:</a:t>
+            </a:r>
+            <a:br/>
+            <a:r>
+              <a:t>Temperature time series in greenhouses</a:t>
+            </a:r>
+            <a:br/>
+            <a:r>
+              <a:t>Pressure in a water distribution network</a:t>
+            </a:r>
+            <a:br/>
+            <a:r>
+              <a:t>Loads in an electric power network</a:t>
+            </a:r>
+          </a:p>
+          <a:p>
+            <a:pPr/>
+            <a:r>
+              <a:t>How would we run an anomaly detector on historical IoT sensor data?</a:t>
+            </a:r>
+          </a:p>
+          <a:p>
+            <a:pPr/>
+            <a:r>
+              <a:t>Consider also real-time detection</a:t>
             </a:r>
           </a:p>
         </p:txBody>
@@ -3235,7 +4331,7 @@
       </p:grpSpPr>
       <p:sp>
         <p:nvSpPr>
-          <p:cNvPr id="117" name="Title 1"/>
+          <p:cNvPr id="127" name="Title 1"/>
           <p:cNvSpPr txBox="1"/>
           <p:nvPr>
             <p:ph type="ctrTitle"/>
@@ -3282,17 +4378,6 @@
 <file path=ppt/slides/slide3.xml><?xml version="1.0" encoding="utf-8"?>
 <p:sld xmlns:a="http://schemas.openxmlformats.org/drawingml/2006/main" xmlns:r="http://schemas.openxmlformats.org/officeDocument/2006/relationships" xmlns:p="http://schemas.openxmlformats.org/presentationml/2006/main" showMasterSp="1" showMasterPhAnim="1">
   <p:cSld>
-    <p:bg>
-      <p:bgPr>
-        <a:blipFill rotWithShape="1">
-          <a:blip r:embed="rId2"/>
-          <a:srcRect l="0" t="0" r="0" b="0"/>
-          <a:stretch>
-            <a:fillRect/>
-          </a:stretch>
-        </a:blipFill>
-      </p:bgPr>
-    </p:bg>
     <p:spTree>
       <p:nvGrpSpPr>
         <p:cNvPr id="1" name=""/>
@@ -3307,6 +4392,919 @@
           <a:chExt cx="0" cy="0"/>
         </a:xfrm>
       </p:grpSpPr>
+      <p:sp>
+        <p:nvSpPr>
+          <p:cNvPr id="129" name="Lecture 12: Anomaly Detection"/>
+          <p:cNvSpPr txBox="1"/>
+          <p:nvPr>
+            <p:ph type="title"/>
+          </p:nvPr>
+        </p:nvSpPr>
+        <p:spPr>
+          <a:prstGeom prst="rect">
+            <a:avLst/>
+          </a:prstGeom>
+        </p:spPr>
+        <p:txBody>
+          <a:bodyPr/>
+          <a:lstStyle/>
+          <a:p>
+            <a:pPr/>
+            <a:r>
+              <a:t>Lecture 12: Anomaly Detection</a:t>
+            </a:r>
+          </a:p>
+        </p:txBody>
+      </p:sp>
+      <p:sp>
+        <p:nvSpPr>
+          <p:cNvPr id="130" name="Case study: Network Intrusion Detection…"/>
+          <p:cNvSpPr txBox="1"/>
+          <p:nvPr>
+            <p:ph type="body" idx="1"/>
+          </p:nvPr>
+        </p:nvSpPr>
+        <p:spPr>
+          <a:prstGeom prst="rect">
+            <a:avLst/>
+          </a:prstGeom>
+        </p:spPr>
+        <p:txBody>
+          <a:bodyPr/>
+          <a:lstStyle/>
+          <a:p>
+            <a:pPr/>
+            <a:r>
+              <a:t>Case study: Network Intrusion Detection</a:t>
+            </a:r>
+          </a:p>
+          <a:p>
+            <a:pPr/>
+            <a:r>
+              <a:t>The KDD Cup dataset</a:t>
+            </a:r>
+          </a:p>
+          <a:p>
+            <a:pPr/>
+            <a:r>
+              <a:t>Exploring the data</a:t>
+            </a:r>
+          </a:p>
+          <a:p>
+            <a:pPr/>
+            <a:r>
+              <a:t>K-means clustering</a:t>
+            </a:r>
+          </a:p>
+          <a:p>
+            <a:pPr/>
+            <a:r>
+              <a:t>Anomaly detection</a:t>
+            </a:r>
+          </a:p>
+          <a:p>
+            <a:pPr/>
+            <a:r>
+              <a:t>Visualization</a:t>
+            </a:r>
+          </a:p>
+          <a:p>
+            <a:pPr/>
+            <a:r>
+              <a:t>Self-study hints</a:t>
+            </a:r>
+          </a:p>
+        </p:txBody>
+      </p:sp>
+    </p:spTree>
+  </p:cSld>
+  <p:clrMapOvr>
+    <a:masterClrMapping/>
+  </p:clrMapOvr>
+  <p:transition xmlns:p14="http://schemas.microsoft.com/office/powerpoint/2010/main" spd="med" advClick="1"/>
+</p:sld>
+</file>
+
+<file path=ppt/slides/slide4.xml><?xml version="1.0" encoding="utf-8"?>
+<p:sld xmlns:a="http://schemas.openxmlformats.org/drawingml/2006/main" xmlns:r="http://schemas.openxmlformats.org/officeDocument/2006/relationships" xmlns:p="http://schemas.openxmlformats.org/presentationml/2006/main" showMasterSp="1" showMasterPhAnim="1">
+  <p:cSld>
+    <p:spTree>
+      <p:nvGrpSpPr>
+        <p:cNvPr id="1" name=""/>
+        <p:cNvGrpSpPr/>
+        <p:nvPr/>
+      </p:nvGrpSpPr>
+      <p:grpSpPr>
+        <a:xfrm>
+          <a:off x="0" y="0"/>
+          <a:ext cx="0" cy="0"/>
+          <a:chOff x="0" y="0"/>
+          <a:chExt cx="0" cy="0"/>
+        </a:xfrm>
+      </p:grpSpPr>
+      <p:sp>
+        <p:nvSpPr>
+          <p:cNvPr id="132" name="The KDD Cup 1999 Data"/>
+          <p:cNvSpPr txBox="1"/>
+          <p:nvPr>
+            <p:ph type="title"/>
+          </p:nvPr>
+        </p:nvSpPr>
+        <p:spPr>
+          <a:prstGeom prst="rect">
+            <a:avLst/>
+          </a:prstGeom>
+        </p:spPr>
+        <p:txBody>
+          <a:bodyPr/>
+          <a:lstStyle/>
+          <a:p>
+            <a:pPr/>
+            <a:r>
+              <a:t>The KDD Cup 1999 Data</a:t>
+            </a:r>
+          </a:p>
+        </p:txBody>
+      </p:sp>
+      <p:sp>
+        <p:nvSpPr>
+          <p:cNvPr id="133" name="Annual data mining competition of ACM…"/>
+          <p:cNvSpPr txBox="1"/>
+          <p:nvPr>
+            <p:ph type="body" idx="1"/>
+          </p:nvPr>
+        </p:nvSpPr>
+        <p:spPr>
+          <a:prstGeom prst="rect">
+            <a:avLst/>
+          </a:prstGeom>
+        </p:spPr>
+        <p:txBody>
+          <a:bodyPr/>
+          <a:lstStyle/>
+          <a:p>
+            <a:pPr/>
+            <a:r>
+              <a:t>Annual data mining competition of ACM</a:t>
+            </a:r>
+          </a:p>
+          <a:p>
+            <a:pPr/>
+            <a:r>
+              <a:t>Data collected for 4.9 million connections</a:t>
+            </a:r>
+          </a:p>
+          <a:p>
+            <a:pPr/>
+            <a:r>
+              <a:t>Raw data preprocessed for “interesting” features: protocol (TCP/UDP/…), bytes sent, login attempts, etc.</a:t>
+            </a:r>
+          </a:p>
+          <a:p>
+            <a:pPr/>
+            <a:r>
+              <a:t>Many “categorical features”</a:t>
+            </a:r>
+          </a:p>
+          <a:p>
+            <a:pPr/>
+            <a:r>
+              <a:t>Labeled for “known attacks”, but we would like to see if we can find “</a:t>
+            </a:r>
+            <a:r>
+              <a:rPr b="1"/>
+              <a:t>unknown attacks</a:t>
+            </a:r>
+            <a:r>
+              <a:t>”</a:t>
+            </a:r>
+          </a:p>
+        </p:txBody>
+      </p:sp>
+    </p:spTree>
+  </p:cSld>
+  <p:clrMapOvr>
+    <a:masterClrMapping/>
+  </p:clrMapOvr>
+  <p:transition xmlns:p14="http://schemas.microsoft.com/office/powerpoint/2010/main" spd="med" advClick="1"/>
+</p:sld>
+</file>
+
+<file path=ppt/slides/slide5.xml><?xml version="1.0" encoding="utf-8"?>
+<p:sld xmlns:a="http://schemas.openxmlformats.org/drawingml/2006/main" xmlns:r="http://schemas.openxmlformats.org/officeDocument/2006/relationships" xmlns:p="http://schemas.openxmlformats.org/presentationml/2006/main" showMasterSp="1" showMasterPhAnim="1">
+  <p:cSld>
+    <p:spTree>
+      <p:nvGrpSpPr>
+        <p:cNvPr id="1" name=""/>
+        <p:cNvGrpSpPr/>
+        <p:nvPr/>
+      </p:nvGrpSpPr>
+      <p:grpSpPr>
+        <a:xfrm>
+          <a:off x="0" y="0"/>
+          <a:ext cx="0" cy="0"/>
+          <a:chOff x="0" y="0"/>
+          <a:chExt cx="0" cy="0"/>
+        </a:xfrm>
+      </p:grpSpPr>
+      <p:sp>
+        <p:nvSpPr>
+          <p:cNvPr id="135" name="Start with imports"/>
+          <p:cNvSpPr txBox="1"/>
+          <p:nvPr>
+            <p:ph type="title"/>
+          </p:nvPr>
+        </p:nvSpPr>
+        <p:spPr>
+          <a:prstGeom prst="rect">
+            <a:avLst/>
+          </a:prstGeom>
+        </p:spPr>
+        <p:txBody>
+          <a:bodyPr/>
+          <a:lstStyle/>
+          <a:p>
+            <a:pPr/>
+            <a:r>
+              <a:t>Start with imports</a:t>
+            </a:r>
+          </a:p>
+        </p:txBody>
+      </p:sp>
+      <p:sp>
+        <p:nvSpPr>
+          <p:cNvPr id="136" name="/*…"/>
+          <p:cNvSpPr txBox="1"/>
+          <p:nvPr/>
+        </p:nvSpPr>
+        <p:spPr>
+          <a:xfrm>
+            <a:off x="437221" y="1744979"/>
+            <a:ext cx="8269559" cy="4561841"/>
+          </a:xfrm>
+          <a:prstGeom prst="rect">
+            <a:avLst/>
+          </a:prstGeom>
+          <a:ln w="12700">
+            <a:miter lim="400000"/>
+          </a:ln>
+          <a:extLst>
+            <a:ext uri="{C572A759-6A51-4108-AA02-DFA0A04FC94B}">
+              <ma14:wrappingTextBoxFlag xmlns:ma14="http://schemas.microsoft.com/office/mac/drawingml/2011/main" val="1"/>
+            </a:ext>
+          </a:extLst>
+        </p:spPr>
+        <p:txBody>
+          <a:bodyPr wrap="none" lIns="45719" rIns="45719">
+            <a:spAutoFit/>
+          </a:bodyPr>
+          <a:lstStyle/>
+          <a:p>
+            <a:pPr/>
+            <a:r>
+              <a:t>/*</a:t>
+            </a:r>
+          </a:p>
+          <a:p>
+            <a:pPr/>
+            <a:r>
+              <a:t> * Copyright 2015 and onwards Sanford Ryza, Uri Laserson, Sean Owen and Joshua Wills</a:t>
+            </a:r>
+          </a:p>
+          <a:p>
+            <a:pPr/>
+            <a:r>
+              <a:t> *</a:t>
+            </a:r>
+          </a:p>
+          <a:p>
+            <a:pPr/>
+            <a:r>
+              <a:t> * See LICENSE file for further information.</a:t>
+            </a:r>
+          </a:p>
+          <a:p>
+            <a:pPr/>
+            <a:r>
+              <a:t> */</a:t>
+            </a:r>
+          </a:p>
+          <a:p>
+            <a:pPr/>
+          </a:p>
+          <a:p>
+            <a:pPr/>
+            <a:r>
+              <a:t>//package com.cloudera.datascience.kmeans</a:t>
+            </a:r>
+          </a:p>
+          <a:p>
+            <a:pPr/>
+          </a:p>
+          <a:p>
+            <a:pPr/>
+            <a:r>
+              <a:t>import org.apache.spark.ml.{PipelineModel, Pipeline}</a:t>
+            </a:r>
+          </a:p>
+          <a:p>
+            <a:pPr/>
+            <a:r>
+              <a:t>import org.apache.spark.ml.clustering.{KMeans, KMeansModel}</a:t>
+            </a:r>
+          </a:p>
+          <a:p>
+            <a:pPr/>
+            <a:r>
+              <a:t>import org.apache.spark.ml.feature.{OneHotEncoder, VectorAssembler, StringIndexer, StandardScaler}</a:t>
+            </a:r>
+          </a:p>
+          <a:p>
+            <a:pPr/>
+            <a:r>
+              <a:t>import org.apache.spark.ml.linalg.{Vector, Vectors}</a:t>
+            </a:r>
+          </a:p>
+          <a:p>
+            <a:pPr/>
+            <a:r>
+              <a:t>import org.apache.spark.sql.{DataFrame, SparkSession}</a:t>
+            </a:r>
+          </a:p>
+          <a:p>
+            <a:pPr/>
+            <a:r>
+              <a:t>import scala.util.Random</a:t>
+            </a:r>
+          </a:p>
+        </p:txBody>
+      </p:sp>
+    </p:spTree>
+  </p:cSld>
+  <p:clrMapOvr>
+    <a:masterClrMapping/>
+  </p:clrMapOvr>
+  <p:transition xmlns:p14="http://schemas.microsoft.com/office/powerpoint/2010/main" spd="med" advClick="1"/>
+</p:sld>
+</file>
+
+<file path=ppt/slides/slide6.xml><?xml version="1.0" encoding="utf-8"?>
+<p:sld xmlns:a="http://schemas.openxmlformats.org/drawingml/2006/main" xmlns:r="http://schemas.openxmlformats.org/officeDocument/2006/relationships" xmlns:p="http://schemas.openxmlformats.org/presentationml/2006/main" showMasterSp="1" showMasterPhAnim="1">
+  <p:cSld>
+    <p:spTree>
+      <p:nvGrpSpPr>
+        <p:cNvPr id="1" name=""/>
+        <p:cNvGrpSpPr/>
+        <p:nvPr/>
+      </p:nvGrpSpPr>
+      <p:grpSpPr>
+        <a:xfrm>
+          <a:off x="0" y="0"/>
+          <a:ext cx="0" cy="0"/>
+          <a:chOff x="0" y="0"/>
+          <a:chExt cx="0" cy="0"/>
+        </a:xfrm>
+      </p:grpSpPr>
+      <p:sp>
+        <p:nvSpPr>
+          <p:cNvPr id="138" name="Create an RDD from CSV data"/>
+          <p:cNvSpPr txBox="1"/>
+          <p:nvPr>
+            <p:ph type="title"/>
+          </p:nvPr>
+        </p:nvSpPr>
+        <p:spPr>
+          <a:prstGeom prst="rect">
+            <a:avLst/>
+          </a:prstGeom>
+        </p:spPr>
+        <p:txBody>
+          <a:bodyPr/>
+          <a:lstStyle/>
+          <a:p>
+            <a:pPr/>
+            <a:r>
+              <a:t>Create an RDD from CSV data</a:t>
+            </a:r>
+          </a:p>
+        </p:txBody>
+      </p:sp>
+      <p:sp>
+        <p:nvSpPr>
+          <p:cNvPr id="139" name="val data = spark.read.…"/>
+          <p:cNvSpPr txBox="1"/>
+          <p:nvPr/>
+        </p:nvSpPr>
+        <p:spPr>
+          <a:xfrm>
+            <a:off x="1200504" y="1681479"/>
+            <a:ext cx="6742992" cy="4917441"/>
+          </a:xfrm>
+          <a:prstGeom prst="rect">
+            <a:avLst/>
+          </a:prstGeom>
+          <a:ln w="12700">
+            <a:miter lim="400000"/>
+          </a:ln>
+          <a:extLst>
+            <a:ext uri="{C572A759-6A51-4108-AA02-DFA0A04FC94B}">
+              <ma14:wrappingTextBoxFlag xmlns:ma14="http://schemas.microsoft.com/office/mac/drawingml/2011/main" val="1"/>
+            </a:ext>
+          </a:extLst>
+        </p:spPr>
+        <p:txBody>
+          <a:bodyPr lIns="45719" rIns="45719">
+            <a:spAutoFit/>
+          </a:bodyPr>
+          <a:lstStyle/>
+          <a:p>
+            <a:pPr>
+              <a:defRPr sz="1600"/>
+            </a:pPr>
+            <a:r>
+              <a:t>  val data = spark.read.</a:t>
+            </a:r>
+          </a:p>
+          <a:p>
+            <a:pPr>
+              <a:defRPr sz="1600"/>
+            </a:pPr>
+            <a:r>
+              <a:t>      option("inferSchema", true).</a:t>
+            </a:r>
+          </a:p>
+          <a:p>
+            <a:pPr>
+              <a:defRPr sz="1600"/>
+            </a:pPr>
+            <a:r>
+              <a:t>      option("header", false).</a:t>
+            </a:r>
+          </a:p>
+          <a:p>
+            <a:pPr>
+              <a:defRPr sz="1600"/>
+            </a:pPr>
+            <a:r>
+              <a:t>      csv("/Users/markon/ITU/anomaly_test/kddcup.data").</a:t>
+            </a:r>
+          </a:p>
+          <a:p>
+            <a:pPr>
+              <a:defRPr sz="1600"/>
+            </a:pPr>
+            <a:r>
+              <a:t>      toDF(</a:t>
+            </a:r>
+          </a:p>
+          <a:p>
+            <a:pPr>
+              <a:defRPr sz="1600"/>
+            </a:pPr>
+            <a:r>
+              <a:t>        "duration", "protocol_type", "service", "flag",</a:t>
+            </a:r>
+          </a:p>
+          <a:p>
+            <a:pPr>
+              <a:defRPr sz="1600"/>
+            </a:pPr>
+            <a:r>
+              <a:t>        "src_bytes", "dst_bytes", "land", "wrong_fragment", "urgent",</a:t>
+            </a:r>
+          </a:p>
+          <a:p>
+            <a:pPr>
+              <a:defRPr sz="1600"/>
+            </a:pPr>
+            <a:r>
+              <a:t>        "hot", "num_failed_logins", "logged_in", "num_compromised",</a:t>
+            </a:r>
+          </a:p>
+          <a:p>
+            <a:pPr>
+              <a:defRPr sz="1600"/>
+            </a:pPr>
+            <a:r>
+              <a:t>        "root_shell", "su_attempted", "num_root", "num_file_creations",</a:t>
+            </a:r>
+          </a:p>
+          <a:p>
+            <a:pPr>
+              <a:defRPr sz="1600"/>
+            </a:pPr>
+            <a:r>
+              <a:t>        "num_shells", "num_access_files", "num_outbound_cmds",</a:t>
+            </a:r>
+          </a:p>
+          <a:p>
+            <a:pPr>
+              <a:defRPr sz="1600"/>
+            </a:pPr>
+            <a:r>
+              <a:t>        "is_host_login", "is_guest_login", "count", "srv_count",</a:t>
+            </a:r>
+          </a:p>
+          <a:p>
+            <a:pPr>
+              <a:defRPr sz="1600"/>
+            </a:pPr>
+            <a:r>
+              <a:t>        "serror_rate", "srv_serror_rate", "rerror_rate", "srv_rerror_rate",</a:t>
+            </a:r>
+          </a:p>
+          <a:p>
+            <a:pPr>
+              <a:defRPr sz="1600"/>
+            </a:pPr>
+            <a:r>
+              <a:t>        "same_srv_rate", "diff_srv_rate", "srv_diff_host_rate",</a:t>
+            </a:r>
+          </a:p>
+          <a:p>
+            <a:pPr>
+              <a:defRPr sz="1600"/>
+            </a:pPr>
+            <a:r>
+              <a:t>        "dst_host_count", "dst_host_srv_count",</a:t>
+            </a:r>
+          </a:p>
+          <a:p>
+            <a:pPr>
+              <a:defRPr sz="1600"/>
+            </a:pPr>
+            <a:r>
+              <a:t>        "dst_host_same_srv_rate", "dst_host_diff_srv_rate",</a:t>
+            </a:r>
+          </a:p>
+          <a:p>
+            <a:pPr>
+              <a:defRPr sz="1600"/>
+            </a:pPr>
+            <a:r>
+              <a:t>        "dst_host_same_src_port_rate", "dst_host_srv_diff_host_rate",</a:t>
+            </a:r>
+          </a:p>
+          <a:p>
+            <a:pPr>
+              <a:defRPr sz="1600"/>
+            </a:pPr>
+            <a:r>
+              <a:t>        "dst_host_serror_rate", "dst_host_srv_serror_rate",</a:t>
+            </a:r>
+          </a:p>
+          <a:p>
+            <a:pPr>
+              <a:defRPr sz="1600"/>
+            </a:pPr>
+            <a:r>
+              <a:t>        "dst_host_rerror_rate", "dst_host_srv_rerror_rate",</a:t>
+            </a:r>
+          </a:p>
+          <a:p>
+            <a:pPr>
+              <a:defRPr sz="1600"/>
+            </a:pPr>
+            <a:r>
+              <a:t>        "label")</a:t>
+            </a:r>
+          </a:p>
+        </p:txBody>
+      </p:sp>
+    </p:spTree>
+  </p:cSld>
+  <p:clrMapOvr>
+    <a:masterClrMapping/>
+  </p:clrMapOvr>
+  <p:transition xmlns:p14="http://schemas.microsoft.com/office/powerpoint/2010/main" spd="med" advClick="1"/>
+</p:sld>
+</file>
+
+<file path=ppt/slides/slide7.xml><?xml version="1.0" encoding="utf-8"?>
+<p:sld xmlns:a="http://schemas.openxmlformats.org/drawingml/2006/main" xmlns:r="http://schemas.openxmlformats.org/officeDocument/2006/relationships" xmlns:p="http://schemas.openxmlformats.org/presentationml/2006/main" showMasterSp="1" showMasterPhAnim="1">
+  <p:cSld>
+    <p:spTree>
+      <p:nvGrpSpPr>
+        <p:cNvPr id="1" name=""/>
+        <p:cNvGrpSpPr/>
+        <p:nvPr/>
+      </p:nvGrpSpPr>
+      <p:grpSpPr>
+        <a:xfrm>
+          <a:off x="0" y="0"/>
+          <a:ext cx="0" cy="0"/>
+          <a:chOff x="0" y="0"/>
+          <a:chExt cx="0" cy="0"/>
+        </a:xfrm>
+      </p:grpSpPr>
+      <p:sp>
+        <p:nvSpPr>
+          <p:cNvPr id="141" name="Comments on the RDD"/>
+          <p:cNvSpPr txBox="1"/>
+          <p:nvPr>
+            <p:ph type="title"/>
+          </p:nvPr>
+        </p:nvSpPr>
+        <p:spPr>
+          <a:prstGeom prst="rect">
+            <a:avLst/>
+          </a:prstGeom>
+        </p:spPr>
+        <p:txBody>
+          <a:bodyPr/>
+          <a:lstStyle/>
+          <a:p>
+            <a:pPr/>
+            <a:r>
+              <a:t>Comments on the RDD</a:t>
+            </a:r>
+          </a:p>
+        </p:txBody>
+      </p:sp>
+      <p:sp>
+        <p:nvSpPr>
+          <p:cNvPr id="142" name="option(&quot;inferSchema&quot;, true) Scala infers the type of the input variables from their values…"/>
+          <p:cNvSpPr txBox="1"/>
+          <p:nvPr>
+            <p:ph type="body" idx="1"/>
+          </p:nvPr>
+        </p:nvSpPr>
+        <p:spPr>
+          <a:prstGeom prst="rect">
+            <a:avLst/>
+          </a:prstGeom>
+        </p:spPr>
+        <p:txBody>
+          <a:bodyPr/>
+          <a:lstStyle/>
+          <a:p>
+            <a:pPr/>
+            <a:r>
+              <a:t>option("inferSchema", true)</a:t>
+            </a:r>
+            <a:br/>
+            <a:r>
+              <a:t>Scala infers the type of the input variables from their values</a:t>
+            </a:r>
+          </a:p>
+          <a:p>
+            <a:pPr/>
+            <a:r>
+              <a:t>option("header", false)</a:t>
+            </a:r>
+            <a:br/>
+            <a:r>
+              <a:t>The CSV file has no header line, we need to supply column names</a:t>
+            </a:r>
+          </a:p>
+          <a:p>
+            <a:pPr/>
+            <a:r>
+              <a:t>toDF( "duration", “protocol_type”,…</a:t>
+            </a:r>
+            <a:br/>
+            <a:r>
+              <a:t>These are the names we give to the data</a:t>
+            </a:r>
+          </a:p>
+        </p:txBody>
+      </p:sp>
+    </p:spTree>
+  </p:cSld>
+  <p:clrMapOvr>
+    <a:masterClrMapping/>
+  </p:clrMapOvr>
+  <p:transition xmlns:p14="http://schemas.microsoft.com/office/powerpoint/2010/main" spd="med" advClick="1"/>
+</p:sld>
+</file>
+
+<file path=ppt/slides/slide8.xml><?xml version="1.0" encoding="utf-8"?>
+<p:sld xmlns:a="http://schemas.openxmlformats.org/drawingml/2006/main" xmlns:r="http://schemas.openxmlformats.org/officeDocument/2006/relationships" xmlns:p="http://schemas.openxmlformats.org/presentationml/2006/main" showMasterSp="1" showMasterPhAnim="1">
+  <p:cSld>
+    <p:spTree>
+      <p:nvGrpSpPr>
+        <p:cNvPr id="1" name=""/>
+        <p:cNvGrpSpPr/>
+        <p:nvPr/>
+      </p:nvGrpSpPr>
+      <p:grpSpPr>
+        <a:xfrm>
+          <a:off x="0" y="0"/>
+          <a:ext cx="0" cy="0"/>
+          <a:chOff x="0" y="0"/>
+          <a:chExt cx="0" cy="0"/>
+        </a:xfrm>
+      </p:grpSpPr>
+      <p:sp>
+        <p:nvSpPr>
+          <p:cNvPr id="144" name="Pipeline for one-hot encoding"/>
+          <p:cNvSpPr txBox="1"/>
+          <p:nvPr>
+            <p:ph type="title"/>
+          </p:nvPr>
+        </p:nvSpPr>
+        <p:spPr>
+          <a:prstGeom prst="rect">
+            <a:avLst/>
+          </a:prstGeom>
+        </p:spPr>
+        <p:txBody>
+          <a:bodyPr/>
+          <a:lstStyle/>
+          <a:p>
+            <a:pPr/>
+            <a:r>
+              <a:t>Pipeline for one-hot encoding</a:t>
+            </a:r>
+          </a:p>
+        </p:txBody>
+      </p:sp>
+      <p:sp>
+        <p:nvSpPr>
+          <p:cNvPr id="145" name="def oneHotPipeline(inputCol: String): (Pipeline, String) = {…"/>
+          <p:cNvSpPr txBox="1"/>
+          <p:nvPr/>
+        </p:nvSpPr>
+        <p:spPr>
+          <a:xfrm>
+            <a:off x="1464190" y="1846580"/>
+            <a:ext cx="6215620" cy="3164840"/>
+          </a:xfrm>
+          <a:prstGeom prst="rect">
+            <a:avLst/>
+          </a:prstGeom>
+          <a:ln w="12700">
+            <a:miter lim="400000"/>
+          </a:ln>
+          <a:extLst>
+            <a:ext uri="{C572A759-6A51-4108-AA02-DFA0A04FC94B}">
+              <ma14:wrappingTextBoxFlag xmlns:ma14="http://schemas.microsoft.com/office/mac/drawingml/2011/main" val="1"/>
+            </a:ext>
+          </a:extLst>
+        </p:spPr>
+        <p:txBody>
+          <a:bodyPr wrap="none" lIns="45719" rIns="45719">
+            <a:spAutoFit/>
+          </a:bodyPr>
+          <a:lstStyle/>
+          <a:p>
+            <a:pPr/>
+            <a:r>
+              <a:t> def oneHotPipeline(inputCol: String): (Pipeline, String) = {</a:t>
+            </a:r>
+          </a:p>
+          <a:p>
+            <a:pPr/>
+            <a:r>
+              <a:t>    val indexer = new StringIndexer().</a:t>
+            </a:r>
+          </a:p>
+          <a:p>
+            <a:pPr/>
+            <a:r>
+              <a:t>      setInputCol(inputCol).</a:t>
+            </a:r>
+          </a:p>
+          <a:p>
+            <a:pPr/>
+            <a:r>
+              <a:t>      setOutputCol(inputCol + "_indexed")</a:t>
+            </a:r>
+          </a:p>
+          <a:p>
+            <a:pPr/>
+            <a:r>
+              <a:t>    val encoder = new OneHotEncoder().</a:t>
+            </a:r>
+          </a:p>
+          <a:p>
+            <a:pPr/>
+            <a:r>
+              <a:t>      setInputCol(inputCol + "_indexed").</a:t>
+            </a:r>
+          </a:p>
+          <a:p>
+            <a:pPr/>
+            <a:r>
+              <a:t>      setOutputCol(inputCol + "_vec")</a:t>
+            </a:r>
+          </a:p>
+          <a:p>
+            <a:pPr/>
+            <a:r>
+              <a:t>    val pipeline = new Pipeline().setStages(Array(indexer, encoder))</a:t>
+            </a:r>
+          </a:p>
+          <a:p>
+            <a:pPr/>
+            <a:r>
+              <a:t>    (pipeline, inputCol + "_vec")</a:t>
+            </a:r>
+          </a:p>
+          <a:p>
+            <a:pPr/>
+            <a:r>
+              <a:t>  }</a:t>
+            </a:r>
+          </a:p>
+        </p:txBody>
+      </p:sp>
+    </p:spTree>
+  </p:cSld>
+  <p:clrMapOvr>
+    <a:masterClrMapping/>
+  </p:clrMapOvr>
+  <p:transition xmlns:p14="http://schemas.microsoft.com/office/powerpoint/2010/main" spd="med" advClick="1"/>
+</p:sld>
+</file>
+
+<file path=ppt/slides/slide9.xml><?xml version="1.0" encoding="utf-8"?>
+<p:sld xmlns:a="http://schemas.openxmlformats.org/drawingml/2006/main" xmlns:r="http://schemas.openxmlformats.org/officeDocument/2006/relationships" xmlns:p="http://schemas.openxmlformats.org/presentationml/2006/main" showMasterSp="1" showMasterPhAnim="1">
+  <p:cSld>
+    <p:spTree>
+      <p:nvGrpSpPr>
+        <p:cNvPr id="1" name=""/>
+        <p:cNvGrpSpPr/>
+        <p:nvPr/>
+      </p:nvGrpSpPr>
+      <p:grpSpPr>
+        <a:xfrm>
+          <a:off x="0" y="0"/>
+          <a:ext cx="0" cy="0"/>
+          <a:chOff x="0" y="0"/>
+          <a:chExt cx="0" cy="0"/>
+        </a:xfrm>
+      </p:grpSpPr>
+      <p:sp>
+        <p:nvSpPr>
+          <p:cNvPr id="147" name="Comments on “one-hot”"/>
+          <p:cNvSpPr txBox="1"/>
+          <p:nvPr>
+            <p:ph type="title"/>
+          </p:nvPr>
+        </p:nvSpPr>
+        <p:spPr>
+          <a:prstGeom prst="rect">
+            <a:avLst/>
+          </a:prstGeom>
+        </p:spPr>
+        <p:txBody>
+          <a:bodyPr/>
+          <a:lstStyle/>
+          <a:p>
+            <a:pPr/>
+            <a:r>
+              <a:t>Comments on “one-hot”</a:t>
+            </a:r>
+          </a:p>
+        </p:txBody>
+      </p:sp>
+      <p:sp>
+        <p:nvSpPr>
+          <p:cNvPr id="148" name="For categorical data without any ordering between the categories, the usual encoding is: 1 -&gt;  1 0 0 0 … 2 -&gt;  0 1 0 0 … 3 -&gt;  0 0 1 0 … etc.…"/>
+          <p:cNvSpPr txBox="1"/>
+          <p:nvPr>
+            <p:ph type="body" idx="1"/>
+          </p:nvPr>
+        </p:nvSpPr>
+        <p:spPr>
+          <a:prstGeom prst="rect">
+            <a:avLst/>
+          </a:prstGeom>
+        </p:spPr>
+        <p:txBody>
+          <a:bodyPr/>
+          <a:lstStyle/>
+          <a:p>
+            <a:pPr/>
+            <a:r>
+              <a:t>For categorical data without any ordering between the categories, the usual encoding is:</a:t>
+            </a:r>
+            <a:br/>
+            <a:r>
+              <a:t>1 -&gt;  1 0 0 0 …</a:t>
+            </a:r>
+            <a:br/>
+            <a:r>
+              <a:t>2 -&gt;  0 1 0 0 …</a:t>
+            </a:r>
+            <a:br/>
+            <a:r>
+              <a:t>3 -&gt;  0 0 1 0 …</a:t>
+            </a:r>
+            <a:br/>
+            <a:r>
+              <a:t>etc.</a:t>
+            </a:r>
+          </a:p>
+          <a:p>
+            <a:pPr/>
+            <a:r>
+              <a:t>This function can work on each categorical variable</a:t>
+            </a:r>
+          </a:p>
+        </p:txBody>
+      </p:sp>
     </p:spTree>
   </p:cSld>
   <p:clrMapOvr>

--- a/powerpoints/ITU Academy Slides AM4-12.pptx
+++ b/powerpoints/ITU Academy Slides AM4-12.pptx
@@ -24,6 +24,9 @@
     <p:sldId id="269" r:id="rId21"/>
     <p:sldId id="270" r:id="rId22"/>
     <p:sldId id="271" r:id="rId23"/>
+    <p:sldId id="272" r:id="rId24"/>
+    <p:sldId id="273" r:id="rId25"/>
+    <p:sldId id="274" r:id="rId26"/>
   </p:sldIdLst>
   <p:sldSz cx="9144000" cy="6858000"/>
   <p:notesSz cx="6858000" cy="9144000"/>
@@ -3387,7 +3390,7 @@
       </p:grpSpPr>
       <p:sp>
         <p:nvSpPr>
-          <p:cNvPr id="150" name="Pipeline for all data (1)"/>
+          <p:cNvPr id="150" name="Comments on “one-hot”"/>
           <p:cNvSpPr txBox="1"/>
           <p:nvPr>
             <p:ph type="title"/>
@@ -3404,110 +3407,54 @@
           <a:p>
             <a:pPr/>
             <a:r>
-              <a:t>Pipeline for all data (1)</a:t>
+              <a:t>Comments on “one-hot”</a:t>
             </a:r>
           </a:p>
         </p:txBody>
       </p:sp>
       <p:sp>
         <p:nvSpPr>
-          <p:cNvPr id="151" name="def fitPipeline4(data: DataFrame, k: Int): PipelineModel = {…"/>
+          <p:cNvPr id="151" name="For categorical data without any ordering between the categories, the usual encoding is: 1 -&gt;  1 0 0 0 … 2 -&gt;  0 1 0 0 … 3 -&gt;  0 0 1 0 … etc.…"/>
           <p:cNvSpPr txBox="1"/>
-          <p:nvPr/>
+          <p:nvPr>
+            <p:ph type="body" idx="1"/>
+          </p:nvPr>
         </p:nvSpPr>
         <p:spPr>
-          <a:xfrm>
-            <a:off x="524837" y="1605280"/>
-            <a:ext cx="8272126" cy="4003040"/>
-          </a:xfrm>
-          <a:prstGeom prst="rect">
-            <a:avLst/>
-          </a:prstGeom>
-          <a:ln w="12700">
-            <a:miter lim="400000"/>
-          </a:ln>
-          <a:extLst>
-            <a:ext uri="{C572A759-6A51-4108-AA02-DFA0A04FC94B}">
-              <ma14:wrappingTextBoxFlag xmlns:ma14="http://schemas.microsoft.com/office/mac/drawingml/2011/main" val="1"/>
-            </a:ext>
-          </a:extLst>
+          <a:prstGeom prst="rect">
+            <a:avLst/>
+          </a:prstGeom>
         </p:spPr>
         <p:txBody>
-          <a:bodyPr wrap="none" lIns="45719" rIns="45719">
-            <a:spAutoFit/>
-          </a:bodyPr>
+          <a:bodyPr/>
           <a:lstStyle/>
           <a:p>
             <a:pPr/>
             <a:r>
-              <a:t> def fitPipeline4(data: DataFrame, k: Int): PipelineModel = {</a:t>
-            </a:r>
-          </a:p>
-          <a:p>
-            <a:pPr/>
-            <a:r>
-              <a:t>    val (protoTypeEncoder, protoTypeVecCol) = oneHotPipeline("protocol_type")</a:t>
-            </a:r>
-          </a:p>
-          <a:p>
-            <a:pPr/>
-            <a:r>
-              <a:t>    val (serviceEncoder, serviceVecCol) = oneHotPipeline("service")</a:t>
-            </a:r>
-          </a:p>
-          <a:p>
-            <a:pPr/>
-            <a:r>
-              <a:t>    val (flagEncoder, flagVecCol) = oneHotPipeline("flag")</a:t>
-            </a:r>
-          </a:p>
-          <a:p>
-            <a:pPr/>
-          </a:p>
-          <a:p>
-            <a:pPr/>
-            <a:r>
-              <a:t>    // Original columns, without label / string columns, but with new vector encoded cols</a:t>
-            </a:r>
-          </a:p>
-          <a:p>
-            <a:pPr/>
-            <a:r>
-              <a:t>    val assembleCols = Set(data.columns: _*) --</a:t>
-            </a:r>
-          </a:p>
-          <a:p>
-            <a:pPr/>
-            <a:r>
-              <a:t>      Seq("label", "protocol_type", "service", "flag") ++</a:t>
-            </a:r>
-          </a:p>
-          <a:p>
-            <a:pPr/>
-            <a:r>
-              <a:t>      Seq(protoTypeVecCol, serviceVecCol, flagVecCol)</a:t>
-            </a:r>
-          </a:p>
-          <a:p>
-            <a:pPr/>
-            <a:r>
-              <a:t>    val assembler = new VectorAssembler().</a:t>
-            </a:r>
-          </a:p>
-          <a:p>
-            <a:pPr/>
-            <a:r>
-              <a:t>      setInputCols(assembleCols.toArray).</a:t>
-            </a:r>
-          </a:p>
-          <a:p>
-            <a:pPr/>
-            <a:r>
-              <a:t>      setOutputCol("featureVector")</a:t>
-            </a:r>
-          </a:p>
-          <a:p>
-            <a:pPr/>
+              <a:t>For categorical data without any ordering between the categories, the usual encoding is:</a:t>
+            </a:r>
+            <a:br/>
+            <a:r>
+              <a:t>1 -&gt;  1 0 0 0 …</a:t>
+            </a:r>
+            <a:br/>
+            <a:r>
+              <a:t>2 -&gt;  0 1 0 0 …</a:t>
+            </a:r>
+            <a:br/>
+            <a:r>
+              <a:t>3 -&gt;  0 0 1 0 …</a:t>
+            </a:r>
+            <a:br/>
+            <a:r>
+              <a:t>etc.</a:t>
+            </a:r>
+          </a:p>
+          <a:p>
+            <a:pPr/>
+            <a:r>
+              <a:t>This function can work on each categorical variable</a:t>
+            </a:r>
           </a:p>
         </p:txBody>
       </p:sp>
@@ -3539,7 +3486,7 @@
       </p:grpSpPr>
       <p:sp>
         <p:nvSpPr>
-          <p:cNvPr id="153" name="Pipeline for all data (2)"/>
+          <p:cNvPr id="153" name="Pipeline for all data (1)"/>
           <p:cNvSpPr txBox="1"/>
           <p:nvPr>
             <p:ph type="title"/>
@@ -3556,21 +3503,21 @@
           <a:p>
             <a:pPr/>
             <a:r>
-              <a:t>Pipeline for all data (2)</a:t>
+              <a:t>Pipeline for all data (1)</a:t>
             </a:r>
           </a:p>
         </p:txBody>
       </p:sp>
       <p:sp>
         <p:nvSpPr>
-          <p:cNvPr id="154" name="val scaler = new StandardScaler()…"/>
+          <p:cNvPr id="154" name="def fitPipeline4(data: DataFrame, k: Int): PipelineModel = {…"/>
           <p:cNvSpPr txBox="1"/>
           <p:nvPr/>
         </p:nvSpPr>
         <p:spPr>
           <a:xfrm>
             <a:off x="524837" y="1605280"/>
-            <a:ext cx="8046540" cy="5120641"/>
+            <a:ext cx="8272126" cy="4003041"/>
           </a:xfrm>
           <a:prstGeom prst="rect">
             <a:avLst/>
@@ -3592,104 +3539,74 @@
           <a:p>
             <a:pPr/>
             <a:r>
-              <a:t>    val scaler = new StandardScaler()</a:t>
-            </a:r>
-          </a:p>
-          <a:p>
-            <a:pPr/>
-            <a:r>
-              <a:t>      .setInputCol("featureVector")</a:t>
-            </a:r>
-          </a:p>
-          <a:p>
-            <a:pPr/>
-            <a:r>
-              <a:t>      .setOutputCol("scaledFeatureVector")</a:t>
-            </a:r>
-          </a:p>
-          <a:p>
-            <a:pPr/>
-            <a:r>
-              <a:t>      .setWithStd(true)</a:t>
-            </a:r>
-          </a:p>
-          <a:p>
-            <a:pPr/>
-            <a:r>
-              <a:t>      .setWithMean(false)</a:t>
-            </a:r>
-          </a:p>
-          <a:p>
-            <a:pPr/>
-          </a:p>
-          <a:p>
-            <a:pPr/>
-            <a:r>
-              <a:t>    val kmeans = new KMeans().</a:t>
-            </a:r>
-          </a:p>
-          <a:p>
-            <a:pPr/>
-            <a:r>
-              <a:t>      setSeed(Random.nextLong()).</a:t>
-            </a:r>
-          </a:p>
-          <a:p>
-            <a:pPr/>
-            <a:r>
-              <a:t>      setK(k).</a:t>
-            </a:r>
-          </a:p>
-          <a:p>
-            <a:pPr/>
-            <a:r>
-              <a:t>      setPredictionCol("cluster").</a:t>
-            </a:r>
-          </a:p>
-          <a:p>
-            <a:pPr/>
-            <a:r>
-              <a:t>      setFeaturesCol("scaledFeatureVector").</a:t>
-            </a:r>
-          </a:p>
-          <a:p>
-            <a:pPr/>
-            <a:r>
-              <a:t>      setMaxIter(40).</a:t>
-            </a:r>
-          </a:p>
-          <a:p>
-            <a:pPr/>
-            <a:r>
-              <a:t>      setTol(1.0e-5)</a:t>
-            </a:r>
-          </a:p>
-          <a:p>
-            <a:pPr/>
-          </a:p>
-          <a:p>
-            <a:pPr/>
-            <a:r>
-              <a:t>    val pipeline = new Pipeline().setStages(</a:t>
-            </a:r>
-          </a:p>
-          <a:p>
-            <a:pPr/>
-            <a:r>
-              <a:t>      Array(protoTypeEncoder, serviceEncoder, flagEncoder, assembler, scaler, kmeans))</a:t>
-            </a:r>
-          </a:p>
-          <a:p>
-            <a:pPr/>
-            <a:r>
-              <a:t>    pipeline.fit(data)</a:t>
-            </a:r>
-          </a:p>
-          <a:p>
-            <a:pPr/>
-            <a:r>
-              <a:t>  }</a:t>
-            </a:r>
+              <a:t> def fitPipeline4(data: DataFrame, k: Int): PipelineModel = {</a:t>
+            </a:r>
+          </a:p>
+          <a:p>
+            <a:pPr/>
+            <a:r>
+              <a:t>    val (protoTypeEncoder, protoTypeVecCol) = oneHotPipeline("protocol_type")</a:t>
+            </a:r>
+          </a:p>
+          <a:p>
+            <a:pPr/>
+            <a:r>
+              <a:t>    val (serviceEncoder, serviceVecCol) = oneHotPipeline("service")</a:t>
+            </a:r>
+          </a:p>
+          <a:p>
+            <a:pPr/>
+            <a:r>
+              <a:t>    val (flagEncoder, flagVecCol) = oneHotPipeline("flag")</a:t>
+            </a:r>
+          </a:p>
+          <a:p>
+            <a:pPr/>
+          </a:p>
+          <a:p>
+            <a:pPr/>
+            <a:r>
+              <a:t>    // Original columns, without label / string columns, but with new vector encoded cols</a:t>
+            </a:r>
+          </a:p>
+          <a:p>
+            <a:pPr/>
+            <a:r>
+              <a:t>    val assembleCols = Set(data.columns: _*) --</a:t>
+            </a:r>
+          </a:p>
+          <a:p>
+            <a:pPr/>
+            <a:r>
+              <a:t>      Seq("label", "protocol_type", "service", "flag") ++</a:t>
+            </a:r>
+          </a:p>
+          <a:p>
+            <a:pPr/>
+            <a:r>
+              <a:t>      Seq(protoTypeVecCol, serviceVecCol, flagVecCol)</a:t>
+            </a:r>
+          </a:p>
+          <a:p>
+            <a:pPr/>
+            <a:r>
+              <a:t>    val assembler = new VectorAssembler().</a:t>
+            </a:r>
+          </a:p>
+          <a:p>
+            <a:pPr/>
+            <a:r>
+              <a:t>      setInputCols(assembleCols.toArray).</a:t>
+            </a:r>
+          </a:p>
+          <a:p>
+            <a:pPr/>
+            <a:r>
+              <a:t>      setOutputCol("featureVector")</a:t>
+            </a:r>
+          </a:p>
+          <a:p>
+            <a:pPr/>
           </a:p>
         </p:txBody>
       </p:sp>
@@ -3721,7 +3638,7 @@
       </p:grpSpPr>
       <p:sp>
         <p:nvSpPr>
-          <p:cNvPr id="156" name="Comments on K-means"/>
+          <p:cNvPr id="156" name="Pipeline for all data (2)"/>
           <p:cNvSpPr txBox="1"/>
           <p:nvPr>
             <p:ph type="title"/>
@@ -3738,69 +3655,139 @@
           <a:p>
             <a:pPr/>
             <a:r>
-              <a:t>Comments on K-means</a:t>
+              <a:t>Pipeline for all data (2)</a:t>
             </a:r>
           </a:p>
         </p:txBody>
       </p:sp>
       <p:sp>
         <p:nvSpPr>
-          <p:cNvPr id="157" name="Imported from the clustering library…"/>
+          <p:cNvPr id="157" name="val scaler = new StandardScaler()…"/>
           <p:cNvSpPr txBox="1"/>
-          <p:nvPr>
-            <p:ph type="body" idx="1"/>
-          </p:nvPr>
+          <p:nvPr/>
         </p:nvSpPr>
         <p:spPr>
-          <a:prstGeom prst="rect">
-            <a:avLst/>
-          </a:prstGeom>
+          <a:xfrm>
+            <a:off x="524837" y="1605280"/>
+            <a:ext cx="8046540" cy="5120641"/>
+          </a:xfrm>
+          <a:prstGeom prst="rect">
+            <a:avLst/>
+          </a:prstGeom>
+          <a:ln w="12700">
+            <a:miter lim="400000"/>
+          </a:ln>
+          <a:extLst>
+            <a:ext uri="{C572A759-6A51-4108-AA02-DFA0A04FC94B}">
+              <ma14:wrappingTextBoxFlag xmlns:ma14="http://schemas.microsoft.com/office/mac/drawingml/2011/main" val="1"/>
+            </a:ext>
+          </a:extLst>
         </p:spPr>
         <p:txBody>
-          <a:bodyPr/>
+          <a:bodyPr wrap="none" lIns="45719" rIns="45719">
+            <a:spAutoFit/>
+          </a:bodyPr>
           <a:lstStyle/>
           <a:p>
             <a:pPr/>
             <a:r>
-              <a:t>Imported from the clustering library</a:t>
-            </a:r>
-          </a:p>
-          <a:p>
-            <a:pPr/>
-            <a:r>
-              <a:t>Notes on the supplied parameters:</a:t>
-            </a:r>
-            <a:br/>
-            <a:r>
-              <a:rPr b="1"/>
-              <a:t>k</a:t>
-            </a:r>
-            <a:r>
-              <a:t> is given at invocation</a:t>
-            </a:r>
-            <a:br/>
-            <a:r>
-              <a:rPr b="1"/>
-              <a:t>max. iterations</a:t>
-            </a:r>
-            <a:r>
-              <a:t> set to 40 - might need more</a:t>
-            </a:r>
-            <a:br/>
-            <a:r>
-              <a:rPr b="1"/>
-              <a:t>tolerance</a:t>
-            </a:r>
-            <a:r>
-              <a:t> set to 1.0e-5 - depends on problem</a:t>
-            </a:r>
-            <a:br/>
-            <a:r>
-              <a:rPr b="1"/>
-              <a:t>seed</a:t>
-            </a:r>
-            <a:r>
-              <a:t> random - use constant for reproducibility</a:t>
+              <a:t>    val scaler = new StandardScaler()</a:t>
+            </a:r>
+          </a:p>
+          <a:p>
+            <a:pPr/>
+            <a:r>
+              <a:t>      .setInputCol("featureVector")</a:t>
+            </a:r>
+          </a:p>
+          <a:p>
+            <a:pPr/>
+            <a:r>
+              <a:t>      .setOutputCol("scaledFeatureVector")</a:t>
+            </a:r>
+          </a:p>
+          <a:p>
+            <a:pPr/>
+            <a:r>
+              <a:t>      .setWithStd(true)</a:t>
+            </a:r>
+          </a:p>
+          <a:p>
+            <a:pPr/>
+            <a:r>
+              <a:t>      .setWithMean(false)</a:t>
+            </a:r>
+          </a:p>
+          <a:p>
+            <a:pPr/>
+          </a:p>
+          <a:p>
+            <a:pPr/>
+            <a:r>
+              <a:t>    val kmeans = new KMeans().</a:t>
+            </a:r>
+          </a:p>
+          <a:p>
+            <a:pPr/>
+            <a:r>
+              <a:t>      setSeed(Random.nextLong()).</a:t>
+            </a:r>
+          </a:p>
+          <a:p>
+            <a:pPr/>
+            <a:r>
+              <a:t>      setK(k).</a:t>
+            </a:r>
+          </a:p>
+          <a:p>
+            <a:pPr/>
+            <a:r>
+              <a:t>      setPredictionCol("cluster").</a:t>
+            </a:r>
+          </a:p>
+          <a:p>
+            <a:pPr/>
+            <a:r>
+              <a:t>      setFeaturesCol("scaledFeatureVector").</a:t>
+            </a:r>
+          </a:p>
+          <a:p>
+            <a:pPr/>
+            <a:r>
+              <a:t>      setMaxIter(40).</a:t>
+            </a:r>
+          </a:p>
+          <a:p>
+            <a:pPr/>
+            <a:r>
+              <a:t>      setTol(1.0e-5)</a:t>
+            </a:r>
+          </a:p>
+          <a:p>
+            <a:pPr/>
+          </a:p>
+          <a:p>
+            <a:pPr/>
+            <a:r>
+              <a:t>    val pipeline = new Pipeline().setStages(</a:t>
+            </a:r>
+          </a:p>
+          <a:p>
+            <a:pPr/>
+            <a:r>
+              <a:t>      Array(protoTypeEncoder, serviceEncoder, flagEncoder, assembler, scaler, kmeans))</a:t>
+            </a:r>
+          </a:p>
+          <a:p>
+            <a:pPr/>
+            <a:r>
+              <a:t>    pipeline.fit(data)</a:t>
+            </a:r>
+          </a:p>
+          <a:p>
+            <a:pPr/>
+            <a:r>
+              <a:t>  }</a:t>
             </a:r>
           </a:p>
         </p:txBody>
@@ -3833,7 +3820,7 @@
       </p:grpSpPr>
       <p:sp>
         <p:nvSpPr>
-          <p:cNvPr id="159" name="The anomaly detector"/>
+          <p:cNvPr id="159" name="Comments on K-means"/>
           <p:cNvSpPr txBox="1"/>
           <p:nvPr>
             <p:ph type="title"/>
@@ -3850,206 +3837,69 @@
           <a:p>
             <a:pPr/>
             <a:r>
-              <a:t>The anomaly detector</a:t>
+              <a:t>Comments on K-means</a:t>
             </a:r>
           </a:p>
         </p:txBody>
       </p:sp>
       <p:sp>
         <p:nvSpPr>
-          <p:cNvPr id="160" name="// Detect anomalies…"/>
+          <p:cNvPr id="160" name="Imported from the clustering library…"/>
           <p:cNvSpPr txBox="1"/>
-          <p:nvPr/>
+          <p:nvPr>
+            <p:ph type="body" idx="1"/>
+          </p:nvPr>
         </p:nvSpPr>
         <p:spPr>
-          <a:xfrm>
-            <a:off x="1705776" y="1389380"/>
-            <a:ext cx="5732448" cy="5273040"/>
-          </a:xfrm>
-          <a:prstGeom prst="rect">
-            <a:avLst/>
-          </a:prstGeom>
-          <a:ln w="12700">
-            <a:miter lim="400000"/>
-          </a:ln>
-          <a:extLst>
-            <a:ext uri="{C572A759-6A51-4108-AA02-DFA0A04FC94B}">
-              <ma14:wrappingTextBoxFlag xmlns:ma14="http://schemas.microsoft.com/office/mac/drawingml/2011/main" val="1"/>
-            </a:ext>
-          </a:extLst>
+          <a:prstGeom prst="rect">
+            <a:avLst/>
+          </a:prstGeom>
         </p:spPr>
         <p:txBody>
-          <a:bodyPr wrap="none" lIns="45719" rIns="45719">
-            <a:spAutoFit/>
-          </a:bodyPr>
+          <a:bodyPr/>
           <a:lstStyle/>
           <a:p>
-            <a:pPr>
-              <a:defRPr sz="1400"/>
-            </a:pPr>
-            <a:r>
-              <a:t> // Detect anomalies</a:t>
-            </a:r>
-          </a:p>
-          <a:p>
-            <a:pPr>
-              <a:defRPr sz="1400"/>
-            </a:pPr>
-          </a:p>
-          <a:p>
-            <a:pPr>
-              <a:defRPr sz="1400"/>
-            </a:pPr>
-            <a:r>
-              <a:t>  def buildAnomalyDetector(data: DataFrame): Unit = {</a:t>
-            </a:r>
-          </a:p>
-          <a:p>
-            <a:pPr>
-              <a:defRPr sz="1400"/>
-            </a:pPr>
-            <a:r>
-              <a:t>    val pipelineModel = fitPipeline4(data, 180)</a:t>
-            </a:r>
-          </a:p>
-          <a:p>
-            <a:pPr>
-              <a:defRPr sz="1400"/>
-            </a:pPr>
-          </a:p>
-          <a:p>
-            <a:pPr>
-              <a:defRPr sz="1400"/>
-            </a:pPr>
-            <a:r>
-              <a:t>    val kMeansModel = pipelineModel.stages.last.asInstanceOf[KMeansModel]</a:t>
-            </a:r>
-          </a:p>
-          <a:p>
-            <a:pPr>
-              <a:defRPr sz="1400"/>
-            </a:pPr>
-            <a:r>
-              <a:t>    val centroids = kMeansModel.clusterCenters</a:t>
-            </a:r>
-          </a:p>
-          <a:p>
-            <a:pPr>
-              <a:defRPr sz="1400"/>
-            </a:pPr>
-          </a:p>
-          <a:p>
-            <a:pPr>
-              <a:defRPr sz="1400"/>
-            </a:pPr>
-            <a:r>
-              <a:t>    val clustered = pipelineModel.transform(data)</a:t>
-            </a:r>
-          </a:p>
-          <a:p>
-            <a:pPr>
-              <a:defRPr sz="1400"/>
-            </a:pPr>
-            <a:r>
-              <a:t>    val threshold = clustered.</a:t>
-            </a:r>
-          </a:p>
-          <a:p>
-            <a:pPr>
-              <a:defRPr sz="1400"/>
-            </a:pPr>
-            <a:r>
-              <a:t>      select("cluster", "scaledFeatureVector").as[(Int, Vector)].</a:t>
-            </a:r>
-          </a:p>
-          <a:p>
-            <a:pPr>
-              <a:defRPr sz="1400"/>
-            </a:pPr>
-            <a:r>
-              <a:t>      map { case (cluster, vec) =&gt; Vectors.sqdist(centroids(cluster), vec) }.</a:t>
-            </a:r>
-          </a:p>
-          <a:p>
-            <a:pPr>
-              <a:defRPr sz="1400"/>
-            </a:pPr>
-            <a:r>
-              <a:t>      orderBy($"value".desc).take(100).last</a:t>
-            </a:r>
-          </a:p>
-          <a:p>
-            <a:pPr>
-              <a:defRPr sz="1400"/>
-            </a:pPr>
-          </a:p>
-          <a:p>
-            <a:pPr>
-              <a:defRPr sz="1400"/>
-            </a:pPr>
-            <a:r>
-              <a:t>    val originalCols = data.columns</a:t>
-            </a:r>
-          </a:p>
-          <a:p>
-            <a:pPr>
-              <a:defRPr sz="1400"/>
-            </a:pPr>
-            <a:r>
-              <a:t>    val anomalies = clustered.filter { row =&gt;</a:t>
-            </a:r>
-          </a:p>
-          <a:p>
-            <a:pPr>
-              <a:defRPr sz="1400"/>
-            </a:pPr>
-            <a:r>
-              <a:t>      val cluster = row.getAs[Int]("cluster")</a:t>
-            </a:r>
-          </a:p>
-          <a:p>
-            <a:pPr>
-              <a:defRPr sz="1400"/>
-            </a:pPr>
-            <a:r>
-              <a:t>      val vec = row.getAs[Vector]("scaledFeatureVector")</a:t>
-            </a:r>
-          </a:p>
-          <a:p>
-            <a:pPr>
-              <a:defRPr sz="1400"/>
-            </a:pPr>
-            <a:r>
-              <a:t>      Vectors.sqdist(centroids(cluster), vec) &gt;= threshold</a:t>
-            </a:r>
-          </a:p>
-          <a:p>
-            <a:pPr>
-              <a:defRPr sz="1400"/>
-            </a:pPr>
-            <a:r>
-              <a:t>    }.select(originalCols.head, originalCols.tail:_*)</a:t>
-            </a:r>
-          </a:p>
-          <a:p>
-            <a:pPr>
-              <a:defRPr sz="1400"/>
-            </a:pPr>
-          </a:p>
-          <a:p>
-            <a:pPr>
-              <a:defRPr sz="1400"/>
-            </a:pPr>
-            <a:r>
-              <a:t>    println(anomalies.take(5))</a:t>
-            </a:r>
-          </a:p>
-          <a:p>
-            <a:pPr>
-              <a:defRPr sz="1400"/>
-            </a:pPr>
-            <a:r>
-              <a:t>  }</a:t>
+            <a:pPr/>
+            <a:r>
+              <a:t>Imported from the clustering library</a:t>
+            </a:r>
+          </a:p>
+          <a:p>
+            <a:pPr/>
+            <a:r>
+              <a:t>Notes on the supplied parameters:</a:t>
+            </a:r>
+            <a:br/>
+            <a:r>
+              <a:rPr b="1"/>
+              <a:t>k</a:t>
+            </a:r>
+            <a:r>
+              <a:t> is given at invocation</a:t>
+            </a:r>
+            <a:br/>
+            <a:r>
+              <a:rPr b="1"/>
+              <a:t>max. iterations</a:t>
+            </a:r>
+            <a:r>
+              <a:t> set to 40 - might need more</a:t>
+            </a:r>
+            <a:br/>
+            <a:r>
+              <a:rPr b="1"/>
+              <a:t>tolerance</a:t>
+            </a:r>
+            <a:r>
+              <a:t> set to 1.0e-5 - depends on problem</a:t>
+            </a:r>
+            <a:br/>
+            <a:r>
+              <a:rPr b="1"/>
+              <a:t>seed</a:t>
+            </a:r>
+            <a:r>
+              <a:t> random - use constant for reproducibility</a:t>
             </a:r>
           </a:p>
         </p:txBody>
@@ -4082,7 +3932,7 @@
       </p:grpSpPr>
       <p:sp>
         <p:nvSpPr>
-          <p:cNvPr id="162" name="Comments on the detector"/>
+          <p:cNvPr id="162" name="The anomaly detector"/>
           <p:cNvSpPr txBox="1"/>
           <p:nvPr>
             <p:ph type="title"/>
@@ -4099,47 +3949,206 @@
           <a:p>
             <a:pPr/>
             <a:r>
-              <a:t>Comments on the detector</a:t>
+              <a:t>The anomaly detector</a:t>
             </a:r>
           </a:p>
         </p:txBody>
       </p:sp>
       <p:sp>
         <p:nvSpPr>
-          <p:cNvPr id="163" name="What is an anomaly? Here we define it as those data points that are in the “loosest” clusters (the clusters with the largest mean square distances)…"/>
+          <p:cNvPr id="163" name="// Detect anomalies…"/>
           <p:cNvSpPr txBox="1"/>
-          <p:nvPr>
-            <p:ph type="body" idx="1"/>
-          </p:nvPr>
+          <p:nvPr/>
         </p:nvSpPr>
         <p:spPr>
-          <a:prstGeom prst="rect">
-            <a:avLst/>
-          </a:prstGeom>
+          <a:xfrm>
+            <a:off x="1705776" y="1389380"/>
+            <a:ext cx="5732448" cy="5273041"/>
+          </a:xfrm>
+          <a:prstGeom prst="rect">
+            <a:avLst/>
+          </a:prstGeom>
+          <a:ln w="12700">
+            <a:miter lim="400000"/>
+          </a:ln>
+          <a:extLst>
+            <a:ext uri="{C572A759-6A51-4108-AA02-DFA0A04FC94B}">
+              <ma14:wrappingTextBoxFlag xmlns:ma14="http://schemas.microsoft.com/office/mac/drawingml/2011/main" val="1"/>
+            </a:ext>
+          </a:extLst>
         </p:spPr>
         <p:txBody>
-          <a:bodyPr/>
+          <a:bodyPr wrap="none" lIns="45719" rIns="45719">
+            <a:spAutoFit/>
+          </a:bodyPr>
           <a:lstStyle/>
           <a:p>
-            <a:pPr/>
-            <a:r>
-              <a:t>What is an anomaly?</a:t>
-            </a:r>
-            <a:br/>
-            <a:r>
-              <a:t>Here we define it as those data points that are in the “loosest” clusters (the clusters with the largest mean square distances)</a:t>
-            </a:r>
-          </a:p>
-          <a:p>
-            <a:pPr/>
-            <a:r>
-              <a:t>Take one (or a few) of the most outlying data points</a:t>
-            </a:r>
-          </a:p>
-          <a:p>
-            <a:pPr/>
-            <a:r>
-              <a:t>Now is the time to start analyzing the actual data (domain knowledge)</a:t>
+            <a:pPr>
+              <a:defRPr sz="1400"/>
+            </a:pPr>
+            <a:r>
+              <a:t> // Detect anomalies</a:t>
+            </a:r>
+          </a:p>
+          <a:p>
+            <a:pPr>
+              <a:defRPr sz="1400"/>
+            </a:pPr>
+          </a:p>
+          <a:p>
+            <a:pPr>
+              <a:defRPr sz="1400"/>
+            </a:pPr>
+            <a:r>
+              <a:t>  def buildAnomalyDetector(data: DataFrame): Unit = {</a:t>
+            </a:r>
+          </a:p>
+          <a:p>
+            <a:pPr>
+              <a:defRPr sz="1400"/>
+            </a:pPr>
+            <a:r>
+              <a:t>    val pipelineModel = fitPipeline4(data, 180)</a:t>
+            </a:r>
+          </a:p>
+          <a:p>
+            <a:pPr>
+              <a:defRPr sz="1400"/>
+            </a:pPr>
+          </a:p>
+          <a:p>
+            <a:pPr>
+              <a:defRPr sz="1400"/>
+            </a:pPr>
+            <a:r>
+              <a:t>    val kMeansModel = pipelineModel.stages.last.asInstanceOf[KMeansModel]</a:t>
+            </a:r>
+          </a:p>
+          <a:p>
+            <a:pPr>
+              <a:defRPr sz="1400"/>
+            </a:pPr>
+            <a:r>
+              <a:t>    val centroids = kMeansModel.clusterCenters</a:t>
+            </a:r>
+          </a:p>
+          <a:p>
+            <a:pPr>
+              <a:defRPr sz="1400"/>
+            </a:pPr>
+          </a:p>
+          <a:p>
+            <a:pPr>
+              <a:defRPr sz="1400"/>
+            </a:pPr>
+            <a:r>
+              <a:t>    val clustered = pipelineModel.transform(data)</a:t>
+            </a:r>
+          </a:p>
+          <a:p>
+            <a:pPr>
+              <a:defRPr sz="1400"/>
+            </a:pPr>
+            <a:r>
+              <a:t>    val threshold = clustered.</a:t>
+            </a:r>
+          </a:p>
+          <a:p>
+            <a:pPr>
+              <a:defRPr sz="1400"/>
+            </a:pPr>
+            <a:r>
+              <a:t>      select("cluster", "scaledFeatureVector").as[(Int, Vector)].</a:t>
+            </a:r>
+          </a:p>
+          <a:p>
+            <a:pPr>
+              <a:defRPr sz="1400"/>
+            </a:pPr>
+            <a:r>
+              <a:t>      map { case (cluster, vec) =&gt; Vectors.sqdist(centroids(cluster), vec) }.</a:t>
+            </a:r>
+          </a:p>
+          <a:p>
+            <a:pPr>
+              <a:defRPr sz="1400"/>
+            </a:pPr>
+            <a:r>
+              <a:t>      orderBy($"value".desc).take(100).last</a:t>
+            </a:r>
+          </a:p>
+          <a:p>
+            <a:pPr>
+              <a:defRPr sz="1400"/>
+            </a:pPr>
+          </a:p>
+          <a:p>
+            <a:pPr>
+              <a:defRPr sz="1400"/>
+            </a:pPr>
+            <a:r>
+              <a:t>    val originalCols = data.columns</a:t>
+            </a:r>
+          </a:p>
+          <a:p>
+            <a:pPr>
+              <a:defRPr sz="1400"/>
+            </a:pPr>
+            <a:r>
+              <a:t>    val anomalies = clustered.filter { row =&gt;</a:t>
+            </a:r>
+          </a:p>
+          <a:p>
+            <a:pPr>
+              <a:defRPr sz="1400"/>
+            </a:pPr>
+            <a:r>
+              <a:t>      val cluster = row.getAs[Int]("cluster")</a:t>
+            </a:r>
+          </a:p>
+          <a:p>
+            <a:pPr>
+              <a:defRPr sz="1400"/>
+            </a:pPr>
+            <a:r>
+              <a:t>      val vec = row.getAs[Vector]("scaledFeatureVector")</a:t>
+            </a:r>
+          </a:p>
+          <a:p>
+            <a:pPr>
+              <a:defRPr sz="1400"/>
+            </a:pPr>
+            <a:r>
+              <a:t>      Vectors.sqdist(centroids(cluster), vec) &gt;= threshold</a:t>
+            </a:r>
+          </a:p>
+          <a:p>
+            <a:pPr>
+              <a:defRPr sz="1400"/>
+            </a:pPr>
+            <a:r>
+              <a:t>    }.select(originalCols.head, originalCols.tail:_*)</a:t>
+            </a:r>
+          </a:p>
+          <a:p>
+            <a:pPr>
+              <a:defRPr sz="1400"/>
+            </a:pPr>
+          </a:p>
+          <a:p>
+            <a:pPr>
+              <a:defRPr sz="1400"/>
+            </a:pPr>
+            <a:r>
+              <a:t>    println(anomalies.take(5))</a:t>
+            </a:r>
+          </a:p>
+          <a:p>
+            <a:pPr>
+              <a:defRPr sz="1400"/>
+            </a:pPr>
+            <a:r>
+              <a:t>  }</a:t>
             </a:r>
           </a:p>
         </p:txBody>
@@ -4172,7 +4181,7 @@
       </p:grpSpPr>
       <p:sp>
         <p:nvSpPr>
-          <p:cNvPr id="165" name="Result of running it on the RDD"/>
+          <p:cNvPr id="165" name="Comments on the detector"/>
           <p:cNvSpPr txBox="1"/>
           <p:nvPr>
             <p:ph type="title"/>
@@ -4189,7 +4198,47 @@
           <a:p>
             <a:pPr/>
             <a:r>
-              <a:t>Result of running it on the RDD</a:t>
+              <a:t>Comments on the detector</a:t>
+            </a:r>
+          </a:p>
+        </p:txBody>
+      </p:sp>
+      <p:sp>
+        <p:nvSpPr>
+          <p:cNvPr id="166" name="What is an anomaly? Here we define it as those data points that are in the “loosest” clusters (the clusters with the largest mean square distances)…"/>
+          <p:cNvSpPr txBox="1"/>
+          <p:nvPr>
+            <p:ph type="body" idx="1"/>
+          </p:nvPr>
+        </p:nvSpPr>
+        <p:spPr>
+          <a:prstGeom prst="rect">
+            <a:avLst/>
+          </a:prstGeom>
+        </p:spPr>
+        <p:txBody>
+          <a:bodyPr/>
+          <a:lstStyle/>
+          <a:p>
+            <a:pPr/>
+            <a:r>
+              <a:t>What is an anomaly?</a:t>
+            </a:r>
+            <a:br/>
+            <a:r>
+              <a:t>Here we define it as those data points that are in the “loosest” clusters (the clusters with the largest mean square distances)</a:t>
+            </a:r>
+          </a:p>
+          <a:p>
+            <a:pPr/>
+            <a:r>
+              <a:t>Take one (or a few) of the most outlying data points</a:t>
+            </a:r>
+          </a:p>
+          <a:p>
+            <a:pPr/>
+            <a:r>
+              <a:t>Now is the time to start analyzing the actual data (domain knowledge)</a:t>
             </a:r>
           </a:p>
         </p:txBody>
@@ -4222,7 +4271,7 @@
       </p:grpSpPr>
       <p:sp>
         <p:nvSpPr>
-          <p:cNvPr id="167" name="Discussion"/>
+          <p:cNvPr id="168" name="Result of running it on the RDD"/>
           <p:cNvSpPr txBox="1"/>
           <p:nvPr>
             <p:ph type="title"/>
@@ -4239,14 +4288,563 @@
           <a:p>
             <a:pPr/>
             <a:r>
-              <a:t>Discussion</a:t>
+              <a:t>Result of running it on the RDD</a:t>
             </a:r>
           </a:p>
         </p:txBody>
       </p:sp>
       <p:sp>
         <p:nvSpPr>
-          <p:cNvPr id="168" name="What could be an anomaly in sensor data? Consider examples: Temperature time series in greenhouses Pressure in a water distribution network Loads in an electric power network…"/>
+          <p:cNvPr id="169" name="pipelineModel: org.apache.spark.ml.PipelineModel = pipeline_0d2ee85b24c0…"/>
+          <p:cNvSpPr txBox="1"/>
+          <p:nvPr/>
+        </p:nvSpPr>
+        <p:spPr>
+          <a:xfrm>
+            <a:off x="285013" y="1383042"/>
+            <a:ext cx="9158174" cy="5158716"/>
+          </a:xfrm>
+          <a:prstGeom prst="rect">
+            <a:avLst/>
+          </a:prstGeom>
+          <a:ln w="12700">
+            <a:miter lim="400000"/>
+          </a:ln>
+          <a:extLst>
+            <a:ext uri="{C572A759-6A51-4108-AA02-DFA0A04FC94B}">
+              <ma14:wrappingTextBoxFlag xmlns:ma14="http://schemas.microsoft.com/office/mac/drawingml/2011/main" val="1"/>
+            </a:ext>
+          </a:extLst>
+        </p:spPr>
+        <p:txBody>
+          <a:bodyPr wrap="none" lIns="45719" rIns="45719">
+            <a:spAutoFit/>
+          </a:bodyPr>
+          <a:lstStyle/>
+          <a:p>
+            <a:pPr defTabSz="457200">
+              <a:lnSpc>
+                <a:spcPts val="3000"/>
+              </a:lnSpc>
+              <a:defRPr sz="1200">
+                <a:solidFill>
+                  <a:srgbClr val="212121"/>
+                </a:solidFill>
+                <a:latin typeface="Monaco"/>
+                <a:ea typeface="Monaco"/>
+                <a:cs typeface="Monaco"/>
+                <a:sym typeface="Monaco"/>
+              </a:defRPr>
+            </a:pPr>
+            <a:r>
+              <a:t>pipelineModel: org.apache.spark.ml.PipelineModel = pipeline_0d2ee85b24c0</a:t>
+            </a:r>
+          </a:p>
+          <a:p>
+            <a:pPr defTabSz="457200">
+              <a:lnSpc>
+                <a:spcPts val="3000"/>
+              </a:lnSpc>
+              <a:defRPr sz="1200">
+                <a:solidFill>
+                  <a:srgbClr val="212121"/>
+                </a:solidFill>
+                <a:latin typeface="Monaco"/>
+                <a:ea typeface="Monaco"/>
+                <a:cs typeface="Monaco"/>
+                <a:sym typeface="Monaco"/>
+              </a:defRPr>
+            </a:pPr>
+            <a:r>
+              <a:t>kMeansModel: org.apache.spark.ml.clustering.KMeansModel = kmeans_8c6857cc9e84</a:t>
+            </a:r>
+          </a:p>
+          <a:p>
+            <a:pPr defTabSz="457200">
+              <a:lnSpc>
+                <a:spcPts val="3000"/>
+              </a:lnSpc>
+              <a:defRPr sz="1200">
+                <a:solidFill>
+                  <a:srgbClr val="212121"/>
+                </a:solidFill>
+                <a:latin typeface="Monaco"/>
+                <a:ea typeface="Monaco"/>
+                <a:cs typeface="Monaco"/>
+                <a:sym typeface="Monaco"/>
+              </a:defRPr>
+            </a:pPr>
+            <a:r>
+              <a:t>centroids: Array[org.apache.spark.ml.linalg.Vector] = Array([0.0,0.0,0.0,2.058262486412483,0.0,0.10920395448623757,0.10833159570368915,1.1586351225764129,0.0,0.0,0.0,2.6182969174943955,0.0,0.0,0.0,0.0,0.0,0.0,2.615780694544565,0.7165822051000074,0.0,0.0,0.0,3.981128660079003,2.5626245410600087E-5,2.6165856479870513,2.6186447141274205,0.04665078456145298,0.0,0.11781708498568845,0.6070921233497901,0.0,3.4919355146457485E-6,0.0,0.0,4.060405401727793E-5,5.2852564512542616E-5,0.0,0.0,2.616753580669795,0.0,0.0,0.0,0.0,0.0,0.0,0.0,0.0,0.0,0.0,2.3881332108315823,0.004716726755408161,0.011574121563440157,0.0,0.0,0.0,0.0,0.0,0.0,0.0,0.0,0.0,0.0,0.0,0.0,0.0,0.0,0.0,0.0,0.0,0.0,0.0,0.0,0.0,0.0,0.0,0.0,0.0,0.0,0.0,0.0,0.0,0.0,0.0,0.0,0.0,0.0,0.0,0.0,0.0,0.0,0.0,0.0,0.0,0.0,0.0,0.0,0.0,0.0,0.0,0.0,0....clustered: org.apache.spark.sql.DataFrame = [duration: int, protocol_type: string ... 49 more fields]</a:t>
+            </a:r>
+          </a:p>
+          <a:p>
+            <a:pPr defTabSz="457200">
+              <a:lnSpc>
+                <a:spcPts val="3000"/>
+              </a:lnSpc>
+              <a:defRPr sz="1200">
+                <a:solidFill>
+                  <a:srgbClr val="212121"/>
+                </a:solidFill>
+                <a:latin typeface="Monaco"/>
+                <a:ea typeface="Monaco"/>
+                <a:cs typeface="Monaco"/>
+                <a:sym typeface="Monaco"/>
+              </a:defRPr>
+            </a:pPr>
+            <a:r>
+              <a:t>threshold: Double = 5848.785049666572</a:t>
+            </a:r>
+          </a:p>
+          <a:p>
+            <a:pPr defTabSz="457200">
+              <a:lnSpc>
+                <a:spcPts val="3000"/>
+              </a:lnSpc>
+              <a:defRPr sz="1200">
+                <a:solidFill>
+                  <a:srgbClr val="212121"/>
+                </a:solidFill>
+                <a:latin typeface="Monaco"/>
+                <a:ea typeface="Monaco"/>
+                <a:cs typeface="Monaco"/>
+                <a:sym typeface="Monaco"/>
+              </a:defRPr>
+            </a:pPr>
+            <a:r>
+              <a:t>originalCols: Array[String] = Array(duration, protocol_type, service, flag, src_bytes, dst_bytes, land, wrong_fragment, urgent, hot, num_failed_logins, logged_in, num_compromised, root_shell, su_attempted, num_root, num_file_creations, num_shells, num_access_files, num_outbound_cmds, is_host_login, is_guest_login, count, srv_count, serror_rate, srv_serror_rate, rerror_rate, srv_rerror_rate, same_srv_rate, diff_srv_rate, srv_diff_host_rate, dst_host_count, dst_host_srv_count, dst_host_same_srv_rate, dst_host_diff_srv_rate, dst_host_same_src_port_rate, dst_host_srv_diff_host_rate, dst_host_serror_rate, dst_host_srv_serror_rate, dst_host_rerror_rate, dst_host_srv_rerror_rate, label)</a:t>
+            </a:r>
+          </a:p>
+          <a:p>
+            <a:pPr defTabSz="457200">
+              <a:lnSpc>
+                <a:spcPts val="3000"/>
+              </a:lnSpc>
+              <a:defRPr sz="1200">
+                <a:solidFill>
+                  <a:srgbClr val="212121"/>
+                </a:solidFill>
+                <a:latin typeface="Monaco"/>
+                <a:ea typeface="Monaco"/>
+                <a:cs typeface="Monaco"/>
+                <a:sym typeface="Monaco"/>
+              </a:defRPr>
+            </a:pPr>
+            <a:r>
+              <a:t>anomalies: org.apache.spark.sql.DataFrame = [duration: int, protocol_type: string ... 40 more fields]</a:t>
+            </a:r>
+          </a:p>
+          <a:p>
+            <a:pPr defTabSz="457200">
+              <a:lnSpc>
+                <a:spcPts val="3000"/>
+              </a:lnSpc>
+              <a:defRPr sz="1200">
+                <a:solidFill>
+                  <a:srgbClr val="212121"/>
+                </a:solidFill>
+                <a:latin typeface="Monaco"/>
+                <a:ea typeface="Monaco"/>
+                <a:cs typeface="Monaco"/>
+                <a:sym typeface="Monaco"/>
+              </a:defRPr>
+            </a:pPr>
+            <a:r>
+              <a:t>[Lorg.apache.spark.sql.Row;@5cd36431</a:t>
+            </a:r>
+          </a:p>
+        </p:txBody>
+      </p:sp>
+    </p:spTree>
+  </p:cSld>
+  <p:clrMapOvr>
+    <a:masterClrMapping/>
+  </p:clrMapOvr>
+  <p:transition xmlns:p14="http://schemas.microsoft.com/office/powerpoint/2010/main" spd="med" advClick="1"/>
+</p:sld>
+</file>
+
+<file path=ppt/slides/slide17.xml><?xml version="1.0" encoding="utf-8"?>
+<p:sld xmlns:a="http://schemas.openxmlformats.org/drawingml/2006/main" xmlns:r="http://schemas.openxmlformats.org/officeDocument/2006/relationships" xmlns:p="http://schemas.openxmlformats.org/presentationml/2006/main" showMasterSp="1" showMasterPhAnim="1">
+  <p:cSld>
+    <p:spTree>
+      <p:nvGrpSpPr>
+        <p:cNvPr id="1" name=""/>
+        <p:cNvGrpSpPr/>
+        <p:nvPr/>
+      </p:nvGrpSpPr>
+      <p:grpSpPr>
+        <a:xfrm>
+          <a:off x="0" y="0"/>
+          <a:ext cx="0" cy="0"/>
+          <a:chOff x="0" y="0"/>
+          <a:chExt cx="0" cy="0"/>
+        </a:xfrm>
+      </p:grpSpPr>
+      <p:sp>
+        <p:nvSpPr>
+          <p:cNvPr id="171" name="From the Zeppelin notebook:  println(anomalies.first())…"/>
+          <p:cNvSpPr txBox="1"/>
+          <p:nvPr>
+            <p:ph type="body" idx="1"/>
+          </p:nvPr>
+        </p:nvSpPr>
+        <p:spPr>
+          <a:prstGeom prst="rect">
+            <a:avLst/>
+          </a:prstGeom>
+        </p:spPr>
+        <p:txBody>
+          <a:bodyPr/>
+          <a:lstStyle/>
+          <a:p>
+            <a:pPr/>
+            <a:r>
+              <a:t>From the Zeppelin notebook:</a:t>
+            </a:r>
+            <a:br/>
+            <a:r>
+              <a:rPr sz="2700"/>
+              <a:t> println(anomalies.first())</a:t>
+            </a:r>
+            <a:br/>
+            <a:br/>
+          </a:p>
+          <a:p>
+            <a:pPr/>
+            <a:r>
+              <a:t>This datapoint is labeled as “normal” but it is clearly a strange item: many times connecting to different hosts</a:t>
+            </a:r>
+          </a:p>
+        </p:txBody>
+      </p:sp>
+      <p:sp>
+        <p:nvSpPr>
+          <p:cNvPr id="172" name="The most extreme data point"/>
+          <p:cNvSpPr txBox="1"/>
+          <p:nvPr>
+            <p:ph type="title"/>
+          </p:nvPr>
+        </p:nvSpPr>
+        <p:spPr>
+          <a:prstGeom prst="rect">
+            <a:avLst/>
+          </a:prstGeom>
+        </p:spPr>
+        <p:txBody>
+          <a:bodyPr/>
+          <a:lstStyle/>
+          <a:p>
+            <a:pPr/>
+            <a:r>
+              <a:t>The most extreme data point</a:t>
+            </a:r>
+          </a:p>
+        </p:txBody>
+      </p:sp>
+      <p:sp>
+        <p:nvSpPr>
+          <p:cNvPr id="173" name="[0,tcp,telnet,S1,145,13236,0,0,0,0,0,1,31,1,2,38,0,0,0,0,0,0,1,1,1.0,1.0,0.0,0.0,1.0,0.0,0.0,29,10,0.28,0.1,0.03,0.2,0.07,0.2,0.0,0.0,normal.]"/>
+          <p:cNvSpPr txBox="1"/>
+          <p:nvPr/>
+        </p:nvSpPr>
+        <p:spPr>
+          <a:xfrm>
+            <a:off x="622840" y="2801569"/>
+            <a:ext cx="8103107" cy="713716"/>
+          </a:xfrm>
+          <a:prstGeom prst="rect">
+            <a:avLst/>
+          </a:prstGeom>
+          <a:ln w="12700">
+            <a:miter lim="400000"/>
+          </a:ln>
+          <a:extLst>
+            <a:ext uri="{C572A759-6A51-4108-AA02-DFA0A04FC94B}">
+              <ma14:wrappingTextBoxFlag xmlns:ma14="http://schemas.microsoft.com/office/mac/drawingml/2011/main" val="1"/>
+            </a:ext>
+          </a:extLst>
+        </p:spPr>
+        <p:txBody>
+          <a:bodyPr lIns="45719" rIns="45719">
+            <a:spAutoFit/>
+          </a:bodyPr>
+          <a:lstStyle>
+            <a:lvl1pPr defTabSz="457200">
+              <a:lnSpc>
+                <a:spcPts val="3100"/>
+              </a:lnSpc>
+              <a:defRPr sz="1200">
+                <a:solidFill>
+                  <a:srgbClr val="212121"/>
+                </a:solidFill>
+                <a:latin typeface="Monaco"/>
+                <a:ea typeface="Monaco"/>
+                <a:cs typeface="Monaco"/>
+                <a:sym typeface="Monaco"/>
+              </a:defRPr>
+            </a:lvl1pPr>
+          </a:lstStyle>
+          <a:p>
+            <a:pPr/>
+            <a:r>
+              <a:t>[0,tcp,telnet,S1,145,13236,0,0,0,0,0,1,31,1,2,38,0,0,0,0,0,0,1,1,1.0,1.0,0.0,0.0,1.0,0.0,0.0,29,10,0.28,0.1,0.03,0.2,0.07,0.2,0.0,0.0,normal.]</a:t>
+            </a:r>
+          </a:p>
+        </p:txBody>
+      </p:sp>
+    </p:spTree>
+  </p:cSld>
+  <p:clrMapOvr>
+    <a:masterClrMapping/>
+  </p:clrMapOvr>
+  <p:transition xmlns:p14="http://schemas.microsoft.com/office/powerpoint/2010/main" spd="med" advClick="1"/>
+</p:sld>
+</file>
+
+<file path=ppt/slides/slide18.xml><?xml version="1.0" encoding="utf-8"?>
+<p:sld xmlns:a="http://schemas.openxmlformats.org/drawingml/2006/main" xmlns:r="http://schemas.openxmlformats.org/officeDocument/2006/relationships" xmlns:p="http://schemas.openxmlformats.org/presentationml/2006/main" showMasterSp="1" showMasterPhAnim="1">
+  <p:cSld>
+    <p:spTree>
+      <p:nvGrpSpPr>
+        <p:cNvPr id="1" name=""/>
+        <p:cNvGrpSpPr/>
+        <p:nvPr/>
+      </p:nvGrpSpPr>
+      <p:grpSpPr>
+        <a:xfrm>
+          <a:off x="0" y="0"/>
+          <a:ext cx="0" cy="0"/>
+          <a:chOff x="0" y="0"/>
+          <a:chExt cx="0" cy="0"/>
+        </a:xfrm>
+      </p:grpSpPr>
+      <p:sp>
+        <p:nvSpPr>
+          <p:cNvPr id="175" name="From the Zeppelin notebook:  println(anomalies.take(2).last)…"/>
+          <p:cNvSpPr txBox="1"/>
+          <p:nvPr>
+            <p:ph type="body" idx="1"/>
+          </p:nvPr>
+        </p:nvSpPr>
+        <p:spPr>
+          <a:prstGeom prst="rect">
+            <a:avLst/>
+          </a:prstGeom>
+        </p:spPr>
+        <p:txBody>
+          <a:bodyPr/>
+          <a:lstStyle/>
+          <a:p>
+            <a:pPr marL="329184" indent="-329184" defTabSz="877823">
+              <a:defRPr sz="3072"/>
+            </a:pPr>
+            <a:r>
+              <a:t>From the Zeppelin notebook:</a:t>
+            </a:r>
+            <a:br/>
+            <a:r>
+              <a:rPr sz="2592"/>
+              <a:t> println(anomalies.take(2).last)</a:t>
+            </a:r>
+            <a:br>
+              <a:rPr sz="2592"/>
+            </a:br>
+            <a:br/>
+          </a:p>
+          <a:p>
+            <a:pPr marL="329184" indent="-329184" defTabSz="877823">
+              <a:defRPr sz="3072"/>
+            </a:pPr>
+            <a:r>
+              <a:t>This datapoint is again labeled as “normal” but it is again a strange item</a:t>
+            </a:r>
+          </a:p>
+          <a:p>
+            <a:pPr marL="329184" indent="-329184" defTabSz="877823">
+              <a:defRPr sz="3072"/>
+            </a:pPr>
+            <a:r>
+              <a:t>Studying the actual mechanisms behind the discovered anomalies is a task for network security professionals</a:t>
+            </a:r>
+          </a:p>
+        </p:txBody>
+      </p:sp>
+      <p:sp>
+        <p:nvSpPr>
+          <p:cNvPr id="176" name="The next extreme data point"/>
+          <p:cNvSpPr txBox="1"/>
+          <p:nvPr>
+            <p:ph type="title"/>
+          </p:nvPr>
+        </p:nvSpPr>
+        <p:spPr>
+          <a:prstGeom prst="rect">
+            <a:avLst/>
+          </a:prstGeom>
+        </p:spPr>
+        <p:txBody>
+          <a:bodyPr/>
+          <a:lstStyle/>
+          <a:p>
+            <a:pPr/>
+            <a:r>
+              <a:t>The next extreme data point</a:t>
+            </a:r>
+          </a:p>
+        </p:txBody>
+      </p:sp>
+      <p:sp>
+        <p:nvSpPr>
+          <p:cNvPr id="177" name="[9,tcp,telnet,SF,307,2374,0,0,1,0,0,1,0,1,0,1,3,1,0,0,0,0,1,1,0.0,0.0,0.0,0.0,1.0,0.0,0.0,69,4,0.03,0.04,0.01,0.75,0.0,0.0,0.0,0.0,normal.]"/>
+          <p:cNvSpPr txBox="1"/>
+          <p:nvPr/>
+        </p:nvSpPr>
+        <p:spPr>
+          <a:xfrm>
+            <a:off x="622840" y="2801569"/>
+            <a:ext cx="8103107" cy="1526516"/>
+          </a:xfrm>
+          <a:prstGeom prst="rect">
+            <a:avLst/>
+          </a:prstGeom>
+          <a:ln w="12700">
+            <a:miter lim="400000"/>
+          </a:ln>
+          <a:extLst>
+            <a:ext uri="{C572A759-6A51-4108-AA02-DFA0A04FC94B}">
+              <ma14:wrappingTextBoxFlag xmlns:ma14="http://schemas.microsoft.com/office/mac/drawingml/2011/main" val="1"/>
+            </a:ext>
+          </a:extLst>
+        </p:spPr>
+        <p:txBody>
+          <a:bodyPr lIns="45719" rIns="45719">
+            <a:spAutoFit/>
+          </a:bodyPr>
+          <a:lstStyle/>
+          <a:p>
+            <a:pPr defTabSz="457200">
+              <a:lnSpc>
+                <a:spcPts val="3100"/>
+              </a:lnSpc>
+              <a:defRPr sz="1200">
+                <a:solidFill>
+                  <a:srgbClr val="212121"/>
+                </a:solidFill>
+                <a:latin typeface="Monaco"/>
+                <a:ea typeface="Monaco"/>
+                <a:cs typeface="Monaco"/>
+                <a:sym typeface="Monaco"/>
+              </a:defRPr>
+            </a:pPr>
+            <a:r>
+              <a:t>[9,tcp,telnet,SF,307,2374,0,0,1,0,0,1,0,1,0,1,3,1,0,0,0,0,1,1,0.0,0.0,0.0,0.0,1.0,0.0,0.0,69,4,0.03,0.04,0.01,0.75,0.0,0.0,0.0,0.0,normal.]</a:t>
+            </a:r>
+          </a:p>
+          <a:p>
+            <a:pPr defTabSz="457200">
+              <a:lnSpc>
+                <a:spcPts val="3100"/>
+              </a:lnSpc>
+              <a:defRPr sz="1200">
+                <a:solidFill>
+                  <a:srgbClr val="212121"/>
+                </a:solidFill>
+                <a:latin typeface="Monaco"/>
+                <a:ea typeface="Monaco"/>
+                <a:cs typeface="Monaco"/>
+                <a:sym typeface="Monaco"/>
+              </a:defRPr>
+            </a:pPr>
+          </a:p>
+          <a:p>
+            <a:pPr algn="r" defTabSz="457200">
+              <a:lnSpc>
+                <a:spcPts val="2800"/>
+              </a:lnSpc>
+              <a:defRPr sz="1200">
+                <a:solidFill>
+                  <a:srgbClr val="999999"/>
+                </a:solidFill>
+                <a:latin typeface="Helvetica Neue"/>
+                <a:ea typeface="Helvetica Neue"/>
+                <a:cs typeface="Helvetica Neue"/>
+                <a:sym typeface="Helvetica Neue"/>
+              </a:defRPr>
+            </a:pPr>
+          </a:p>
+          <a:p>
+            <a:pPr defTabSz="457200">
+              <a:lnSpc>
+                <a:spcPts val="3200"/>
+              </a:lnSpc>
+              <a:defRPr sz="1400">
+                <a:solidFill>
+                  <a:srgbClr val="212121"/>
+                </a:solidFill>
+                <a:latin typeface="Helvetica Neue"/>
+                <a:ea typeface="Helvetica Neue"/>
+                <a:cs typeface="Helvetica Neue"/>
+                <a:sym typeface="Helvetica Neue"/>
+              </a:defRPr>
+            </a:pPr>
+          </a:p>
+        </p:txBody>
+      </p:sp>
+    </p:spTree>
+  </p:cSld>
+  <p:clrMapOvr>
+    <a:masterClrMapping/>
+  </p:clrMapOvr>
+  <p:transition xmlns:p14="http://schemas.microsoft.com/office/powerpoint/2010/main" spd="med" advClick="1"/>
+</p:sld>
+</file>
+
+<file path=ppt/slides/slide19.xml><?xml version="1.0" encoding="utf-8"?>
+<p:sld xmlns:a="http://schemas.openxmlformats.org/drawingml/2006/main" xmlns:r="http://schemas.openxmlformats.org/officeDocument/2006/relationships" xmlns:p="http://schemas.openxmlformats.org/presentationml/2006/main" showMasterSp="1" showMasterPhAnim="1">
+  <p:cSld>
+    <p:spTree>
+      <p:nvGrpSpPr>
+        <p:cNvPr id="1" name=""/>
+        <p:cNvGrpSpPr/>
+        <p:nvPr/>
+      </p:nvGrpSpPr>
+      <p:grpSpPr>
+        <a:xfrm>
+          <a:off x="0" y="0"/>
+          <a:ext cx="0" cy="0"/>
+          <a:chOff x="0" y="0"/>
+          <a:chExt cx="0" cy="0"/>
+        </a:xfrm>
+      </p:grpSpPr>
+      <p:sp>
+        <p:nvSpPr>
+          <p:cNvPr id="179" name="Discussion"/>
+          <p:cNvSpPr txBox="1"/>
+          <p:nvPr>
+            <p:ph type="title"/>
+          </p:nvPr>
+        </p:nvSpPr>
+        <p:spPr>
+          <a:prstGeom prst="rect">
+            <a:avLst/>
+          </a:prstGeom>
+        </p:spPr>
+        <p:txBody>
+          <a:bodyPr/>
+          <a:lstStyle/>
+          <a:p>
+            <a:pPr/>
+            <a:r>
+              <a:t>Discussion</a:t>
+            </a:r>
+          </a:p>
+        </p:txBody>
+      </p:sp>
+      <p:sp>
+        <p:nvSpPr>
+          <p:cNvPr id="180" name="What could be an anomaly in sensor data? Consider examples: Temperature time series in greenhouses Pressure in a water distribution network Loads in an electric power network…"/>
           <p:cNvSpPr txBox="1"/>
           <p:nvPr>
             <p:ph type="body" idx="1"/>
@@ -4609,7 +5207,7 @@
       </p:grpSpPr>
       <p:sp>
         <p:nvSpPr>
-          <p:cNvPr id="135" name="Start with imports"/>
+          <p:cNvPr id="135" name="Analyzing with Scala on Spark"/>
           <p:cNvSpPr txBox="1"/>
           <p:nvPr>
             <p:ph type="title"/>
@@ -4626,115 +5224,39 @@
           <a:p>
             <a:pPr/>
             <a:r>
-              <a:t>Start with imports</a:t>
+              <a:t>Analyzing with Scala on Spark</a:t>
             </a:r>
           </a:p>
         </p:txBody>
       </p:sp>
       <p:sp>
         <p:nvSpPr>
-          <p:cNvPr id="136" name="/*…"/>
+          <p:cNvPr id="136" name="Example Scala program from:…"/>
           <p:cNvSpPr txBox="1"/>
-          <p:nvPr/>
+          <p:nvPr>
+            <p:ph type="body" idx="1"/>
+          </p:nvPr>
         </p:nvSpPr>
         <p:spPr>
-          <a:xfrm>
-            <a:off x="437221" y="1744979"/>
-            <a:ext cx="8269559" cy="4561841"/>
-          </a:xfrm>
-          <a:prstGeom prst="rect">
-            <a:avLst/>
-          </a:prstGeom>
-          <a:ln w="12700">
-            <a:miter lim="400000"/>
-          </a:ln>
-          <a:extLst>
-            <a:ext uri="{C572A759-6A51-4108-AA02-DFA0A04FC94B}">
-              <ma14:wrappingTextBoxFlag xmlns:ma14="http://schemas.microsoft.com/office/mac/drawingml/2011/main" val="1"/>
-            </a:ext>
-          </a:extLst>
+          <a:prstGeom prst="rect">
+            <a:avLst/>
+          </a:prstGeom>
         </p:spPr>
         <p:txBody>
-          <a:bodyPr wrap="none" lIns="45719" rIns="45719">
-            <a:spAutoFit/>
-          </a:bodyPr>
+          <a:bodyPr/>
           <a:lstStyle/>
           <a:p>
             <a:pPr/>
             <a:r>
-              <a:t>/*</a:t>
-            </a:r>
-          </a:p>
-          <a:p>
-            <a:pPr/>
-            <a:r>
-              <a:t> * Copyright 2015 and onwards Sanford Ryza, Uri Laserson, Sean Owen and Joshua Wills</a:t>
-            </a:r>
-          </a:p>
-          <a:p>
-            <a:pPr/>
-            <a:r>
-              <a:t> *</a:t>
-            </a:r>
-          </a:p>
-          <a:p>
-            <a:pPr/>
-            <a:r>
-              <a:t> * See LICENSE file for further information.</a:t>
-            </a:r>
-          </a:p>
-          <a:p>
-            <a:pPr/>
-            <a:r>
-              <a:t> */</a:t>
-            </a:r>
-          </a:p>
-          <a:p>
-            <a:pPr/>
-          </a:p>
-          <a:p>
-            <a:pPr/>
-            <a:r>
-              <a:t>//package com.cloudera.datascience.kmeans</a:t>
-            </a:r>
-          </a:p>
-          <a:p>
-            <a:pPr/>
-          </a:p>
-          <a:p>
-            <a:pPr/>
-            <a:r>
-              <a:t>import org.apache.spark.ml.{PipelineModel, Pipeline}</a:t>
-            </a:r>
-          </a:p>
-          <a:p>
-            <a:pPr/>
-            <a:r>
-              <a:t>import org.apache.spark.ml.clustering.{KMeans, KMeansModel}</a:t>
-            </a:r>
-          </a:p>
-          <a:p>
-            <a:pPr/>
-            <a:r>
-              <a:t>import org.apache.spark.ml.feature.{OneHotEncoder, VectorAssembler, StringIndexer, StandardScaler}</a:t>
-            </a:r>
-          </a:p>
-          <a:p>
-            <a:pPr/>
-            <a:r>
-              <a:t>import org.apache.spark.ml.linalg.{Vector, Vectors}</a:t>
-            </a:r>
-          </a:p>
-          <a:p>
-            <a:pPr/>
-            <a:r>
-              <a:t>import org.apache.spark.sql.{DataFrame, SparkSession}</a:t>
-            </a:r>
-          </a:p>
-          <a:p>
-            <a:pPr/>
-            <a:r>
-              <a:t>import scala.util.Random</a:t>
+              <a:t>Example Scala program from:</a:t>
+            </a:r>
+            <a:br/>
+            <a:br/>
+          </a:p>
+          <a:p>
+            <a:pPr/>
+            <a:r>
+              <a:t>Local execution is feasible on a PC</a:t>
             </a:r>
           </a:p>
         </p:txBody>
@@ -4767,7 +5289,7 @@
       </p:grpSpPr>
       <p:sp>
         <p:nvSpPr>
-          <p:cNvPr id="138" name="Create an RDD from CSV data"/>
+          <p:cNvPr id="138" name="Start with imports"/>
           <p:cNvSpPr txBox="1"/>
           <p:nvPr>
             <p:ph type="title"/>
@@ -4784,21 +5306,21 @@
           <a:p>
             <a:pPr/>
             <a:r>
-              <a:t>Create an RDD from CSV data</a:t>
+              <a:t>Start with imports</a:t>
             </a:r>
           </a:p>
         </p:txBody>
       </p:sp>
       <p:sp>
         <p:nvSpPr>
-          <p:cNvPr id="139" name="val data = spark.read.…"/>
+          <p:cNvPr id="139" name="/*…"/>
           <p:cNvSpPr txBox="1"/>
           <p:nvPr/>
         </p:nvSpPr>
         <p:spPr>
           <a:xfrm>
-            <a:off x="1200504" y="1681479"/>
-            <a:ext cx="6742992" cy="4917441"/>
+            <a:off x="437221" y="1744979"/>
+            <a:ext cx="8269559" cy="4561841"/>
           </a:xfrm>
           <a:prstGeom prst="rect">
             <a:avLst/>
@@ -4813,160 +5335,86 @@
           </a:extLst>
         </p:spPr>
         <p:txBody>
-          <a:bodyPr lIns="45719" rIns="45719">
+          <a:bodyPr wrap="none" lIns="45719" rIns="45719">
             <a:spAutoFit/>
           </a:bodyPr>
           <a:lstStyle/>
           <a:p>
-            <a:pPr>
-              <a:defRPr sz="1600"/>
-            </a:pPr>
-            <a:r>
-              <a:t>  val data = spark.read.</a:t>
-            </a:r>
-          </a:p>
-          <a:p>
-            <a:pPr>
-              <a:defRPr sz="1600"/>
-            </a:pPr>
-            <a:r>
-              <a:t>      option("inferSchema", true).</a:t>
-            </a:r>
-          </a:p>
-          <a:p>
-            <a:pPr>
-              <a:defRPr sz="1600"/>
-            </a:pPr>
-            <a:r>
-              <a:t>      option("header", false).</a:t>
-            </a:r>
-          </a:p>
-          <a:p>
-            <a:pPr>
-              <a:defRPr sz="1600"/>
-            </a:pPr>
-            <a:r>
-              <a:t>      csv("/Users/markon/ITU/anomaly_test/kddcup.data").</a:t>
-            </a:r>
-          </a:p>
-          <a:p>
-            <a:pPr>
-              <a:defRPr sz="1600"/>
-            </a:pPr>
-            <a:r>
-              <a:t>      toDF(</a:t>
-            </a:r>
-          </a:p>
-          <a:p>
-            <a:pPr>
-              <a:defRPr sz="1600"/>
-            </a:pPr>
-            <a:r>
-              <a:t>        "duration", "protocol_type", "service", "flag",</a:t>
-            </a:r>
-          </a:p>
-          <a:p>
-            <a:pPr>
-              <a:defRPr sz="1600"/>
-            </a:pPr>
-            <a:r>
-              <a:t>        "src_bytes", "dst_bytes", "land", "wrong_fragment", "urgent",</a:t>
-            </a:r>
-          </a:p>
-          <a:p>
-            <a:pPr>
-              <a:defRPr sz="1600"/>
-            </a:pPr>
-            <a:r>
-              <a:t>        "hot", "num_failed_logins", "logged_in", "num_compromised",</a:t>
-            </a:r>
-          </a:p>
-          <a:p>
-            <a:pPr>
-              <a:defRPr sz="1600"/>
-            </a:pPr>
-            <a:r>
-              <a:t>        "root_shell", "su_attempted", "num_root", "num_file_creations",</a:t>
-            </a:r>
-          </a:p>
-          <a:p>
-            <a:pPr>
-              <a:defRPr sz="1600"/>
-            </a:pPr>
-            <a:r>
-              <a:t>        "num_shells", "num_access_files", "num_outbound_cmds",</a:t>
-            </a:r>
-          </a:p>
-          <a:p>
-            <a:pPr>
-              <a:defRPr sz="1600"/>
-            </a:pPr>
-            <a:r>
-              <a:t>        "is_host_login", "is_guest_login", "count", "srv_count",</a:t>
-            </a:r>
-          </a:p>
-          <a:p>
-            <a:pPr>
-              <a:defRPr sz="1600"/>
-            </a:pPr>
-            <a:r>
-              <a:t>        "serror_rate", "srv_serror_rate", "rerror_rate", "srv_rerror_rate",</a:t>
-            </a:r>
-          </a:p>
-          <a:p>
-            <a:pPr>
-              <a:defRPr sz="1600"/>
-            </a:pPr>
-            <a:r>
-              <a:t>        "same_srv_rate", "diff_srv_rate", "srv_diff_host_rate",</a:t>
-            </a:r>
-          </a:p>
-          <a:p>
-            <a:pPr>
-              <a:defRPr sz="1600"/>
-            </a:pPr>
-            <a:r>
-              <a:t>        "dst_host_count", "dst_host_srv_count",</a:t>
-            </a:r>
-          </a:p>
-          <a:p>
-            <a:pPr>
-              <a:defRPr sz="1600"/>
-            </a:pPr>
-            <a:r>
-              <a:t>        "dst_host_same_srv_rate", "dst_host_diff_srv_rate",</a:t>
-            </a:r>
-          </a:p>
-          <a:p>
-            <a:pPr>
-              <a:defRPr sz="1600"/>
-            </a:pPr>
-            <a:r>
-              <a:t>        "dst_host_same_src_port_rate", "dst_host_srv_diff_host_rate",</a:t>
-            </a:r>
-          </a:p>
-          <a:p>
-            <a:pPr>
-              <a:defRPr sz="1600"/>
-            </a:pPr>
-            <a:r>
-              <a:t>        "dst_host_serror_rate", "dst_host_srv_serror_rate",</a:t>
-            </a:r>
-          </a:p>
-          <a:p>
-            <a:pPr>
-              <a:defRPr sz="1600"/>
-            </a:pPr>
-            <a:r>
-              <a:t>        "dst_host_rerror_rate", "dst_host_srv_rerror_rate",</a:t>
-            </a:r>
-          </a:p>
-          <a:p>
-            <a:pPr>
-              <a:defRPr sz="1600"/>
-            </a:pPr>
-            <a:r>
-              <a:t>        "label")</a:t>
+            <a:pPr/>
+            <a:r>
+              <a:t>/*</a:t>
+            </a:r>
+          </a:p>
+          <a:p>
+            <a:pPr/>
+            <a:r>
+              <a:t> * Copyright 2015 and onwards Sanford Ryza, Uri Laserson, Sean Owen and Joshua Wills</a:t>
+            </a:r>
+          </a:p>
+          <a:p>
+            <a:pPr/>
+            <a:r>
+              <a:t> *</a:t>
+            </a:r>
+          </a:p>
+          <a:p>
+            <a:pPr/>
+            <a:r>
+              <a:t> * See LICENSE file for further information.</a:t>
+            </a:r>
+          </a:p>
+          <a:p>
+            <a:pPr/>
+            <a:r>
+              <a:t> */</a:t>
+            </a:r>
+          </a:p>
+          <a:p>
+            <a:pPr/>
+          </a:p>
+          <a:p>
+            <a:pPr/>
+            <a:r>
+              <a:t>//package com.cloudera.datascience.kmeans</a:t>
+            </a:r>
+          </a:p>
+          <a:p>
+            <a:pPr/>
+          </a:p>
+          <a:p>
+            <a:pPr/>
+            <a:r>
+              <a:t>import org.apache.spark.ml.{PipelineModel, Pipeline}</a:t>
+            </a:r>
+          </a:p>
+          <a:p>
+            <a:pPr/>
+            <a:r>
+              <a:t>import org.apache.spark.ml.clustering.{KMeans, KMeansModel}</a:t>
+            </a:r>
+          </a:p>
+          <a:p>
+            <a:pPr/>
+            <a:r>
+              <a:t>import org.apache.spark.ml.feature.{OneHotEncoder, VectorAssembler, StringIndexer, StandardScaler}</a:t>
+            </a:r>
+          </a:p>
+          <a:p>
+            <a:pPr/>
+            <a:r>
+              <a:t>import org.apache.spark.ml.linalg.{Vector, Vectors}</a:t>
+            </a:r>
+          </a:p>
+          <a:p>
+            <a:pPr/>
+            <a:r>
+              <a:t>import org.apache.spark.sql.{DataFrame, SparkSession}</a:t>
+            </a:r>
+          </a:p>
+          <a:p>
+            <a:pPr/>
+            <a:r>
+              <a:t>import scala.util.Random</a:t>
             </a:r>
           </a:p>
         </p:txBody>
@@ -4999,7 +5447,7 @@
       </p:grpSpPr>
       <p:sp>
         <p:nvSpPr>
-          <p:cNvPr id="141" name="Comments on the RDD"/>
+          <p:cNvPr id="141" name="Create an RDD from CSV data"/>
           <p:cNvSpPr txBox="1"/>
           <p:nvPr>
             <p:ph type="title"/>
@@ -5016,55 +5464,189 @@
           <a:p>
             <a:pPr/>
             <a:r>
-              <a:t>Comments on the RDD</a:t>
+              <a:t>Create an RDD from CSV data</a:t>
             </a:r>
           </a:p>
         </p:txBody>
       </p:sp>
       <p:sp>
         <p:nvSpPr>
-          <p:cNvPr id="142" name="option(&quot;inferSchema&quot;, true) Scala infers the type of the input variables from their values…"/>
+          <p:cNvPr id="142" name="val data = spark.read.…"/>
           <p:cNvSpPr txBox="1"/>
-          <p:nvPr>
-            <p:ph type="body" idx="1"/>
-          </p:nvPr>
+          <p:nvPr/>
         </p:nvSpPr>
         <p:spPr>
-          <a:prstGeom prst="rect">
-            <a:avLst/>
-          </a:prstGeom>
+          <a:xfrm>
+            <a:off x="1200504" y="1681479"/>
+            <a:ext cx="6742992" cy="4917441"/>
+          </a:xfrm>
+          <a:prstGeom prst="rect">
+            <a:avLst/>
+          </a:prstGeom>
+          <a:ln w="12700">
+            <a:miter lim="400000"/>
+          </a:ln>
+          <a:extLst>
+            <a:ext uri="{C572A759-6A51-4108-AA02-DFA0A04FC94B}">
+              <ma14:wrappingTextBoxFlag xmlns:ma14="http://schemas.microsoft.com/office/mac/drawingml/2011/main" val="1"/>
+            </a:ext>
+          </a:extLst>
         </p:spPr>
         <p:txBody>
-          <a:bodyPr/>
+          <a:bodyPr lIns="45719" rIns="45719">
+            <a:spAutoFit/>
+          </a:bodyPr>
           <a:lstStyle/>
           <a:p>
-            <a:pPr/>
-            <a:r>
-              <a:t>option("inferSchema", true)</a:t>
-            </a:r>
-            <a:br/>
-            <a:r>
-              <a:t>Scala infers the type of the input variables from their values</a:t>
-            </a:r>
-          </a:p>
-          <a:p>
-            <a:pPr/>
-            <a:r>
-              <a:t>option("header", false)</a:t>
-            </a:r>
-            <a:br/>
-            <a:r>
-              <a:t>The CSV file has no header line, we need to supply column names</a:t>
-            </a:r>
-          </a:p>
-          <a:p>
-            <a:pPr/>
-            <a:r>
-              <a:t>toDF( "duration", “protocol_type”,…</a:t>
-            </a:r>
-            <a:br/>
-            <a:r>
-              <a:t>These are the names we give to the data</a:t>
+            <a:pPr>
+              <a:defRPr sz="1600"/>
+            </a:pPr>
+            <a:r>
+              <a:t>  val data = spark.read.</a:t>
+            </a:r>
+          </a:p>
+          <a:p>
+            <a:pPr>
+              <a:defRPr sz="1600"/>
+            </a:pPr>
+            <a:r>
+              <a:t>      option("inferSchema", true).</a:t>
+            </a:r>
+          </a:p>
+          <a:p>
+            <a:pPr>
+              <a:defRPr sz="1600"/>
+            </a:pPr>
+            <a:r>
+              <a:t>      option("header", false).</a:t>
+            </a:r>
+          </a:p>
+          <a:p>
+            <a:pPr>
+              <a:defRPr sz="1600"/>
+            </a:pPr>
+            <a:r>
+              <a:t>      csv("/Users/markon/ITU/anomaly_test/kddcup.data").</a:t>
+            </a:r>
+          </a:p>
+          <a:p>
+            <a:pPr>
+              <a:defRPr sz="1600"/>
+            </a:pPr>
+            <a:r>
+              <a:t>      toDF(</a:t>
+            </a:r>
+          </a:p>
+          <a:p>
+            <a:pPr>
+              <a:defRPr sz="1600"/>
+            </a:pPr>
+            <a:r>
+              <a:t>        "duration", "protocol_type", "service", "flag",</a:t>
+            </a:r>
+          </a:p>
+          <a:p>
+            <a:pPr>
+              <a:defRPr sz="1600"/>
+            </a:pPr>
+            <a:r>
+              <a:t>        "src_bytes", "dst_bytes", "land", "wrong_fragment", "urgent",</a:t>
+            </a:r>
+          </a:p>
+          <a:p>
+            <a:pPr>
+              <a:defRPr sz="1600"/>
+            </a:pPr>
+            <a:r>
+              <a:t>        "hot", "num_failed_logins", "logged_in", "num_compromised",</a:t>
+            </a:r>
+          </a:p>
+          <a:p>
+            <a:pPr>
+              <a:defRPr sz="1600"/>
+            </a:pPr>
+            <a:r>
+              <a:t>        "root_shell", "su_attempted", "num_root", "num_file_creations",</a:t>
+            </a:r>
+          </a:p>
+          <a:p>
+            <a:pPr>
+              <a:defRPr sz="1600"/>
+            </a:pPr>
+            <a:r>
+              <a:t>        "num_shells", "num_access_files", "num_outbound_cmds",</a:t>
+            </a:r>
+          </a:p>
+          <a:p>
+            <a:pPr>
+              <a:defRPr sz="1600"/>
+            </a:pPr>
+            <a:r>
+              <a:t>        "is_host_login", "is_guest_login", "count", "srv_count",</a:t>
+            </a:r>
+          </a:p>
+          <a:p>
+            <a:pPr>
+              <a:defRPr sz="1600"/>
+            </a:pPr>
+            <a:r>
+              <a:t>        "serror_rate", "srv_serror_rate", "rerror_rate", "srv_rerror_rate",</a:t>
+            </a:r>
+          </a:p>
+          <a:p>
+            <a:pPr>
+              <a:defRPr sz="1600"/>
+            </a:pPr>
+            <a:r>
+              <a:t>        "same_srv_rate", "diff_srv_rate", "srv_diff_host_rate",</a:t>
+            </a:r>
+          </a:p>
+          <a:p>
+            <a:pPr>
+              <a:defRPr sz="1600"/>
+            </a:pPr>
+            <a:r>
+              <a:t>        "dst_host_count", "dst_host_srv_count",</a:t>
+            </a:r>
+          </a:p>
+          <a:p>
+            <a:pPr>
+              <a:defRPr sz="1600"/>
+            </a:pPr>
+            <a:r>
+              <a:t>        "dst_host_same_srv_rate", "dst_host_diff_srv_rate",</a:t>
+            </a:r>
+          </a:p>
+          <a:p>
+            <a:pPr>
+              <a:defRPr sz="1600"/>
+            </a:pPr>
+            <a:r>
+              <a:t>        "dst_host_same_src_port_rate", "dst_host_srv_diff_host_rate",</a:t>
+            </a:r>
+          </a:p>
+          <a:p>
+            <a:pPr>
+              <a:defRPr sz="1600"/>
+            </a:pPr>
+            <a:r>
+              <a:t>        "dst_host_serror_rate", "dst_host_srv_serror_rate",</a:t>
+            </a:r>
+          </a:p>
+          <a:p>
+            <a:pPr>
+              <a:defRPr sz="1600"/>
+            </a:pPr>
+            <a:r>
+              <a:t>        "dst_host_rerror_rate", "dst_host_srv_rerror_rate",</a:t>
+            </a:r>
+          </a:p>
+          <a:p>
+            <a:pPr>
+              <a:defRPr sz="1600"/>
+            </a:pPr>
+            <a:r>
+              <a:t>        "label")</a:t>
             </a:r>
           </a:p>
         </p:txBody>
@@ -5097,7 +5679,7 @@
       </p:grpSpPr>
       <p:sp>
         <p:nvSpPr>
-          <p:cNvPr id="144" name="Pipeline for one-hot encoding"/>
+          <p:cNvPr id="144" name="Comments on the RDD"/>
           <p:cNvSpPr txBox="1"/>
           <p:nvPr>
             <p:ph type="title"/>
@@ -5114,97 +5696,55 @@
           <a:p>
             <a:pPr/>
             <a:r>
-              <a:t>Pipeline for one-hot encoding</a:t>
+              <a:t>Comments on the RDD</a:t>
             </a:r>
           </a:p>
         </p:txBody>
       </p:sp>
       <p:sp>
         <p:nvSpPr>
-          <p:cNvPr id="145" name="def oneHotPipeline(inputCol: String): (Pipeline, String) = {…"/>
+          <p:cNvPr id="145" name="option(&quot;inferSchema&quot;, true) Scala infers the type of the input variables from their values…"/>
           <p:cNvSpPr txBox="1"/>
-          <p:nvPr/>
+          <p:nvPr>
+            <p:ph type="body" idx="1"/>
+          </p:nvPr>
         </p:nvSpPr>
         <p:spPr>
-          <a:xfrm>
-            <a:off x="1464190" y="1846580"/>
-            <a:ext cx="6215620" cy="3164840"/>
-          </a:xfrm>
-          <a:prstGeom prst="rect">
-            <a:avLst/>
-          </a:prstGeom>
-          <a:ln w="12700">
-            <a:miter lim="400000"/>
-          </a:ln>
-          <a:extLst>
-            <a:ext uri="{C572A759-6A51-4108-AA02-DFA0A04FC94B}">
-              <ma14:wrappingTextBoxFlag xmlns:ma14="http://schemas.microsoft.com/office/mac/drawingml/2011/main" val="1"/>
-            </a:ext>
-          </a:extLst>
+          <a:prstGeom prst="rect">
+            <a:avLst/>
+          </a:prstGeom>
         </p:spPr>
         <p:txBody>
-          <a:bodyPr wrap="none" lIns="45719" rIns="45719">
-            <a:spAutoFit/>
-          </a:bodyPr>
+          <a:bodyPr/>
           <a:lstStyle/>
           <a:p>
             <a:pPr/>
             <a:r>
-              <a:t> def oneHotPipeline(inputCol: String): (Pipeline, String) = {</a:t>
-            </a:r>
-          </a:p>
-          <a:p>
-            <a:pPr/>
-            <a:r>
-              <a:t>    val indexer = new StringIndexer().</a:t>
-            </a:r>
-          </a:p>
-          <a:p>
-            <a:pPr/>
-            <a:r>
-              <a:t>      setInputCol(inputCol).</a:t>
-            </a:r>
-          </a:p>
-          <a:p>
-            <a:pPr/>
-            <a:r>
-              <a:t>      setOutputCol(inputCol + "_indexed")</a:t>
-            </a:r>
-          </a:p>
-          <a:p>
-            <a:pPr/>
-            <a:r>
-              <a:t>    val encoder = new OneHotEncoder().</a:t>
-            </a:r>
-          </a:p>
-          <a:p>
-            <a:pPr/>
-            <a:r>
-              <a:t>      setInputCol(inputCol + "_indexed").</a:t>
-            </a:r>
-          </a:p>
-          <a:p>
-            <a:pPr/>
-            <a:r>
-              <a:t>      setOutputCol(inputCol + "_vec")</a:t>
-            </a:r>
-          </a:p>
-          <a:p>
-            <a:pPr/>
-            <a:r>
-              <a:t>    val pipeline = new Pipeline().setStages(Array(indexer, encoder))</a:t>
-            </a:r>
-          </a:p>
-          <a:p>
-            <a:pPr/>
-            <a:r>
-              <a:t>    (pipeline, inputCol + "_vec")</a:t>
-            </a:r>
-          </a:p>
-          <a:p>
-            <a:pPr/>
-            <a:r>
-              <a:t>  }</a:t>
+              <a:t>option("inferSchema", true)</a:t>
+            </a:r>
+            <a:br/>
+            <a:r>
+              <a:t>Scala infers the type of the input variables from their values</a:t>
+            </a:r>
+          </a:p>
+          <a:p>
+            <a:pPr/>
+            <a:r>
+              <a:t>option("header", false)</a:t>
+            </a:r>
+            <a:br/>
+            <a:r>
+              <a:t>The CSV file has no header line, we need to supply column names</a:t>
+            </a:r>
+          </a:p>
+          <a:p>
+            <a:pPr/>
+            <a:r>
+              <a:t>toDF( "duration", “protocol_type”,…</a:t>
+            </a:r>
+            <a:br/>
+            <a:r>
+              <a:t>These are the names we give to the data</a:t>
             </a:r>
           </a:p>
         </p:txBody>
@@ -5237,7 +5777,7 @@
       </p:grpSpPr>
       <p:sp>
         <p:nvSpPr>
-          <p:cNvPr id="147" name="Comments on “one-hot”"/>
+          <p:cNvPr id="147" name="Pipeline for one-hot encoding"/>
           <p:cNvSpPr txBox="1"/>
           <p:nvPr>
             <p:ph type="title"/>
@@ -5254,53 +5794,97 @@
           <a:p>
             <a:pPr/>
             <a:r>
-              <a:t>Comments on “one-hot”</a:t>
+              <a:t>Pipeline for one-hot encoding</a:t>
             </a:r>
           </a:p>
         </p:txBody>
       </p:sp>
       <p:sp>
         <p:nvSpPr>
-          <p:cNvPr id="148" name="For categorical data without any ordering between the categories, the usual encoding is: 1 -&gt;  1 0 0 0 … 2 -&gt;  0 1 0 0 … 3 -&gt;  0 0 1 0 … etc.…"/>
+          <p:cNvPr id="148" name="def oneHotPipeline(inputCol: String): (Pipeline, String) = {…"/>
           <p:cNvSpPr txBox="1"/>
-          <p:nvPr>
-            <p:ph type="body" idx="1"/>
-          </p:nvPr>
+          <p:nvPr/>
         </p:nvSpPr>
         <p:spPr>
-          <a:prstGeom prst="rect">
-            <a:avLst/>
-          </a:prstGeom>
+          <a:xfrm>
+            <a:off x="1464190" y="1846579"/>
+            <a:ext cx="6215620" cy="3164841"/>
+          </a:xfrm>
+          <a:prstGeom prst="rect">
+            <a:avLst/>
+          </a:prstGeom>
+          <a:ln w="12700">
+            <a:miter lim="400000"/>
+          </a:ln>
+          <a:extLst>
+            <a:ext uri="{C572A759-6A51-4108-AA02-DFA0A04FC94B}">
+              <ma14:wrappingTextBoxFlag xmlns:ma14="http://schemas.microsoft.com/office/mac/drawingml/2011/main" val="1"/>
+            </a:ext>
+          </a:extLst>
         </p:spPr>
         <p:txBody>
-          <a:bodyPr/>
+          <a:bodyPr wrap="none" lIns="45719" rIns="45719">
+            <a:spAutoFit/>
+          </a:bodyPr>
           <a:lstStyle/>
           <a:p>
             <a:pPr/>
             <a:r>
-              <a:t>For categorical data without any ordering between the categories, the usual encoding is:</a:t>
-            </a:r>
-            <a:br/>
-            <a:r>
-              <a:t>1 -&gt;  1 0 0 0 …</a:t>
-            </a:r>
-            <a:br/>
-            <a:r>
-              <a:t>2 -&gt;  0 1 0 0 …</a:t>
-            </a:r>
-            <a:br/>
-            <a:r>
-              <a:t>3 -&gt;  0 0 1 0 …</a:t>
-            </a:r>
-            <a:br/>
-            <a:r>
-              <a:t>etc.</a:t>
-            </a:r>
-          </a:p>
-          <a:p>
-            <a:pPr/>
-            <a:r>
-              <a:t>This function can work on each categorical variable</a:t>
+              <a:t> def oneHotPipeline(inputCol: String): (Pipeline, String) = {</a:t>
+            </a:r>
+          </a:p>
+          <a:p>
+            <a:pPr/>
+            <a:r>
+              <a:t>    val indexer = new StringIndexer().</a:t>
+            </a:r>
+          </a:p>
+          <a:p>
+            <a:pPr/>
+            <a:r>
+              <a:t>      setInputCol(inputCol).</a:t>
+            </a:r>
+          </a:p>
+          <a:p>
+            <a:pPr/>
+            <a:r>
+              <a:t>      setOutputCol(inputCol + "_indexed")</a:t>
+            </a:r>
+          </a:p>
+          <a:p>
+            <a:pPr/>
+            <a:r>
+              <a:t>    val encoder = new OneHotEncoder().</a:t>
+            </a:r>
+          </a:p>
+          <a:p>
+            <a:pPr/>
+            <a:r>
+              <a:t>      setInputCol(inputCol + "_indexed").</a:t>
+            </a:r>
+          </a:p>
+          <a:p>
+            <a:pPr/>
+            <a:r>
+              <a:t>      setOutputCol(inputCol + "_vec")</a:t>
+            </a:r>
+          </a:p>
+          <a:p>
+            <a:pPr/>
+            <a:r>
+              <a:t>    val pipeline = new Pipeline().setStages(Array(indexer, encoder))</a:t>
+            </a:r>
+          </a:p>
+          <a:p>
+            <a:pPr/>
+            <a:r>
+              <a:t>    (pipeline, inputCol + "_vec")</a:t>
+            </a:r>
+          </a:p>
+          <a:p>
+            <a:pPr/>
+            <a:r>
+              <a:t>  }</a:t>
             </a:r>
           </a:p>
         </p:txBody>

--- a/powerpoints/ITU Academy Slides AM4-12.pptx
+++ b/powerpoints/ITU Academy Slides AM4-12.pptx
@@ -27,6 +27,8 @@
     <p:sldId id="272" r:id="rId24"/>
     <p:sldId id="273" r:id="rId25"/>
     <p:sldId id="274" r:id="rId26"/>
+    <p:sldId id="275" r:id="rId27"/>
+    <p:sldId id="276" r:id="rId28"/>
   </p:sldIdLst>
   <p:sldSz cx="9144000" cy="6858000"/>
   <p:notesSz cx="6858000" cy="9144000"/>
@@ -480,6 +482,468 @@
     </a:lvl9pPr>
   </p:notesStyle>
 </p:notesMaster>
+</file>
+
+<file path=ppt/notesSlides/notesSlide1.xml><?xml version="1.0" encoding="utf-8"?>
+<p:notes xmlns:a="http://schemas.openxmlformats.org/drawingml/2006/main" xmlns:r="http://schemas.openxmlformats.org/officeDocument/2006/relationships" xmlns:p="http://schemas.openxmlformats.org/presentationml/2006/main" showMasterSp="1" showMasterPhAnim="1">
+  <p:cSld>
+    <p:spTree>
+      <p:nvGrpSpPr>
+        <p:cNvPr id="1" name=""/>
+        <p:cNvGrpSpPr/>
+        <p:nvPr/>
+      </p:nvGrpSpPr>
+      <p:grpSpPr>
+        <a:xfrm>
+          <a:off x="0" y="0"/>
+          <a:ext cx="0" cy="0"/>
+          <a:chOff x="0" y="0"/>
+          <a:chExt cx="0" cy="0"/>
+        </a:xfrm>
+      </p:grpSpPr>
+      <p:sp>
+        <p:nvSpPr>
+          <p:cNvPr id="143" name="Shape 143"/>
+          <p:cNvSpPr/>
+          <p:nvPr>
+            <p:ph type="sldImg"/>
+          </p:nvPr>
+        </p:nvSpPr>
+        <p:spPr>
+          <a:prstGeom prst="rect">
+            <a:avLst/>
+          </a:prstGeom>
+        </p:spPr>
+        <p:txBody>
+          <a:bodyPr/>
+          <a:lstStyle/>
+          <a:p>
+            <a:pPr/>
+          </a:p>
+        </p:txBody>
+      </p:sp>
+      <p:sp>
+        <p:nvSpPr>
+          <p:cNvPr id="144" name="Shape 144"/>
+          <p:cNvSpPr/>
+          <p:nvPr>
+            <p:ph type="body" sz="quarter" idx="1"/>
+          </p:nvPr>
+        </p:nvSpPr>
+        <p:spPr>
+          <a:prstGeom prst="rect">
+            <a:avLst/>
+          </a:prstGeom>
+        </p:spPr>
+        <p:txBody>
+          <a:bodyPr/>
+          <a:lstStyle/>
+          <a:p>
+            <a:pPr/>
+            <a:r>
+              <a:t>Call attention to the imports from the Machine Learning library, in particular to KMeans</a:t>
+            </a:r>
+          </a:p>
+        </p:txBody>
+      </p:sp>
+    </p:spTree>
+  </p:cSld>
+  <p:clrMapOvr>
+    <a:masterClrMapping/>
+  </p:clrMapOvr>
+</p:notes>
+</file>
+
+<file path=ppt/notesSlides/notesSlide2.xml><?xml version="1.0" encoding="utf-8"?>
+<p:notes xmlns:a="http://schemas.openxmlformats.org/drawingml/2006/main" xmlns:r="http://schemas.openxmlformats.org/officeDocument/2006/relationships" xmlns:p="http://schemas.openxmlformats.org/presentationml/2006/main" showMasterSp="1" showMasterPhAnim="1">
+  <p:cSld>
+    <p:spTree>
+      <p:nvGrpSpPr>
+        <p:cNvPr id="1" name=""/>
+        <p:cNvGrpSpPr/>
+        <p:nvPr/>
+      </p:nvGrpSpPr>
+      <p:grpSpPr>
+        <a:xfrm>
+          <a:off x="0" y="0"/>
+          <a:ext cx="0" cy="0"/>
+          <a:chOff x="0" y="0"/>
+          <a:chExt cx="0" cy="0"/>
+        </a:xfrm>
+      </p:grpSpPr>
+      <p:sp>
+        <p:nvSpPr>
+          <p:cNvPr id="148" name="Shape 148"/>
+          <p:cNvSpPr/>
+          <p:nvPr>
+            <p:ph type="sldImg"/>
+          </p:nvPr>
+        </p:nvSpPr>
+        <p:spPr>
+          <a:prstGeom prst="rect">
+            <a:avLst/>
+          </a:prstGeom>
+        </p:spPr>
+        <p:txBody>
+          <a:bodyPr/>
+          <a:lstStyle/>
+          <a:p>
+            <a:pPr/>
+          </a:p>
+        </p:txBody>
+      </p:sp>
+      <p:sp>
+        <p:nvSpPr>
+          <p:cNvPr id="149" name="Shape 149"/>
+          <p:cNvSpPr/>
+          <p:nvPr>
+            <p:ph type="body" sz="quarter" idx="1"/>
+          </p:nvPr>
+        </p:nvSpPr>
+        <p:spPr>
+          <a:prstGeom prst="rect">
+            <a:avLst/>
+          </a:prstGeom>
+        </p:spPr>
+        <p:txBody>
+          <a:bodyPr/>
+          <a:lstStyle/>
+          <a:p>
+            <a:pPr/>
+            <a:r>
+              <a:t>Remind students to the functional characteristics of the Scala language.</a:t>
+            </a:r>
+          </a:p>
+          <a:p>
+            <a:pPr/>
+            <a:r>
+              <a:t>Methods are chained by dots “.”</a:t>
+            </a:r>
+          </a:p>
+          <a:p>
+            <a:pPr/>
+            <a:r>
+              <a:t>Instead of creating intermediate temporary variables, the anonymous value of the previous method application is transformed by the next method.</a:t>
+            </a:r>
+          </a:p>
+          <a:p>
+            <a:pPr/>
+            <a:r>
+              <a:t>Note that this is possible (although not common) in Python too.</a:t>
+            </a:r>
+          </a:p>
+        </p:txBody>
+      </p:sp>
+    </p:spTree>
+  </p:cSld>
+  <p:clrMapOvr>
+    <a:masterClrMapping/>
+  </p:clrMapOvr>
+</p:notes>
+</file>
+
+<file path=ppt/notesSlides/notesSlide3.xml><?xml version="1.0" encoding="utf-8"?>
+<p:notes xmlns:a="http://schemas.openxmlformats.org/drawingml/2006/main" xmlns:r="http://schemas.openxmlformats.org/officeDocument/2006/relationships" xmlns:p="http://schemas.openxmlformats.org/presentationml/2006/main" showMasterSp="1" showMasterPhAnim="1">
+  <p:cSld>
+    <p:spTree>
+      <p:nvGrpSpPr>
+        <p:cNvPr id="1" name=""/>
+        <p:cNvGrpSpPr/>
+        <p:nvPr/>
+      </p:nvGrpSpPr>
+      <p:grpSpPr>
+        <a:xfrm>
+          <a:off x="0" y="0"/>
+          <a:ext cx="0" cy="0"/>
+          <a:chOff x="0" y="0"/>
+          <a:chExt cx="0" cy="0"/>
+        </a:xfrm>
+      </p:grpSpPr>
+      <p:sp>
+        <p:nvSpPr>
+          <p:cNvPr id="153" name="Shape 153"/>
+          <p:cNvSpPr/>
+          <p:nvPr>
+            <p:ph type="sldImg"/>
+          </p:nvPr>
+        </p:nvSpPr>
+        <p:spPr>
+          <a:prstGeom prst="rect">
+            <a:avLst/>
+          </a:prstGeom>
+        </p:spPr>
+        <p:txBody>
+          <a:bodyPr/>
+          <a:lstStyle/>
+          <a:p>
+            <a:pPr/>
+          </a:p>
+        </p:txBody>
+      </p:sp>
+      <p:sp>
+        <p:nvSpPr>
+          <p:cNvPr id="154" name="Shape 154"/>
+          <p:cNvSpPr/>
+          <p:nvPr>
+            <p:ph type="body" sz="quarter" idx="1"/>
+          </p:nvPr>
+        </p:nvSpPr>
+        <p:spPr>
+          <a:prstGeom prst="rect">
+            <a:avLst/>
+          </a:prstGeom>
+        </p:spPr>
+        <p:txBody>
+          <a:bodyPr/>
+          <a:lstStyle/>
+          <a:p>
+            <a:pPr/>
+            <a:r>
+              <a:t>Discuss the reason for using these particular options.</a:t>
+            </a:r>
+          </a:p>
+        </p:txBody>
+      </p:sp>
+    </p:spTree>
+  </p:cSld>
+  <p:clrMapOvr>
+    <a:masterClrMapping/>
+  </p:clrMapOvr>
+</p:notes>
+</file>
+
+<file path=ppt/notesSlides/notesSlide4.xml><?xml version="1.0" encoding="utf-8"?>
+<p:notes xmlns:a="http://schemas.openxmlformats.org/drawingml/2006/main" xmlns:r="http://schemas.openxmlformats.org/officeDocument/2006/relationships" xmlns:p="http://schemas.openxmlformats.org/presentationml/2006/main" showMasterSp="1" showMasterPhAnim="1">
+  <p:cSld>
+    <p:spTree>
+      <p:nvGrpSpPr>
+        <p:cNvPr id="1" name=""/>
+        <p:cNvGrpSpPr/>
+        <p:nvPr/>
+      </p:nvGrpSpPr>
+      <p:grpSpPr>
+        <a:xfrm>
+          <a:off x="0" y="0"/>
+          <a:ext cx="0" cy="0"/>
+          <a:chOff x="0" y="0"/>
+          <a:chExt cx="0" cy="0"/>
+        </a:xfrm>
+      </p:grpSpPr>
+      <p:sp>
+        <p:nvSpPr>
+          <p:cNvPr id="158" name="Shape 158"/>
+          <p:cNvSpPr/>
+          <p:nvPr>
+            <p:ph type="sldImg"/>
+          </p:nvPr>
+        </p:nvSpPr>
+        <p:spPr>
+          <a:prstGeom prst="rect">
+            <a:avLst/>
+          </a:prstGeom>
+        </p:spPr>
+        <p:txBody>
+          <a:bodyPr/>
+          <a:lstStyle/>
+          <a:p>
+            <a:pPr/>
+          </a:p>
+        </p:txBody>
+      </p:sp>
+      <p:sp>
+        <p:nvSpPr>
+          <p:cNvPr id="159" name="Shape 159"/>
+          <p:cNvSpPr/>
+          <p:nvPr>
+            <p:ph type="body" sz="quarter" idx="1"/>
+          </p:nvPr>
+        </p:nvSpPr>
+        <p:spPr>
+          <a:prstGeom prst="rect">
+            <a:avLst/>
+          </a:prstGeom>
+        </p:spPr>
+        <p:txBody>
+          <a:bodyPr/>
+          <a:lstStyle/>
+          <a:p>
+            <a:pPr/>
+            <a:r>
+              <a:t>Explain one-hot coding: what would be the problems if we kept encoding categories by enumeration?</a:t>
+            </a:r>
+          </a:p>
+          <a:p>
+            <a:pPr/>
+            <a:r>
+              <a:t>(followed in next slide)</a:t>
+            </a:r>
+          </a:p>
+          <a:p>
+            <a:pPr/>
+            <a:r>
+              <a:t>Caution: there is no automatic interlock between the categories, we need to be careful to have only one “1”,</a:t>
+            </a:r>
+          </a:p>
+          <a:p>
+            <a:pPr/>
+            <a:r>
+              <a:t>the built-in methods take care of this point.</a:t>
+            </a:r>
+          </a:p>
+        </p:txBody>
+      </p:sp>
+    </p:spTree>
+  </p:cSld>
+  <p:clrMapOvr>
+    <a:masterClrMapping/>
+  </p:clrMapOvr>
+</p:notes>
+</file>
+
+<file path=ppt/notesSlides/notesSlide5.xml><?xml version="1.0" encoding="utf-8"?>
+<p:notes xmlns:a="http://schemas.openxmlformats.org/drawingml/2006/main" xmlns:r="http://schemas.openxmlformats.org/officeDocument/2006/relationships" xmlns:p="http://schemas.openxmlformats.org/presentationml/2006/main" showMasterSp="1" showMasterPhAnim="1">
+  <p:cSld>
+    <p:spTree>
+      <p:nvGrpSpPr>
+        <p:cNvPr id="1" name=""/>
+        <p:cNvGrpSpPr/>
+        <p:nvPr/>
+      </p:nvGrpSpPr>
+      <p:grpSpPr>
+        <a:xfrm>
+          <a:off x="0" y="0"/>
+          <a:ext cx="0" cy="0"/>
+          <a:chOff x="0" y="0"/>
+          <a:chExt cx="0" cy="0"/>
+        </a:xfrm>
+      </p:grpSpPr>
+      <p:sp>
+        <p:nvSpPr>
+          <p:cNvPr id="166" name="Shape 166"/>
+          <p:cNvSpPr/>
+          <p:nvPr>
+            <p:ph type="sldImg"/>
+          </p:nvPr>
+        </p:nvSpPr>
+        <p:spPr>
+          <a:prstGeom prst="rect">
+            <a:avLst/>
+          </a:prstGeom>
+        </p:spPr>
+        <p:txBody>
+          <a:bodyPr/>
+          <a:lstStyle/>
+          <a:p>
+            <a:pPr/>
+          </a:p>
+        </p:txBody>
+      </p:sp>
+      <p:sp>
+        <p:nvSpPr>
+          <p:cNvPr id="167" name="Shape 167"/>
+          <p:cNvSpPr/>
+          <p:nvPr>
+            <p:ph type="body" sz="quarter" idx="1"/>
+          </p:nvPr>
+        </p:nvSpPr>
+        <p:spPr>
+          <a:prstGeom prst="rect">
+            <a:avLst/>
+          </a:prstGeom>
+        </p:spPr>
+        <p:txBody>
+          <a:bodyPr/>
+          <a:lstStyle/>
+          <a:p>
+            <a:pPr/>
+            <a:r>
+              <a:t>Pay attention to the comment, expand it.</a:t>
+            </a:r>
+          </a:p>
+          <a:p>
+            <a:pPr/>
+            <a:r>
+              <a:t>Function is continued in next slide, remind students that “data” and “k” are input parameters</a:t>
+            </a:r>
+          </a:p>
+        </p:txBody>
+      </p:sp>
+    </p:spTree>
+  </p:cSld>
+  <p:clrMapOvr>
+    <a:masterClrMapping/>
+  </p:clrMapOvr>
+</p:notes>
+</file>
+
+<file path=ppt/notesSlides/notesSlide6.xml><?xml version="1.0" encoding="utf-8"?>
+<p:notes xmlns:a="http://schemas.openxmlformats.org/drawingml/2006/main" xmlns:r="http://schemas.openxmlformats.org/officeDocument/2006/relationships" xmlns:p="http://schemas.openxmlformats.org/presentationml/2006/main" showMasterSp="1" showMasterPhAnim="1">
+  <p:cSld>
+    <p:spTree>
+      <p:nvGrpSpPr>
+        <p:cNvPr id="1" name=""/>
+        <p:cNvGrpSpPr/>
+        <p:nvPr/>
+      </p:nvGrpSpPr>
+      <p:grpSpPr>
+        <a:xfrm>
+          <a:off x="0" y="0"/>
+          <a:ext cx="0" cy="0"/>
+          <a:chOff x="0" y="0"/>
+          <a:chExt cx="0" cy="0"/>
+        </a:xfrm>
+      </p:grpSpPr>
+      <p:sp>
+        <p:nvSpPr>
+          <p:cNvPr id="194" name="Shape 194"/>
+          <p:cNvSpPr/>
+          <p:nvPr>
+            <p:ph type="sldImg"/>
+          </p:nvPr>
+        </p:nvSpPr>
+        <p:spPr>
+          <a:prstGeom prst="rect">
+            <a:avLst/>
+          </a:prstGeom>
+        </p:spPr>
+        <p:txBody>
+          <a:bodyPr/>
+          <a:lstStyle/>
+          <a:p>
+            <a:pPr/>
+          </a:p>
+        </p:txBody>
+      </p:sp>
+      <p:sp>
+        <p:nvSpPr>
+          <p:cNvPr id="195" name="Shape 195"/>
+          <p:cNvSpPr/>
+          <p:nvPr>
+            <p:ph type="body" sz="quarter" idx="1"/>
+          </p:nvPr>
+        </p:nvSpPr>
+        <p:spPr>
+          <a:prstGeom prst="rect">
+            <a:avLst/>
+          </a:prstGeom>
+        </p:spPr>
+        <p:txBody>
+          <a:bodyPr/>
+          <a:lstStyle/>
+          <a:p>
+            <a:pPr/>
+            <a:r>
+              <a:t>Assignment: essay on using anomaly detection for IoT</a:t>
+            </a:r>
+          </a:p>
+        </p:txBody>
+      </p:sp>
+    </p:spTree>
+  </p:cSld>
+  <p:clrMapOvr>
+    <a:masterClrMapping/>
+  </p:clrMapOvr>
+</p:notes>
 </file>
 
 <file path=ppt/slideLayouts/slideLayout1.xml><?xml version="1.0" encoding="utf-8"?>
@@ -3390,7 +3854,7 @@
       </p:grpSpPr>
       <p:sp>
         <p:nvSpPr>
-          <p:cNvPr id="150" name="Comments on “one-hot”"/>
+          <p:cNvPr id="156" name="Pipeline for one-hot encoding"/>
           <p:cNvSpPr txBox="1"/>
           <p:nvPr>
             <p:ph type="title"/>
@@ -3407,53 +3871,97 @@
           <a:p>
             <a:pPr/>
             <a:r>
-              <a:t>Comments on “one-hot”</a:t>
-            </a:r>
-          </a:p>
-        </p:txBody>
-      </p:sp>
-      <p:sp>
-        <p:nvSpPr>
-          <p:cNvPr id="151" name="For categorical data without any ordering between the categories, the usual encoding is: 1 -&gt;  1 0 0 0 … 2 -&gt;  0 1 0 0 … 3 -&gt;  0 0 1 0 … etc.…"/>
+              <a:t>Pipeline for one-hot encoding</a:t>
+            </a:r>
+          </a:p>
+        </p:txBody>
+      </p:sp>
+      <p:sp>
+        <p:nvSpPr>
+          <p:cNvPr id="157" name="def oneHotPipeline(inputCol: String): (Pipeline, String) = {…"/>
           <p:cNvSpPr txBox="1"/>
-          <p:nvPr>
-            <p:ph type="body" idx="1"/>
-          </p:nvPr>
-        </p:nvSpPr>
-        <p:spPr>
-          <a:prstGeom prst="rect">
-            <a:avLst/>
-          </a:prstGeom>
-        </p:spPr>
-        <p:txBody>
-          <a:bodyPr/>
+          <p:nvPr/>
+        </p:nvSpPr>
+        <p:spPr>
+          <a:xfrm>
+            <a:off x="1464190" y="1846579"/>
+            <a:ext cx="6215620" cy="3164841"/>
+          </a:xfrm>
+          <a:prstGeom prst="rect">
+            <a:avLst/>
+          </a:prstGeom>
+          <a:ln w="12700">
+            <a:miter lim="400000"/>
+          </a:ln>
+          <a:extLst>
+            <a:ext uri="{C572A759-6A51-4108-AA02-DFA0A04FC94B}">
+              <ma14:wrappingTextBoxFlag xmlns:ma14="http://schemas.microsoft.com/office/mac/drawingml/2011/main" val="1"/>
+            </a:ext>
+          </a:extLst>
+        </p:spPr>
+        <p:txBody>
+          <a:bodyPr wrap="none" lIns="45719" rIns="45719">
+            <a:spAutoFit/>
+          </a:bodyPr>
           <a:lstStyle/>
           <a:p>
             <a:pPr/>
             <a:r>
-              <a:t>For categorical data without any ordering between the categories, the usual encoding is:</a:t>
-            </a:r>
-            <a:br/>
-            <a:r>
-              <a:t>1 -&gt;  1 0 0 0 …</a:t>
-            </a:r>
-            <a:br/>
-            <a:r>
-              <a:t>2 -&gt;  0 1 0 0 …</a:t>
-            </a:r>
-            <a:br/>
-            <a:r>
-              <a:t>3 -&gt;  0 0 1 0 …</a:t>
-            </a:r>
-            <a:br/>
-            <a:r>
-              <a:t>etc.</a:t>
-            </a:r>
-          </a:p>
-          <a:p>
-            <a:pPr/>
-            <a:r>
-              <a:t>This function can work on each categorical variable</a:t>
+              <a:t> def oneHotPipeline(inputCol: String): (Pipeline, String) = {</a:t>
+            </a:r>
+          </a:p>
+          <a:p>
+            <a:pPr/>
+            <a:r>
+              <a:t>    val indexer = new StringIndexer().</a:t>
+            </a:r>
+          </a:p>
+          <a:p>
+            <a:pPr/>
+            <a:r>
+              <a:t>      setInputCol(inputCol).</a:t>
+            </a:r>
+          </a:p>
+          <a:p>
+            <a:pPr/>
+            <a:r>
+              <a:t>      setOutputCol(inputCol + "_indexed")</a:t>
+            </a:r>
+          </a:p>
+          <a:p>
+            <a:pPr/>
+            <a:r>
+              <a:t>    val encoder = new OneHotEncoder().</a:t>
+            </a:r>
+          </a:p>
+          <a:p>
+            <a:pPr/>
+            <a:r>
+              <a:t>      setInputCol(inputCol + "_indexed").</a:t>
+            </a:r>
+          </a:p>
+          <a:p>
+            <a:pPr/>
+            <a:r>
+              <a:t>      setOutputCol(inputCol + "_vec")</a:t>
+            </a:r>
+          </a:p>
+          <a:p>
+            <a:pPr/>
+            <a:r>
+              <a:t>    val pipeline = new Pipeline().setStages(Array(indexer, encoder))</a:t>
+            </a:r>
+          </a:p>
+          <a:p>
+            <a:pPr/>
+            <a:r>
+              <a:t>    (pipeline, inputCol + "_vec")</a:t>
+            </a:r>
+          </a:p>
+          <a:p>
+            <a:pPr/>
+            <a:r>
+              <a:t>  }</a:t>
             </a:r>
           </a:p>
         </p:txBody>
@@ -3486,7 +3994,7 @@
       </p:grpSpPr>
       <p:sp>
         <p:nvSpPr>
-          <p:cNvPr id="153" name="Pipeline for all data (1)"/>
+          <p:cNvPr id="161" name="Comments on “one-hot”"/>
           <p:cNvSpPr txBox="1"/>
           <p:nvPr>
             <p:ph type="title"/>
@@ -3503,110 +4011,54 @@
           <a:p>
             <a:pPr/>
             <a:r>
-              <a:t>Pipeline for all data (1)</a:t>
-            </a:r>
-          </a:p>
-        </p:txBody>
-      </p:sp>
-      <p:sp>
-        <p:nvSpPr>
-          <p:cNvPr id="154" name="def fitPipeline4(data: DataFrame, k: Int): PipelineModel = {…"/>
+              <a:t>Comments on “one-hot”</a:t>
+            </a:r>
+          </a:p>
+        </p:txBody>
+      </p:sp>
+      <p:sp>
+        <p:nvSpPr>
+          <p:cNvPr id="162" name="For categorical data without any ordering between the categories, the usual encoding is: 1 -&gt;  1 0 0 0 … 2 -&gt;  0 1 0 0 … 3 -&gt;  0 0 1 0 … etc.…"/>
           <p:cNvSpPr txBox="1"/>
-          <p:nvPr/>
-        </p:nvSpPr>
-        <p:spPr>
-          <a:xfrm>
-            <a:off x="524837" y="1605280"/>
-            <a:ext cx="8272126" cy="4003041"/>
-          </a:xfrm>
-          <a:prstGeom prst="rect">
-            <a:avLst/>
-          </a:prstGeom>
-          <a:ln w="12700">
-            <a:miter lim="400000"/>
-          </a:ln>
-          <a:extLst>
-            <a:ext uri="{C572A759-6A51-4108-AA02-DFA0A04FC94B}">
-              <ma14:wrappingTextBoxFlag xmlns:ma14="http://schemas.microsoft.com/office/mac/drawingml/2011/main" val="1"/>
-            </a:ext>
-          </a:extLst>
-        </p:spPr>
-        <p:txBody>
-          <a:bodyPr wrap="none" lIns="45719" rIns="45719">
-            <a:spAutoFit/>
-          </a:bodyPr>
+          <p:nvPr>
+            <p:ph type="body" idx="1"/>
+          </p:nvPr>
+        </p:nvSpPr>
+        <p:spPr>
+          <a:prstGeom prst="rect">
+            <a:avLst/>
+          </a:prstGeom>
+        </p:spPr>
+        <p:txBody>
+          <a:bodyPr/>
           <a:lstStyle/>
           <a:p>
             <a:pPr/>
             <a:r>
-              <a:t> def fitPipeline4(data: DataFrame, k: Int): PipelineModel = {</a:t>
-            </a:r>
-          </a:p>
-          <a:p>
-            <a:pPr/>
-            <a:r>
-              <a:t>    val (protoTypeEncoder, protoTypeVecCol) = oneHotPipeline("protocol_type")</a:t>
-            </a:r>
-          </a:p>
-          <a:p>
-            <a:pPr/>
-            <a:r>
-              <a:t>    val (serviceEncoder, serviceVecCol) = oneHotPipeline("service")</a:t>
-            </a:r>
-          </a:p>
-          <a:p>
-            <a:pPr/>
-            <a:r>
-              <a:t>    val (flagEncoder, flagVecCol) = oneHotPipeline("flag")</a:t>
-            </a:r>
-          </a:p>
-          <a:p>
-            <a:pPr/>
-          </a:p>
-          <a:p>
-            <a:pPr/>
-            <a:r>
-              <a:t>    // Original columns, without label / string columns, but with new vector encoded cols</a:t>
-            </a:r>
-          </a:p>
-          <a:p>
-            <a:pPr/>
-            <a:r>
-              <a:t>    val assembleCols = Set(data.columns: _*) --</a:t>
-            </a:r>
-          </a:p>
-          <a:p>
-            <a:pPr/>
-            <a:r>
-              <a:t>      Seq("label", "protocol_type", "service", "flag") ++</a:t>
-            </a:r>
-          </a:p>
-          <a:p>
-            <a:pPr/>
-            <a:r>
-              <a:t>      Seq(protoTypeVecCol, serviceVecCol, flagVecCol)</a:t>
-            </a:r>
-          </a:p>
-          <a:p>
-            <a:pPr/>
-            <a:r>
-              <a:t>    val assembler = new VectorAssembler().</a:t>
-            </a:r>
-          </a:p>
-          <a:p>
-            <a:pPr/>
-            <a:r>
-              <a:t>      setInputCols(assembleCols.toArray).</a:t>
-            </a:r>
-          </a:p>
-          <a:p>
-            <a:pPr/>
-            <a:r>
-              <a:t>      setOutputCol("featureVector")</a:t>
-            </a:r>
-          </a:p>
-          <a:p>
-            <a:pPr/>
+              <a:t>For categorical data without any ordering between the categories, the usual encoding is:</a:t>
+            </a:r>
+            <a:br/>
+            <a:r>
+              <a:t>1 -&gt;  1 0 0 0 …</a:t>
+            </a:r>
+            <a:br/>
+            <a:r>
+              <a:t>2 -&gt;  0 1 0 0 …</a:t>
+            </a:r>
+            <a:br/>
+            <a:r>
+              <a:t>3 -&gt;  0 0 1 0 …</a:t>
+            </a:r>
+            <a:br/>
+            <a:r>
+              <a:t>etc.</a:t>
+            </a:r>
+          </a:p>
+          <a:p>
+            <a:pPr/>
+            <a:r>
+              <a:t>The encoding function can work on each categorical variable</a:t>
+            </a:r>
           </a:p>
         </p:txBody>
       </p:sp>
@@ -3638,7 +4090,7 @@
       </p:grpSpPr>
       <p:sp>
         <p:nvSpPr>
-          <p:cNvPr id="156" name="Pipeline for all data (2)"/>
+          <p:cNvPr id="164" name="Pipeline for all data (1)"/>
           <p:cNvSpPr txBox="1"/>
           <p:nvPr>
             <p:ph type="title"/>
@@ -3655,21 +4107,21 @@
           <a:p>
             <a:pPr/>
             <a:r>
-              <a:t>Pipeline for all data (2)</a:t>
-            </a:r>
-          </a:p>
-        </p:txBody>
-      </p:sp>
-      <p:sp>
-        <p:nvSpPr>
-          <p:cNvPr id="157" name="val scaler = new StandardScaler()…"/>
+              <a:t>Pipeline for all data (1)</a:t>
+            </a:r>
+          </a:p>
+        </p:txBody>
+      </p:sp>
+      <p:sp>
+        <p:nvSpPr>
+          <p:cNvPr id="165" name="def fitPipeline4(data: DataFrame, k: Int): PipelineModel = {…"/>
           <p:cNvSpPr txBox="1"/>
           <p:nvPr/>
         </p:nvSpPr>
         <p:spPr>
           <a:xfrm>
             <a:off x="524837" y="1605280"/>
-            <a:ext cx="8046540" cy="5120641"/>
+            <a:ext cx="8272126" cy="4003041"/>
           </a:xfrm>
           <a:prstGeom prst="rect">
             <a:avLst/>
@@ -3691,104 +4143,74 @@
           <a:p>
             <a:pPr/>
             <a:r>
-              <a:t>    val scaler = new StandardScaler()</a:t>
-            </a:r>
-          </a:p>
-          <a:p>
-            <a:pPr/>
-            <a:r>
-              <a:t>      .setInputCol("featureVector")</a:t>
-            </a:r>
-          </a:p>
-          <a:p>
-            <a:pPr/>
-            <a:r>
-              <a:t>      .setOutputCol("scaledFeatureVector")</a:t>
-            </a:r>
-          </a:p>
-          <a:p>
-            <a:pPr/>
-            <a:r>
-              <a:t>      .setWithStd(true)</a:t>
-            </a:r>
-          </a:p>
-          <a:p>
-            <a:pPr/>
-            <a:r>
-              <a:t>      .setWithMean(false)</a:t>
-            </a:r>
-          </a:p>
-          <a:p>
-            <a:pPr/>
-          </a:p>
-          <a:p>
-            <a:pPr/>
-            <a:r>
-              <a:t>    val kmeans = new KMeans().</a:t>
-            </a:r>
-          </a:p>
-          <a:p>
-            <a:pPr/>
-            <a:r>
-              <a:t>      setSeed(Random.nextLong()).</a:t>
-            </a:r>
-          </a:p>
-          <a:p>
-            <a:pPr/>
-            <a:r>
-              <a:t>      setK(k).</a:t>
-            </a:r>
-          </a:p>
-          <a:p>
-            <a:pPr/>
-            <a:r>
-              <a:t>      setPredictionCol("cluster").</a:t>
-            </a:r>
-          </a:p>
-          <a:p>
-            <a:pPr/>
-            <a:r>
-              <a:t>      setFeaturesCol("scaledFeatureVector").</a:t>
-            </a:r>
-          </a:p>
-          <a:p>
-            <a:pPr/>
-            <a:r>
-              <a:t>      setMaxIter(40).</a:t>
-            </a:r>
-          </a:p>
-          <a:p>
-            <a:pPr/>
-            <a:r>
-              <a:t>      setTol(1.0e-5)</a:t>
-            </a:r>
-          </a:p>
-          <a:p>
-            <a:pPr/>
-          </a:p>
-          <a:p>
-            <a:pPr/>
-            <a:r>
-              <a:t>    val pipeline = new Pipeline().setStages(</a:t>
-            </a:r>
-          </a:p>
-          <a:p>
-            <a:pPr/>
-            <a:r>
-              <a:t>      Array(protoTypeEncoder, serviceEncoder, flagEncoder, assembler, scaler, kmeans))</a:t>
-            </a:r>
-          </a:p>
-          <a:p>
-            <a:pPr/>
-            <a:r>
-              <a:t>    pipeline.fit(data)</a:t>
-            </a:r>
-          </a:p>
-          <a:p>
-            <a:pPr/>
-            <a:r>
-              <a:t>  }</a:t>
-            </a:r>
+              <a:t> def fitPipeline4(data: DataFrame, k: Int): PipelineModel = {</a:t>
+            </a:r>
+          </a:p>
+          <a:p>
+            <a:pPr/>
+            <a:r>
+              <a:t>    val (protoTypeEncoder, protoTypeVecCol) = oneHotPipeline("protocol_type")</a:t>
+            </a:r>
+          </a:p>
+          <a:p>
+            <a:pPr/>
+            <a:r>
+              <a:t>    val (serviceEncoder, serviceVecCol) = oneHotPipeline("service")</a:t>
+            </a:r>
+          </a:p>
+          <a:p>
+            <a:pPr/>
+            <a:r>
+              <a:t>    val (flagEncoder, flagVecCol) = oneHotPipeline("flag")</a:t>
+            </a:r>
+          </a:p>
+          <a:p>
+            <a:pPr/>
+          </a:p>
+          <a:p>
+            <a:pPr/>
+            <a:r>
+              <a:t>    // Original columns, without label / string columns, but with new vector encoded cols</a:t>
+            </a:r>
+          </a:p>
+          <a:p>
+            <a:pPr/>
+            <a:r>
+              <a:t>    val assembleCols = Set(data.columns: _*) --</a:t>
+            </a:r>
+          </a:p>
+          <a:p>
+            <a:pPr/>
+            <a:r>
+              <a:t>      Seq("label", "protocol_type", "service", "flag") ++</a:t>
+            </a:r>
+          </a:p>
+          <a:p>
+            <a:pPr/>
+            <a:r>
+              <a:t>      Seq(protoTypeVecCol, serviceVecCol, flagVecCol)</a:t>
+            </a:r>
+          </a:p>
+          <a:p>
+            <a:pPr/>
+            <a:r>
+              <a:t>    val assembler = new VectorAssembler().</a:t>
+            </a:r>
+          </a:p>
+          <a:p>
+            <a:pPr/>
+            <a:r>
+              <a:t>      setInputCols(assembleCols.toArray).</a:t>
+            </a:r>
+          </a:p>
+          <a:p>
+            <a:pPr/>
+            <a:r>
+              <a:t>      setOutputCol("featureVector")</a:t>
+            </a:r>
+          </a:p>
+          <a:p>
+            <a:pPr/>
           </a:p>
         </p:txBody>
       </p:sp>
@@ -3820,7 +4242,7 @@
       </p:grpSpPr>
       <p:sp>
         <p:nvSpPr>
-          <p:cNvPr id="159" name="Comments on K-means"/>
+          <p:cNvPr id="169" name="Pipeline for all data (2)"/>
           <p:cNvSpPr txBox="1"/>
           <p:nvPr>
             <p:ph type="title"/>
@@ -3837,69 +4259,139 @@
           <a:p>
             <a:pPr/>
             <a:r>
-              <a:t>Comments on K-means</a:t>
-            </a:r>
-          </a:p>
-        </p:txBody>
-      </p:sp>
-      <p:sp>
-        <p:nvSpPr>
-          <p:cNvPr id="160" name="Imported from the clustering library…"/>
+              <a:t>Pipeline for all data (2)</a:t>
+            </a:r>
+          </a:p>
+        </p:txBody>
+      </p:sp>
+      <p:sp>
+        <p:nvSpPr>
+          <p:cNvPr id="170" name="val scaler = new StandardScaler()…"/>
           <p:cNvSpPr txBox="1"/>
-          <p:nvPr>
-            <p:ph type="body" idx="1"/>
-          </p:nvPr>
-        </p:nvSpPr>
-        <p:spPr>
-          <a:prstGeom prst="rect">
-            <a:avLst/>
-          </a:prstGeom>
-        </p:spPr>
-        <p:txBody>
-          <a:bodyPr/>
+          <p:nvPr/>
+        </p:nvSpPr>
+        <p:spPr>
+          <a:xfrm>
+            <a:off x="524837" y="1605280"/>
+            <a:ext cx="8046540" cy="5120641"/>
+          </a:xfrm>
+          <a:prstGeom prst="rect">
+            <a:avLst/>
+          </a:prstGeom>
+          <a:ln w="12700">
+            <a:miter lim="400000"/>
+          </a:ln>
+          <a:extLst>
+            <a:ext uri="{C572A759-6A51-4108-AA02-DFA0A04FC94B}">
+              <ma14:wrappingTextBoxFlag xmlns:ma14="http://schemas.microsoft.com/office/mac/drawingml/2011/main" val="1"/>
+            </a:ext>
+          </a:extLst>
+        </p:spPr>
+        <p:txBody>
+          <a:bodyPr wrap="none" lIns="45719" rIns="45719">
+            <a:spAutoFit/>
+          </a:bodyPr>
           <a:lstStyle/>
           <a:p>
             <a:pPr/>
             <a:r>
-              <a:t>Imported from the clustering library</a:t>
-            </a:r>
-          </a:p>
-          <a:p>
-            <a:pPr/>
-            <a:r>
-              <a:t>Notes on the supplied parameters:</a:t>
-            </a:r>
-            <a:br/>
-            <a:r>
-              <a:rPr b="1"/>
-              <a:t>k</a:t>
-            </a:r>
-            <a:r>
-              <a:t> is given at invocation</a:t>
-            </a:r>
-            <a:br/>
-            <a:r>
-              <a:rPr b="1"/>
-              <a:t>max. iterations</a:t>
-            </a:r>
-            <a:r>
-              <a:t> set to 40 - might need more</a:t>
-            </a:r>
-            <a:br/>
-            <a:r>
-              <a:rPr b="1"/>
-              <a:t>tolerance</a:t>
-            </a:r>
-            <a:r>
-              <a:t> set to 1.0e-5 - depends on problem</a:t>
-            </a:r>
-            <a:br/>
-            <a:r>
-              <a:rPr b="1"/>
-              <a:t>seed</a:t>
-            </a:r>
-            <a:r>
-              <a:t> random - use constant for reproducibility</a:t>
+              <a:t>    val scaler = new StandardScaler()</a:t>
+            </a:r>
+          </a:p>
+          <a:p>
+            <a:pPr/>
+            <a:r>
+              <a:t>      .setInputCol("featureVector")</a:t>
+            </a:r>
+          </a:p>
+          <a:p>
+            <a:pPr/>
+            <a:r>
+              <a:t>      .setOutputCol("scaledFeatureVector")</a:t>
+            </a:r>
+          </a:p>
+          <a:p>
+            <a:pPr/>
+            <a:r>
+              <a:t>      .setWithStd(true)</a:t>
+            </a:r>
+          </a:p>
+          <a:p>
+            <a:pPr/>
+            <a:r>
+              <a:t>      .setWithMean(false)</a:t>
+            </a:r>
+          </a:p>
+          <a:p>
+            <a:pPr/>
+          </a:p>
+          <a:p>
+            <a:pPr/>
+            <a:r>
+              <a:t>    val kmeans = new KMeans().</a:t>
+            </a:r>
+          </a:p>
+          <a:p>
+            <a:pPr/>
+            <a:r>
+              <a:t>      setSeed(Random.nextLong()).</a:t>
+            </a:r>
+          </a:p>
+          <a:p>
+            <a:pPr/>
+            <a:r>
+              <a:t>      setK(k).</a:t>
+            </a:r>
+          </a:p>
+          <a:p>
+            <a:pPr/>
+            <a:r>
+              <a:t>      setPredictionCol("cluster").</a:t>
+            </a:r>
+          </a:p>
+          <a:p>
+            <a:pPr/>
+            <a:r>
+              <a:t>      setFeaturesCol("scaledFeatureVector").</a:t>
+            </a:r>
+          </a:p>
+          <a:p>
+            <a:pPr/>
+            <a:r>
+              <a:t>      setMaxIter(40).</a:t>
+            </a:r>
+          </a:p>
+          <a:p>
+            <a:pPr/>
+            <a:r>
+              <a:t>      setTol(1.0e-5)</a:t>
+            </a:r>
+          </a:p>
+          <a:p>
+            <a:pPr/>
+          </a:p>
+          <a:p>
+            <a:pPr/>
+            <a:r>
+              <a:t>    val pipeline = new Pipeline().setStages(</a:t>
+            </a:r>
+          </a:p>
+          <a:p>
+            <a:pPr/>
+            <a:r>
+              <a:t>      Array(protoTypeEncoder, serviceEncoder, flagEncoder, assembler, scaler, kmeans))</a:t>
+            </a:r>
+          </a:p>
+          <a:p>
+            <a:pPr/>
+            <a:r>
+              <a:t>    pipeline.fit(data)</a:t>
+            </a:r>
+          </a:p>
+          <a:p>
+            <a:pPr/>
+            <a:r>
+              <a:t>  }</a:t>
             </a:r>
           </a:p>
         </p:txBody>
@@ -3932,7 +4424,7 @@
       </p:grpSpPr>
       <p:sp>
         <p:nvSpPr>
-          <p:cNvPr id="162" name="The anomaly detector"/>
+          <p:cNvPr id="172" name="Comments on K-means"/>
           <p:cNvSpPr txBox="1"/>
           <p:nvPr>
             <p:ph type="title"/>
@@ -3949,206 +4441,69 @@
           <a:p>
             <a:pPr/>
             <a:r>
-              <a:t>The anomaly detector</a:t>
-            </a:r>
-          </a:p>
-        </p:txBody>
-      </p:sp>
-      <p:sp>
-        <p:nvSpPr>
-          <p:cNvPr id="163" name="// Detect anomalies…"/>
+              <a:t>Comments on K-means</a:t>
+            </a:r>
+          </a:p>
+        </p:txBody>
+      </p:sp>
+      <p:sp>
+        <p:nvSpPr>
+          <p:cNvPr id="173" name="Imported from the clustering library…"/>
           <p:cNvSpPr txBox="1"/>
-          <p:nvPr/>
-        </p:nvSpPr>
-        <p:spPr>
-          <a:xfrm>
-            <a:off x="1705776" y="1389380"/>
-            <a:ext cx="5732448" cy="5273041"/>
-          </a:xfrm>
-          <a:prstGeom prst="rect">
-            <a:avLst/>
-          </a:prstGeom>
-          <a:ln w="12700">
-            <a:miter lim="400000"/>
-          </a:ln>
-          <a:extLst>
-            <a:ext uri="{C572A759-6A51-4108-AA02-DFA0A04FC94B}">
-              <ma14:wrappingTextBoxFlag xmlns:ma14="http://schemas.microsoft.com/office/mac/drawingml/2011/main" val="1"/>
-            </a:ext>
-          </a:extLst>
-        </p:spPr>
-        <p:txBody>
-          <a:bodyPr wrap="none" lIns="45719" rIns="45719">
-            <a:spAutoFit/>
-          </a:bodyPr>
+          <p:nvPr>
+            <p:ph type="body" idx="1"/>
+          </p:nvPr>
+        </p:nvSpPr>
+        <p:spPr>
+          <a:prstGeom prst="rect">
+            <a:avLst/>
+          </a:prstGeom>
+        </p:spPr>
+        <p:txBody>
+          <a:bodyPr/>
           <a:lstStyle/>
           <a:p>
-            <a:pPr>
-              <a:defRPr sz="1400"/>
-            </a:pPr>
-            <a:r>
-              <a:t> // Detect anomalies</a:t>
-            </a:r>
-          </a:p>
-          <a:p>
-            <a:pPr>
-              <a:defRPr sz="1400"/>
-            </a:pPr>
-          </a:p>
-          <a:p>
-            <a:pPr>
-              <a:defRPr sz="1400"/>
-            </a:pPr>
-            <a:r>
-              <a:t>  def buildAnomalyDetector(data: DataFrame): Unit = {</a:t>
-            </a:r>
-          </a:p>
-          <a:p>
-            <a:pPr>
-              <a:defRPr sz="1400"/>
-            </a:pPr>
-            <a:r>
-              <a:t>    val pipelineModel = fitPipeline4(data, 180)</a:t>
-            </a:r>
-          </a:p>
-          <a:p>
-            <a:pPr>
-              <a:defRPr sz="1400"/>
-            </a:pPr>
-          </a:p>
-          <a:p>
-            <a:pPr>
-              <a:defRPr sz="1400"/>
-            </a:pPr>
-            <a:r>
-              <a:t>    val kMeansModel = pipelineModel.stages.last.asInstanceOf[KMeansModel]</a:t>
-            </a:r>
-          </a:p>
-          <a:p>
-            <a:pPr>
-              <a:defRPr sz="1400"/>
-            </a:pPr>
-            <a:r>
-              <a:t>    val centroids = kMeansModel.clusterCenters</a:t>
-            </a:r>
-          </a:p>
-          <a:p>
-            <a:pPr>
-              <a:defRPr sz="1400"/>
-            </a:pPr>
-          </a:p>
-          <a:p>
-            <a:pPr>
-              <a:defRPr sz="1400"/>
-            </a:pPr>
-            <a:r>
-              <a:t>    val clustered = pipelineModel.transform(data)</a:t>
-            </a:r>
-          </a:p>
-          <a:p>
-            <a:pPr>
-              <a:defRPr sz="1400"/>
-            </a:pPr>
-            <a:r>
-              <a:t>    val threshold = clustered.</a:t>
-            </a:r>
-          </a:p>
-          <a:p>
-            <a:pPr>
-              <a:defRPr sz="1400"/>
-            </a:pPr>
-            <a:r>
-              <a:t>      select("cluster", "scaledFeatureVector").as[(Int, Vector)].</a:t>
-            </a:r>
-          </a:p>
-          <a:p>
-            <a:pPr>
-              <a:defRPr sz="1400"/>
-            </a:pPr>
-            <a:r>
-              <a:t>      map { case (cluster, vec) =&gt; Vectors.sqdist(centroids(cluster), vec) }.</a:t>
-            </a:r>
-          </a:p>
-          <a:p>
-            <a:pPr>
-              <a:defRPr sz="1400"/>
-            </a:pPr>
-            <a:r>
-              <a:t>      orderBy($"value".desc).take(100).last</a:t>
-            </a:r>
-          </a:p>
-          <a:p>
-            <a:pPr>
-              <a:defRPr sz="1400"/>
-            </a:pPr>
-          </a:p>
-          <a:p>
-            <a:pPr>
-              <a:defRPr sz="1400"/>
-            </a:pPr>
-            <a:r>
-              <a:t>    val originalCols = data.columns</a:t>
-            </a:r>
-          </a:p>
-          <a:p>
-            <a:pPr>
-              <a:defRPr sz="1400"/>
-            </a:pPr>
-            <a:r>
-              <a:t>    val anomalies = clustered.filter { row =&gt;</a:t>
-            </a:r>
-          </a:p>
-          <a:p>
-            <a:pPr>
-              <a:defRPr sz="1400"/>
-            </a:pPr>
-            <a:r>
-              <a:t>      val cluster = row.getAs[Int]("cluster")</a:t>
-            </a:r>
-          </a:p>
-          <a:p>
-            <a:pPr>
-              <a:defRPr sz="1400"/>
-            </a:pPr>
-            <a:r>
-              <a:t>      val vec = row.getAs[Vector]("scaledFeatureVector")</a:t>
-            </a:r>
-          </a:p>
-          <a:p>
-            <a:pPr>
-              <a:defRPr sz="1400"/>
-            </a:pPr>
-            <a:r>
-              <a:t>      Vectors.sqdist(centroids(cluster), vec) &gt;= threshold</a:t>
-            </a:r>
-          </a:p>
-          <a:p>
-            <a:pPr>
-              <a:defRPr sz="1400"/>
-            </a:pPr>
-            <a:r>
-              <a:t>    }.select(originalCols.head, originalCols.tail:_*)</a:t>
-            </a:r>
-          </a:p>
-          <a:p>
-            <a:pPr>
-              <a:defRPr sz="1400"/>
-            </a:pPr>
-          </a:p>
-          <a:p>
-            <a:pPr>
-              <a:defRPr sz="1400"/>
-            </a:pPr>
-            <a:r>
-              <a:t>    println(anomalies.take(5))</a:t>
-            </a:r>
-          </a:p>
-          <a:p>
-            <a:pPr>
-              <a:defRPr sz="1400"/>
-            </a:pPr>
-            <a:r>
-              <a:t>  }</a:t>
+            <a:pPr/>
+            <a:r>
+              <a:t>Imported from the clustering library</a:t>
+            </a:r>
+          </a:p>
+          <a:p>
+            <a:pPr/>
+            <a:r>
+              <a:t>Notes on the supplied parameters:</a:t>
+            </a:r>
+            <a:br/>
+            <a:r>
+              <a:rPr b="1"/>
+              <a:t>k</a:t>
+            </a:r>
+            <a:r>
+              <a:t> is given at invocation</a:t>
+            </a:r>
+            <a:br/>
+            <a:r>
+              <a:rPr b="1"/>
+              <a:t>max. iterations</a:t>
+            </a:r>
+            <a:r>
+              <a:t> set to 40 - might need more</a:t>
+            </a:r>
+            <a:br/>
+            <a:r>
+              <a:rPr b="1"/>
+              <a:t>tolerance</a:t>
+            </a:r>
+            <a:r>
+              <a:t> set to 1.0e-5 - depends on problem</a:t>
+            </a:r>
+            <a:br/>
+            <a:r>
+              <a:rPr b="1"/>
+              <a:t>seed</a:t>
+            </a:r>
+            <a:r>
+              <a:t> random - use constant for reproducibility</a:t>
             </a:r>
           </a:p>
         </p:txBody>
@@ -4181,7 +4536,7 @@
       </p:grpSpPr>
       <p:sp>
         <p:nvSpPr>
-          <p:cNvPr id="165" name="Comments on the detector"/>
+          <p:cNvPr id="175" name="The anomaly detector"/>
           <p:cNvSpPr txBox="1"/>
           <p:nvPr>
             <p:ph type="title"/>
@@ -4198,47 +4553,206 @@
           <a:p>
             <a:pPr/>
             <a:r>
-              <a:t>Comments on the detector</a:t>
-            </a:r>
-          </a:p>
-        </p:txBody>
-      </p:sp>
-      <p:sp>
-        <p:nvSpPr>
-          <p:cNvPr id="166" name="What is an anomaly? Here we define it as those data points that are in the “loosest” clusters (the clusters with the largest mean square distances)…"/>
+              <a:t>The anomaly detector</a:t>
+            </a:r>
+          </a:p>
+        </p:txBody>
+      </p:sp>
+      <p:sp>
+        <p:nvSpPr>
+          <p:cNvPr id="176" name="// Detect anomalies…"/>
           <p:cNvSpPr txBox="1"/>
-          <p:nvPr>
-            <p:ph type="body" idx="1"/>
-          </p:nvPr>
-        </p:nvSpPr>
-        <p:spPr>
-          <a:prstGeom prst="rect">
-            <a:avLst/>
-          </a:prstGeom>
-        </p:spPr>
-        <p:txBody>
-          <a:bodyPr/>
+          <p:nvPr/>
+        </p:nvSpPr>
+        <p:spPr>
+          <a:xfrm>
+            <a:off x="1705776" y="1389380"/>
+            <a:ext cx="5732448" cy="5273041"/>
+          </a:xfrm>
+          <a:prstGeom prst="rect">
+            <a:avLst/>
+          </a:prstGeom>
+          <a:ln w="12700">
+            <a:miter lim="400000"/>
+          </a:ln>
+          <a:extLst>
+            <a:ext uri="{C572A759-6A51-4108-AA02-DFA0A04FC94B}">
+              <ma14:wrappingTextBoxFlag xmlns:ma14="http://schemas.microsoft.com/office/mac/drawingml/2011/main" val="1"/>
+            </a:ext>
+          </a:extLst>
+        </p:spPr>
+        <p:txBody>
+          <a:bodyPr wrap="none" lIns="45719" rIns="45719">
+            <a:spAutoFit/>
+          </a:bodyPr>
           <a:lstStyle/>
           <a:p>
-            <a:pPr/>
-            <a:r>
-              <a:t>What is an anomaly?</a:t>
-            </a:r>
-            <a:br/>
-            <a:r>
-              <a:t>Here we define it as those data points that are in the “loosest” clusters (the clusters with the largest mean square distances)</a:t>
-            </a:r>
-          </a:p>
-          <a:p>
-            <a:pPr/>
-            <a:r>
-              <a:t>Take one (or a few) of the most outlying data points</a:t>
-            </a:r>
-          </a:p>
-          <a:p>
-            <a:pPr/>
-            <a:r>
-              <a:t>Now is the time to start analyzing the actual data (domain knowledge)</a:t>
+            <a:pPr>
+              <a:defRPr sz="1400"/>
+            </a:pPr>
+            <a:r>
+              <a:t> // Detect anomalies</a:t>
+            </a:r>
+          </a:p>
+          <a:p>
+            <a:pPr>
+              <a:defRPr sz="1400"/>
+            </a:pPr>
+          </a:p>
+          <a:p>
+            <a:pPr>
+              <a:defRPr sz="1400"/>
+            </a:pPr>
+            <a:r>
+              <a:t>  def buildAnomalyDetector(data: DataFrame): Unit = {</a:t>
+            </a:r>
+          </a:p>
+          <a:p>
+            <a:pPr>
+              <a:defRPr sz="1400"/>
+            </a:pPr>
+            <a:r>
+              <a:t>    val pipelineModel = fitPipeline4(data, 180)</a:t>
+            </a:r>
+          </a:p>
+          <a:p>
+            <a:pPr>
+              <a:defRPr sz="1400"/>
+            </a:pPr>
+          </a:p>
+          <a:p>
+            <a:pPr>
+              <a:defRPr sz="1400"/>
+            </a:pPr>
+            <a:r>
+              <a:t>    val kMeansModel = pipelineModel.stages.last.asInstanceOf[KMeansModel]</a:t>
+            </a:r>
+          </a:p>
+          <a:p>
+            <a:pPr>
+              <a:defRPr sz="1400"/>
+            </a:pPr>
+            <a:r>
+              <a:t>    val centroids = kMeansModel.clusterCenters</a:t>
+            </a:r>
+          </a:p>
+          <a:p>
+            <a:pPr>
+              <a:defRPr sz="1400"/>
+            </a:pPr>
+          </a:p>
+          <a:p>
+            <a:pPr>
+              <a:defRPr sz="1400"/>
+            </a:pPr>
+            <a:r>
+              <a:t>    val clustered = pipelineModel.transform(data)</a:t>
+            </a:r>
+          </a:p>
+          <a:p>
+            <a:pPr>
+              <a:defRPr sz="1400"/>
+            </a:pPr>
+            <a:r>
+              <a:t>    val threshold = clustered.</a:t>
+            </a:r>
+          </a:p>
+          <a:p>
+            <a:pPr>
+              <a:defRPr sz="1400"/>
+            </a:pPr>
+            <a:r>
+              <a:t>      select("cluster", "scaledFeatureVector").as[(Int, Vector)].</a:t>
+            </a:r>
+          </a:p>
+          <a:p>
+            <a:pPr>
+              <a:defRPr sz="1400"/>
+            </a:pPr>
+            <a:r>
+              <a:t>      map { case (cluster, vec) =&gt; Vectors.sqdist(centroids(cluster), vec) }.</a:t>
+            </a:r>
+          </a:p>
+          <a:p>
+            <a:pPr>
+              <a:defRPr sz="1400"/>
+            </a:pPr>
+            <a:r>
+              <a:t>      orderBy($"value".desc).take(100).last</a:t>
+            </a:r>
+          </a:p>
+          <a:p>
+            <a:pPr>
+              <a:defRPr sz="1400"/>
+            </a:pPr>
+          </a:p>
+          <a:p>
+            <a:pPr>
+              <a:defRPr sz="1400"/>
+            </a:pPr>
+            <a:r>
+              <a:t>    val originalCols = data.columns</a:t>
+            </a:r>
+          </a:p>
+          <a:p>
+            <a:pPr>
+              <a:defRPr sz="1400"/>
+            </a:pPr>
+            <a:r>
+              <a:t>    val anomalies = clustered.filter { row =&gt;</a:t>
+            </a:r>
+          </a:p>
+          <a:p>
+            <a:pPr>
+              <a:defRPr sz="1400"/>
+            </a:pPr>
+            <a:r>
+              <a:t>      val cluster = row.getAs[Int]("cluster")</a:t>
+            </a:r>
+          </a:p>
+          <a:p>
+            <a:pPr>
+              <a:defRPr sz="1400"/>
+            </a:pPr>
+            <a:r>
+              <a:t>      val vec = row.getAs[Vector]("scaledFeatureVector")</a:t>
+            </a:r>
+          </a:p>
+          <a:p>
+            <a:pPr>
+              <a:defRPr sz="1400"/>
+            </a:pPr>
+            <a:r>
+              <a:t>      Vectors.sqdist(centroids(cluster), vec) &gt;= threshold</a:t>
+            </a:r>
+          </a:p>
+          <a:p>
+            <a:pPr>
+              <a:defRPr sz="1400"/>
+            </a:pPr>
+            <a:r>
+              <a:t>    }.select(originalCols.head, originalCols.tail:_*)</a:t>
+            </a:r>
+          </a:p>
+          <a:p>
+            <a:pPr>
+              <a:defRPr sz="1400"/>
+            </a:pPr>
+          </a:p>
+          <a:p>
+            <a:pPr>
+              <a:defRPr sz="1400"/>
+            </a:pPr>
+            <a:r>
+              <a:t>    println(anomalies.take(5))</a:t>
+            </a:r>
+          </a:p>
+          <a:p>
+            <a:pPr>
+              <a:defRPr sz="1400"/>
+            </a:pPr>
+            <a:r>
+              <a:t>  }</a:t>
             </a:r>
           </a:p>
         </p:txBody>
@@ -4271,7 +4785,7 @@
       </p:grpSpPr>
       <p:sp>
         <p:nvSpPr>
-          <p:cNvPr id="168" name="Result of running it on the RDD"/>
+          <p:cNvPr id="178" name="Comments on the detector"/>
           <p:cNvSpPr txBox="1"/>
           <p:nvPr>
             <p:ph type="title"/>
@@ -4288,170 +4802,47 @@
           <a:p>
             <a:pPr/>
             <a:r>
-              <a:t>Result of running it on the RDD</a:t>
-            </a:r>
-          </a:p>
-        </p:txBody>
-      </p:sp>
-      <p:sp>
-        <p:nvSpPr>
-          <p:cNvPr id="169" name="pipelineModel: org.apache.spark.ml.PipelineModel = pipeline_0d2ee85b24c0…"/>
+              <a:t>Comments on the detector</a:t>
+            </a:r>
+          </a:p>
+        </p:txBody>
+      </p:sp>
+      <p:sp>
+        <p:nvSpPr>
+          <p:cNvPr id="179" name="What is an anomaly? Here we define it as those data points that are in the “loosest” clusters (the clusters with the largest mean square distances)…"/>
           <p:cNvSpPr txBox="1"/>
-          <p:nvPr/>
-        </p:nvSpPr>
-        <p:spPr>
-          <a:xfrm>
-            <a:off x="285013" y="1383042"/>
-            <a:ext cx="9158174" cy="5158716"/>
-          </a:xfrm>
-          <a:prstGeom prst="rect">
-            <a:avLst/>
-          </a:prstGeom>
-          <a:ln w="12700">
-            <a:miter lim="400000"/>
-          </a:ln>
-          <a:extLst>
-            <a:ext uri="{C572A759-6A51-4108-AA02-DFA0A04FC94B}">
-              <ma14:wrappingTextBoxFlag xmlns:ma14="http://schemas.microsoft.com/office/mac/drawingml/2011/main" val="1"/>
-            </a:ext>
-          </a:extLst>
-        </p:spPr>
-        <p:txBody>
-          <a:bodyPr wrap="none" lIns="45719" rIns="45719">
-            <a:spAutoFit/>
-          </a:bodyPr>
+          <p:nvPr>
+            <p:ph type="body" idx="1"/>
+          </p:nvPr>
+        </p:nvSpPr>
+        <p:spPr>
+          <a:prstGeom prst="rect">
+            <a:avLst/>
+          </a:prstGeom>
+        </p:spPr>
+        <p:txBody>
+          <a:bodyPr/>
           <a:lstStyle/>
           <a:p>
-            <a:pPr defTabSz="457200">
-              <a:lnSpc>
-                <a:spcPts val="3000"/>
-              </a:lnSpc>
-              <a:defRPr sz="1200">
-                <a:solidFill>
-                  <a:srgbClr val="212121"/>
-                </a:solidFill>
-                <a:latin typeface="Monaco"/>
-                <a:ea typeface="Monaco"/>
-                <a:cs typeface="Monaco"/>
-                <a:sym typeface="Monaco"/>
-              </a:defRPr>
-            </a:pPr>
-            <a:r>
-              <a:t>pipelineModel: org.apache.spark.ml.PipelineModel = pipeline_0d2ee85b24c0</a:t>
-            </a:r>
-          </a:p>
-          <a:p>
-            <a:pPr defTabSz="457200">
-              <a:lnSpc>
-                <a:spcPts val="3000"/>
-              </a:lnSpc>
-              <a:defRPr sz="1200">
-                <a:solidFill>
-                  <a:srgbClr val="212121"/>
-                </a:solidFill>
-                <a:latin typeface="Monaco"/>
-                <a:ea typeface="Monaco"/>
-                <a:cs typeface="Monaco"/>
-                <a:sym typeface="Monaco"/>
-              </a:defRPr>
-            </a:pPr>
-            <a:r>
-              <a:t>kMeansModel: org.apache.spark.ml.clustering.KMeansModel = kmeans_8c6857cc9e84</a:t>
-            </a:r>
-          </a:p>
-          <a:p>
-            <a:pPr defTabSz="457200">
-              <a:lnSpc>
-                <a:spcPts val="3000"/>
-              </a:lnSpc>
-              <a:defRPr sz="1200">
-                <a:solidFill>
-                  <a:srgbClr val="212121"/>
-                </a:solidFill>
-                <a:latin typeface="Monaco"/>
-                <a:ea typeface="Monaco"/>
-                <a:cs typeface="Monaco"/>
-                <a:sym typeface="Monaco"/>
-              </a:defRPr>
-            </a:pPr>
-            <a:r>
-              <a:t>centroids: Array[org.apache.spark.ml.linalg.Vector] = Array([0.0,0.0,0.0,2.058262486412483,0.0,0.10920395448623757,0.10833159570368915,1.1586351225764129,0.0,0.0,0.0,2.6182969174943955,0.0,0.0,0.0,0.0,0.0,0.0,2.615780694544565,0.7165822051000074,0.0,0.0,0.0,3.981128660079003,2.5626245410600087E-5,2.6165856479870513,2.6186447141274205,0.04665078456145298,0.0,0.11781708498568845,0.6070921233497901,0.0,3.4919355146457485E-6,0.0,0.0,4.060405401727793E-5,5.2852564512542616E-5,0.0,0.0,2.616753580669795,0.0,0.0,0.0,0.0,0.0,0.0,0.0,0.0,0.0,0.0,2.3881332108315823,0.004716726755408161,0.011574121563440157,0.0,0.0,0.0,0.0,0.0,0.0,0.0,0.0,0.0,0.0,0.0,0.0,0.0,0.0,0.0,0.0,0.0,0.0,0.0,0.0,0.0,0.0,0.0,0.0,0.0,0.0,0.0,0.0,0.0,0.0,0.0,0.0,0.0,0.0,0.0,0.0,0.0,0.0,0.0,0.0,0.0,0.0,0.0,0.0,0.0,0.0,0.0,0.0,0....clustered: org.apache.spark.sql.DataFrame = [duration: int, protocol_type: string ... 49 more fields]</a:t>
-            </a:r>
-          </a:p>
-          <a:p>
-            <a:pPr defTabSz="457200">
-              <a:lnSpc>
-                <a:spcPts val="3000"/>
-              </a:lnSpc>
-              <a:defRPr sz="1200">
-                <a:solidFill>
-                  <a:srgbClr val="212121"/>
-                </a:solidFill>
-                <a:latin typeface="Monaco"/>
-                <a:ea typeface="Monaco"/>
-                <a:cs typeface="Monaco"/>
-                <a:sym typeface="Monaco"/>
-              </a:defRPr>
-            </a:pPr>
-            <a:r>
-              <a:t>threshold: Double = 5848.785049666572</a:t>
-            </a:r>
-          </a:p>
-          <a:p>
-            <a:pPr defTabSz="457200">
-              <a:lnSpc>
-                <a:spcPts val="3000"/>
-              </a:lnSpc>
-              <a:defRPr sz="1200">
-                <a:solidFill>
-                  <a:srgbClr val="212121"/>
-                </a:solidFill>
-                <a:latin typeface="Monaco"/>
-                <a:ea typeface="Monaco"/>
-                <a:cs typeface="Monaco"/>
-                <a:sym typeface="Monaco"/>
-              </a:defRPr>
-            </a:pPr>
-            <a:r>
-              <a:t>originalCols: Array[String] = Array(duration, protocol_type, service, flag, src_bytes, dst_bytes, land, wrong_fragment, urgent, hot, num_failed_logins, logged_in, num_compromised, root_shell, su_attempted, num_root, num_file_creations, num_shells, num_access_files, num_outbound_cmds, is_host_login, is_guest_login, count, srv_count, serror_rate, srv_serror_rate, rerror_rate, srv_rerror_rate, same_srv_rate, diff_srv_rate, srv_diff_host_rate, dst_host_count, dst_host_srv_count, dst_host_same_srv_rate, dst_host_diff_srv_rate, dst_host_same_src_port_rate, dst_host_srv_diff_host_rate, dst_host_serror_rate, dst_host_srv_serror_rate, dst_host_rerror_rate, dst_host_srv_rerror_rate, label)</a:t>
-            </a:r>
-          </a:p>
-          <a:p>
-            <a:pPr defTabSz="457200">
-              <a:lnSpc>
-                <a:spcPts val="3000"/>
-              </a:lnSpc>
-              <a:defRPr sz="1200">
-                <a:solidFill>
-                  <a:srgbClr val="212121"/>
-                </a:solidFill>
-                <a:latin typeface="Monaco"/>
-                <a:ea typeface="Monaco"/>
-                <a:cs typeface="Monaco"/>
-                <a:sym typeface="Monaco"/>
-              </a:defRPr>
-            </a:pPr>
-            <a:r>
-              <a:t>anomalies: org.apache.spark.sql.DataFrame = [duration: int, protocol_type: string ... 40 more fields]</a:t>
-            </a:r>
-          </a:p>
-          <a:p>
-            <a:pPr defTabSz="457200">
-              <a:lnSpc>
-                <a:spcPts val="3000"/>
-              </a:lnSpc>
-              <a:defRPr sz="1200">
-                <a:solidFill>
-                  <a:srgbClr val="212121"/>
-                </a:solidFill>
-                <a:latin typeface="Monaco"/>
-                <a:ea typeface="Monaco"/>
-                <a:cs typeface="Monaco"/>
-                <a:sym typeface="Monaco"/>
-              </a:defRPr>
-            </a:pPr>
-            <a:r>
-              <a:t>[Lorg.apache.spark.sql.Row;@5cd36431</a:t>
+            <a:pPr/>
+            <a:r>
+              <a:t>What is an anomaly?</a:t>
+            </a:r>
+            <a:br/>
+            <a:r>
+              <a:t>Here we define it as those data points that are in the “loosest” clusters (the clusters with the largest mean square distances)</a:t>
+            </a:r>
+          </a:p>
+          <a:p>
+            <a:pPr/>
+            <a:r>
+              <a:t>Take one (or a few) of the most outlying data points</a:t>
+            </a:r>
+          </a:p>
+          <a:p>
+            <a:pPr/>
+            <a:r>
+              <a:t>Now is the time to start analyzing the actual data (domain knowledge)</a:t>
             </a:r>
           </a:p>
         </p:txBody>
@@ -4484,44 +4875,7 @@
       </p:grpSpPr>
       <p:sp>
         <p:nvSpPr>
-          <p:cNvPr id="171" name="From the Zeppelin notebook:  println(anomalies.first())…"/>
-          <p:cNvSpPr txBox="1"/>
-          <p:nvPr>
-            <p:ph type="body" idx="1"/>
-          </p:nvPr>
-        </p:nvSpPr>
-        <p:spPr>
-          <a:prstGeom prst="rect">
-            <a:avLst/>
-          </a:prstGeom>
-        </p:spPr>
-        <p:txBody>
-          <a:bodyPr/>
-          <a:lstStyle/>
-          <a:p>
-            <a:pPr/>
-            <a:r>
-              <a:t>From the Zeppelin notebook:</a:t>
-            </a:r>
-            <a:br/>
-            <a:r>
-              <a:rPr sz="2700"/>
-              <a:t> println(anomalies.first())</a:t>
-            </a:r>
-            <a:br/>
-            <a:br/>
-          </a:p>
-          <a:p>
-            <a:pPr/>
-            <a:r>
-              <a:t>This datapoint is labeled as “normal” but it is clearly a strange item: many times connecting to different hosts</a:t>
-            </a:r>
-          </a:p>
-        </p:txBody>
-      </p:sp>
-      <p:sp>
-        <p:nvSpPr>
-          <p:cNvPr id="172" name="The most extreme data point"/>
+          <p:cNvPr id="181" name="Result of running it on the RDD"/>
           <p:cNvSpPr txBox="1"/>
           <p:nvPr>
             <p:ph type="title"/>
@@ -4538,21 +4892,21 @@
           <a:p>
             <a:pPr/>
             <a:r>
-              <a:t>The most extreme data point</a:t>
-            </a:r>
-          </a:p>
-        </p:txBody>
-      </p:sp>
-      <p:sp>
-        <p:nvSpPr>
-          <p:cNvPr id="173" name="[0,tcp,telnet,S1,145,13236,0,0,0,0,0,1,31,1,2,38,0,0,0,0,0,0,1,1,1.0,1.0,0.0,0.0,1.0,0.0,0.0,29,10,0.28,0.1,0.03,0.2,0.07,0.2,0.0,0.0,normal.]"/>
+              <a:t>Result of running it on the RDD</a:t>
+            </a:r>
+          </a:p>
+        </p:txBody>
+      </p:sp>
+      <p:sp>
+        <p:nvSpPr>
+          <p:cNvPr id="182" name="pipelineModel: org.apache.spark.ml.PipelineModel = pipeline_0d2ee85b24c0…"/>
           <p:cNvSpPr txBox="1"/>
           <p:nvPr/>
         </p:nvSpPr>
         <p:spPr>
           <a:xfrm>
-            <a:off x="622840" y="2801569"/>
-            <a:ext cx="8103107" cy="713716"/>
+            <a:off x="285013" y="1383042"/>
+            <a:ext cx="9158174" cy="5158716"/>
           </a:xfrm>
           <a:prstGeom prst="rect">
             <a:avLst/>
@@ -4567,13 +4921,14 @@
           </a:extLst>
         </p:spPr>
         <p:txBody>
-          <a:bodyPr lIns="45719" rIns="45719">
+          <a:bodyPr wrap="none" lIns="45719" rIns="45719">
             <a:spAutoFit/>
           </a:bodyPr>
-          <a:lstStyle>
-            <a:lvl1pPr defTabSz="457200">
+          <a:lstStyle/>
+          <a:p>
+            <a:pPr defTabSz="457200">
               <a:lnSpc>
-                <a:spcPts val="3100"/>
+                <a:spcPts val="3000"/>
               </a:lnSpc>
               <a:defRPr sz="1200">
                 <a:solidFill>
@@ -4584,12 +4939,123 @@
                 <a:cs typeface="Monaco"/>
                 <a:sym typeface="Monaco"/>
               </a:defRPr>
-            </a:lvl1pPr>
-          </a:lstStyle>
-          <a:p>
-            <a:pPr/>
-            <a:r>
-              <a:t>[0,tcp,telnet,S1,145,13236,0,0,0,0,0,1,31,1,2,38,0,0,0,0,0,0,1,1,1.0,1.0,0.0,0.0,1.0,0.0,0.0,29,10,0.28,0.1,0.03,0.2,0.07,0.2,0.0,0.0,normal.]</a:t>
+            </a:pPr>
+            <a:r>
+              <a:t>pipelineModel: org.apache.spark.ml.PipelineModel = pipeline_0d2ee85b24c0</a:t>
+            </a:r>
+          </a:p>
+          <a:p>
+            <a:pPr defTabSz="457200">
+              <a:lnSpc>
+                <a:spcPts val="3000"/>
+              </a:lnSpc>
+              <a:defRPr sz="1200">
+                <a:solidFill>
+                  <a:srgbClr val="212121"/>
+                </a:solidFill>
+                <a:latin typeface="Monaco"/>
+                <a:ea typeface="Monaco"/>
+                <a:cs typeface="Monaco"/>
+                <a:sym typeface="Monaco"/>
+              </a:defRPr>
+            </a:pPr>
+            <a:r>
+              <a:t>kMeansModel: org.apache.spark.ml.clustering.KMeansModel = kmeans_8c6857cc9e84</a:t>
+            </a:r>
+          </a:p>
+          <a:p>
+            <a:pPr defTabSz="457200">
+              <a:lnSpc>
+                <a:spcPts val="3000"/>
+              </a:lnSpc>
+              <a:defRPr sz="1200">
+                <a:solidFill>
+                  <a:srgbClr val="212121"/>
+                </a:solidFill>
+                <a:latin typeface="Monaco"/>
+                <a:ea typeface="Monaco"/>
+                <a:cs typeface="Monaco"/>
+                <a:sym typeface="Monaco"/>
+              </a:defRPr>
+            </a:pPr>
+            <a:r>
+              <a:t>centroids: Array[org.apache.spark.ml.linalg.Vector] = Array([0.0,0.0,0.0,2.058262486412483,0.0,0.10920395448623757,0.10833159570368915,1.1586351225764129,0.0,0.0,0.0,2.6182969174943955,0.0,0.0,0.0,0.0,0.0,0.0,2.615780694544565,0.7165822051000074,0.0,0.0,0.0,3.981128660079003,2.5626245410600087E-5,2.6165856479870513,2.6186447141274205,0.04665078456145298,0.0,0.11781708498568845,0.6070921233497901,0.0,3.4919355146457485E-6,0.0,0.0,4.060405401727793E-5,5.2852564512542616E-5,0.0,0.0,2.616753580669795,0.0,0.0,0.0,0.0,0.0,0.0,0.0,0.0,0.0,0.0,2.3881332108315823,0.004716726755408161,0.011574121563440157,0.0,0.0,0.0,0.0,0.0,0.0,0.0,0.0,0.0,0.0,0.0,0.0,0.0,0.0,0.0,0.0,0.0,0.0,0.0,0.0,0.0,0.0,0.0,0.0,0.0,0.0,0.0,0.0,0.0,0.0,0.0,0.0,0.0,0.0,0.0,0.0,0.0,0.0,0.0,0.0,0.0,0.0,0.0,0.0,0.0,0.0,0.0,0.0,0....clustered: org.apache.spark.sql.DataFrame = [duration: int, protocol_type: string ... 49 more fields]</a:t>
+            </a:r>
+          </a:p>
+          <a:p>
+            <a:pPr defTabSz="457200">
+              <a:lnSpc>
+                <a:spcPts val="3000"/>
+              </a:lnSpc>
+              <a:defRPr sz="1200">
+                <a:solidFill>
+                  <a:srgbClr val="212121"/>
+                </a:solidFill>
+                <a:latin typeface="Monaco"/>
+                <a:ea typeface="Monaco"/>
+                <a:cs typeface="Monaco"/>
+                <a:sym typeface="Monaco"/>
+              </a:defRPr>
+            </a:pPr>
+            <a:r>
+              <a:t>threshold: Double = 5848.785049666572</a:t>
+            </a:r>
+          </a:p>
+          <a:p>
+            <a:pPr defTabSz="457200">
+              <a:lnSpc>
+                <a:spcPts val="3000"/>
+              </a:lnSpc>
+              <a:defRPr sz="1200">
+                <a:solidFill>
+                  <a:srgbClr val="212121"/>
+                </a:solidFill>
+                <a:latin typeface="Monaco"/>
+                <a:ea typeface="Monaco"/>
+                <a:cs typeface="Monaco"/>
+                <a:sym typeface="Monaco"/>
+              </a:defRPr>
+            </a:pPr>
+            <a:r>
+              <a:t>originalCols: Array[String] = Array(duration, protocol_type, service, flag, src_bytes, dst_bytes, land, wrong_fragment, urgent, hot, num_failed_logins, logged_in, num_compromised, root_shell, su_attempted, num_root, num_file_creations, num_shells, num_access_files, num_outbound_cmds, is_host_login, is_guest_login, count, srv_count, serror_rate, srv_serror_rate, rerror_rate, srv_rerror_rate, same_srv_rate, diff_srv_rate, srv_diff_host_rate, dst_host_count, dst_host_srv_count, dst_host_same_srv_rate, dst_host_diff_srv_rate, dst_host_same_src_port_rate, dst_host_srv_diff_host_rate, dst_host_serror_rate, dst_host_srv_serror_rate, dst_host_rerror_rate, dst_host_srv_rerror_rate, label)</a:t>
+            </a:r>
+          </a:p>
+          <a:p>
+            <a:pPr defTabSz="457200">
+              <a:lnSpc>
+                <a:spcPts val="3000"/>
+              </a:lnSpc>
+              <a:defRPr sz="1200">
+                <a:solidFill>
+                  <a:srgbClr val="212121"/>
+                </a:solidFill>
+                <a:latin typeface="Monaco"/>
+                <a:ea typeface="Monaco"/>
+                <a:cs typeface="Monaco"/>
+                <a:sym typeface="Monaco"/>
+              </a:defRPr>
+            </a:pPr>
+            <a:r>
+              <a:t>anomalies: org.apache.spark.sql.DataFrame = [duration: int, protocol_type: string ... 40 more fields]</a:t>
+            </a:r>
+          </a:p>
+          <a:p>
+            <a:pPr defTabSz="457200">
+              <a:lnSpc>
+                <a:spcPts val="3000"/>
+              </a:lnSpc>
+              <a:defRPr sz="1200">
+                <a:solidFill>
+                  <a:srgbClr val="212121"/>
+                </a:solidFill>
+                <a:latin typeface="Monaco"/>
+                <a:ea typeface="Monaco"/>
+                <a:cs typeface="Monaco"/>
+                <a:sym typeface="Monaco"/>
+              </a:defRPr>
+            </a:pPr>
+            <a:r>
+              <a:t>[Lorg.apache.spark.sql.Row;@5cd36431</a:t>
             </a:r>
           </a:p>
         </p:txBody>
@@ -4622,7 +5088,7 @@
       </p:grpSpPr>
       <p:sp>
         <p:nvSpPr>
-          <p:cNvPr id="175" name="From the Zeppelin notebook:  println(anomalies.take(2).last)…"/>
+          <p:cNvPr id="184" name="From the Zeppelin notebook:  println(anomalies.first())…"/>
           <p:cNvSpPr txBox="1"/>
           <p:nvPr>
             <p:ph type="body" idx="1"/>
@@ -4637,43 +5103,29 @@
           <a:bodyPr/>
           <a:lstStyle/>
           <a:p>
-            <a:pPr marL="329184" indent="-329184" defTabSz="877823">
-              <a:defRPr sz="3072"/>
-            </a:pPr>
+            <a:pPr/>
             <a:r>
               <a:t>From the Zeppelin notebook:</a:t>
             </a:r>
             <a:br/>
             <a:r>
-              <a:rPr sz="2592"/>
-              <a:t> println(anomalies.take(2).last)</a:t>
-            </a:r>
-            <a:br>
-              <a:rPr sz="2592"/>
-            </a:br>
+              <a:rPr sz="2700"/>
+              <a:t> println(anomalies.first())</a:t>
+            </a:r>
             <a:br/>
-          </a:p>
-          <a:p>
-            <a:pPr marL="329184" indent="-329184" defTabSz="877823">
-              <a:defRPr sz="3072"/>
-            </a:pPr>
-            <a:r>
-              <a:t>This datapoint is again labeled as “normal” but it is again a strange item</a:t>
-            </a:r>
-          </a:p>
-          <a:p>
-            <a:pPr marL="329184" indent="-329184" defTabSz="877823">
-              <a:defRPr sz="3072"/>
-            </a:pPr>
-            <a:r>
-              <a:t>Studying the actual mechanisms behind the discovered anomalies is a task for network security professionals</a:t>
-            </a:r>
-          </a:p>
-        </p:txBody>
-      </p:sp>
-      <p:sp>
-        <p:nvSpPr>
-          <p:cNvPr id="176" name="The next extreme data point"/>
+            <a:br/>
+          </a:p>
+          <a:p>
+            <a:pPr/>
+            <a:r>
+              <a:t>This datapoint is labeled as “normal” but it is clearly a strange item: many times connecting to different hosts</a:t>
+            </a:r>
+          </a:p>
+        </p:txBody>
+      </p:sp>
+      <p:sp>
+        <p:nvSpPr>
+          <p:cNvPr id="185" name="The most extreme data point"/>
           <p:cNvSpPr txBox="1"/>
           <p:nvPr>
             <p:ph type="title"/>
@@ -4690,21 +5142,28 @@
           <a:p>
             <a:pPr/>
             <a:r>
-              <a:t>The next extreme data point</a:t>
-            </a:r>
-          </a:p>
-        </p:txBody>
-      </p:sp>
-      <p:sp>
-        <p:nvSpPr>
-          <p:cNvPr id="177" name="[9,tcp,telnet,SF,307,2374,0,0,1,0,0,1,0,1,0,1,3,1,0,0,0,0,1,1,0.0,0.0,0.0,0.0,1.0,0.0,0.0,69,4,0.03,0.04,0.01,0.75,0.0,0.0,0.0,0.0,normal.]"/>
+              <a:t>The </a:t>
+            </a:r>
+            <a:r>
+              <a:rPr b="1"/>
+              <a:t>most</a:t>
+            </a:r>
+            <a:r>
+              <a:t> extreme data point</a:t>
+            </a:r>
+          </a:p>
+        </p:txBody>
+      </p:sp>
+      <p:sp>
+        <p:nvSpPr>
+          <p:cNvPr id="186" name="[0,tcp,telnet,S1,145,13236,0,0,0,0,0,1,31,1,2,38,0,0,0,0,0,0,1,1,1.0,1.0,0.0,0.0,1.0,0.0,0.0,29,10,0.28,0.1,0.03,0.2,0.07,0.2,0.0,0.0,normal.]"/>
           <p:cNvSpPr txBox="1"/>
           <p:nvPr/>
         </p:nvSpPr>
         <p:spPr>
           <a:xfrm>
             <a:off x="622840" y="2801569"/>
-            <a:ext cx="8103107" cy="1526516"/>
+            <a:ext cx="8103107" cy="713716"/>
           </a:xfrm>
           <a:prstGeom prst="rect">
             <a:avLst/>
@@ -4722,9 +5181,8 @@
           <a:bodyPr lIns="45719" rIns="45719">
             <a:spAutoFit/>
           </a:bodyPr>
-          <a:lstStyle/>
-          <a:p>
-            <a:pPr defTabSz="457200">
+          <a:lstStyle>
+            <a:lvl1pPr defTabSz="457200">
               <a:lnSpc>
                 <a:spcPts val="3100"/>
               </a:lnSpc>
@@ -4737,58 +5195,13 @@
                 <a:cs typeface="Monaco"/>
                 <a:sym typeface="Monaco"/>
               </a:defRPr>
-            </a:pPr>
-            <a:r>
-              <a:t>[9,tcp,telnet,SF,307,2374,0,0,1,0,0,1,0,1,0,1,3,1,0,0,0,0,1,1,0.0,0.0,0.0,0.0,1.0,0.0,0.0,69,4,0.03,0.04,0.01,0.75,0.0,0.0,0.0,0.0,normal.]</a:t>
-            </a:r>
-          </a:p>
-          <a:p>
-            <a:pPr defTabSz="457200">
-              <a:lnSpc>
-                <a:spcPts val="3100"/>
-              </a:lnSpc>
-              <a:defRPr sz="1200">
-                <a:solidFill>
-                  <a:srgbClr val="212121"/>
-                </a:solidFill>
-                <a:latin typeface="Monaco"/>
-                <a:ea typeface="Monaco"/>
-                <a:cs typeface="Monaco"/>
-                <a:sym typeface="Monaco"/>
-              </a:defRPr>
-            </a:pPr>
-          </a:p>
-          <a:p>
-            <a:pPr algn="r" defTabSz="457200">
-              <a:lnSpc>
-                <a:spcPts val="2800"/>
-              </a:lnSpc>
-              <a:defRPr sz="1200">
-                <a:solidFill>
-                  <a:srgbClr val="999999"/>
-                </a:solidFill>
-                <a:latin typeface="Helvetica Neue"/>
-                <a:ea typeface="Helvetica Neue"/>
-                <a:cs typeface="Helvetica Neue"/>
-                <a:sym typeface="Helvetica Neue"/>
-              </a:defRPr>
-            </a:pPr>
-          </a:p>
-          <a:p>
-            <a:pPr defTabSz="457200">
-              <a:lnSpc>
-                <a:spcPts val="3200"/>
-              </a:lnSpc>
-              <a:defRPr sz="1400">
-                <a:solidFill>
-                  <a:srgbClr val="212121"/>
-                </a:solidFill>
-                <a:latin typeface="Helvetica Neue"/>
-                <a:ea typeface="Helvetica Neue"/>
-                <a:cs typeface="Helvetica Neue"/>
-                <a:sym typeface="Helvetica Neue"/>
-              </a:defRPr>
-            </a:pPr>
+            </a:lvl1pPr>
+          </a:lstStyle>
+          <a:p>
+            <a:pPr/>
+            <a:r>
+              <a:t>[0,tcp,telnet,S1,145,13236,0,0,0,0,0,1,31,1,2,38,0,0,0,0,0,0,1,1,1.0,1.0,0.0,0.0,1.0,0.0,0.0,29,10,0.28,0.1,0.03,0.2,0.07,0.2,0.0,0.0,normal.]</a:t>
+            </a:r>
           </a:p>
         </p:txBody>
       </p:sp>
@@ -4820,7 +5233,58 @@
       </p:grpSpPr>
       <p:sp>
         <p:nvSpPr>
-          <p:cNvPr id="179" name="Discussion"/>
+          <p:cNvPr id="188" name="From the Zeppelin notebook:  println(anomalies.take(2).last)…"/>
+          <p:cNvSpPr txBox="1"/>
+          <p:nvPr>
+            <p:ph type="body" idx="1"/>
+          </p:nvPr>
+        </p:nvSpPr>
+        <p:spPr>
+          <a:prstGeom prst="rect">
+            <a:avLst/>
+          </a:prstGeom>
+        </p:spPr>
+        <p:txBody>
+          <a:bodyPr/>
+          <a:lstStyle/>
+          <a:p>
+            <a:pPr marL="329184" indent="-329184" defTabSz="877823">
+              <a:defRPr sz="3072"/>
+            </a:pPr>
+            <a:r>
+              <a:t>From the Zeppelin notebook:</a:t>
+            </a:r>
+            <a:br/>
+            <a:r>
+              <a:rPr sz="2592"/>
+              <a:t> println(anomalies.take(2).last)</a:t>
+            </a:r>
+            <a:br>
+              <a:rPr sz="2592"/>
+            </a:br>
+            <a:br/>
+          </a:p>
+          <a:p>
+            <a:pPr marL="329184" indent="-329184" defTabSz="877823">
+              <a:defRPr sz="3072"/>
+            </a:pPr>
+            <a:r>
+              <a:t>This datapoint is again labeled as “normal” but it is again a strange item</a:t>
+            </a:r>
+          </a:p>
+          <a:p>
+            <a:pPr marL="329184" indent="-329184" defTabSz="877823">
+              <a:defRPr sz="3072"/>
+            </a:pPr>
+            <a:r>
+              <a:t>Studying the actual mechanisms behind the discovered anomalies is a task for network security professionals</a:t>
+            </a:r>
+          </a:p>
+        </p:txBody>
+      </p:sp>
+      <p:sp>
+        <p:nvSpPr>
+          <p:cNvPr id="189" name="The next extreme data point"/>
           <p:cNvSpPr txBox="1"/>
           <p:nvPr>
             <p:ph type="title"/>
@@ -4837,56 +5301,112 @@
           <a:p>
             <a:pPr/>
             <a:r>
-              <a:t>Discussion</a:t>
-            </a:r>
-          </a:p>
-        </p:txBody>
-      </p:sp>
-      <p:sp>
-        <p:nvSpPr>
-          <p:cNvPr id="180" name="What could be an anomaly in sensor data? Consider examples: Temperature time series in greenhouses Pressure in a water distribution network Loads in an electric power network…"/>
+              <a:t>The </a:t>
+            </a:r>
+            <a:r>
+              <a:rPr i="1"/>
+              <a:t>next</a:t>
+            </a:r>
+            <a:r>
+              <a:t> extreme data point</a:t>
+            </a:r>
+          </a:p>
+        </p:txBody>
+      </p:sp>
+      <p:sp>
+        <p:nvSpPr>
+          <p:cNvPr id="190" name="[9,tcp,telnet,SF,307,2374,0,0,1,0,0,1,0,1,0,1,3,1,0,0,0,0,1,1,0.0,0.0,0.0,0.0,1.0,0.0,0.0,69,4,0.03,0.04,0.01,0.75,0.0,0.0,0.0,0.0,normal.]"/>
           <p:cNvSpPr txBox="1"/>
-          <p:nvPr>
-            <p:ph type="body" idx="1"/>
-          </p:nvPr>
-        </p:nvSpPr>
-        <p:spPr>
-          <a:prstGeom prst="rect">
-            <a:avLst/>
-          </a:prstGeom>
-        </p:spPr>
-        <p:txBody>
-          <a:bodyPr/>
+          <p:nvPr/>
+        </p:nvSpPr>
+        <p:spPr>
+          <a:xfrm>
+            <a:off x="622840" y="2801569"/>
+            <a:ext cx="8103107" cy="1526516"/>
+          </a:xfrm>
+          <a:prstGeom prst="rect">
+            <a:avLst/>
+          </a:prstGeom>
+          <a:ln w="12700">
+            <a:miter lim="400000"/>
+          </a:ln>
+          <a:extLst>
+            <a:ext uri="{C572A759-6A51-4108-AA02-DFA0A04FC94B}">
+              <ma14:wrappingTextBoxFlag xmlns:ma14="http://schemas.microsoft.com/office/mac/drawingml/2011/main" val="1"/>
+            </a:ext>
+          </a:extLst>
+        </p:spPr>
+        <p:txBody>
+          <a:bodyPr lIns="45719" rIns="45719">
+            <a:spAutoFit/>
+          </a:bodyPr>
           <a:lstStyle/>
           <a:p>
-            <a:pPr/>
-            <a:r>
-              <a:t>What could be an anomaly in sensor data? Consider examples:</a:t>
-            </a:r>
-            <a:br/>
-            <a:r>
-              <a:t>Temperature time series in greenhouses</a:t>
-            </a:r>
-            <a:br/>
-            <a:r>
-              <a:t>Pressure in a water distribution network</a:t>
-            </a:r>
-            <a:br/>
-            <a:r>
-              <a:t>Loads in an electric power network</a:t>
-            </a:r>
-          </a:p>
-          <a:p>
-            <a:pPr/>
-            <a:r>
-              <a:t>How would we run an anomaly detector on historical IoT sensor data?</a:t>
-            </a:r>
-          </a:p>
-          <a:p>
-            <a:pPr/>
-            <a:r>
-              <a:t>Consider also real-time detection</a:t>
-            </a:r>
+            <a:pPr defTabSz="457200">
+              <a:lnSpc>
+                <a:spcPts val="3100"/>
+              </a:lnSpc>
+              <a:defRPr sz="1200">
+                <a:solidFill>
+                  <a:srgbClr val="212121"/>
+                </a:solidFill>
+                <a:latin typeface="Monaco"/>
+                <a:ea typeface="Monaco"/>
+                <a:cs typeface="Monaco"/>
+                <a:sym typeface="Monaco"/>
+              </a:defRPr>
+            </a:pPr>
+            <a:r>
+              <a:t>[9,tcp,telnet,SF,307,2374,0,0,1,0,0,1,0,1,0,1,3,1,0,0,0,0,1,1,0.0,0.0,0.0,0.0,1.0,0.0,0.0,69,4,0.03,0.04,0.01,0.75,0.0,0.0,0.0,0.0,normal.]</a:t>
+            </a:r>
+          </a:p>
+          <a:p>
+            <a:pPr defTabSz="457200">
+              <a:lnSpc>
+                <a:spcPts val="3100"/>
+              </a:lnSpc>
+              <a:defRPr sz="1200">
+                <a:solidFill>
+                  <a:srgbClr val="212121"/>
+                </a:solidFill>
+                <a:latin typeface="Monaco"/>
+                <a:ea typeface="Monaco"/>
+                <a:cs typeface="Monaco"/>
+                <a:sym typeface="Monaco"/>
+              </a:defRPr>
+            </a:pPr>
+          </a:p>
+          <a:p>
+            <a:pPr algn="r" defTabSz="457200">
+              <a:lnSpc>
+                <a:spcPts val="2800"/>
+              </a:lnSpc>
+              <a:defRPr sz="1200">
+                <a:solidFill>
+                  <a:srgbClr val="999999"/>
+                </a:solidFill>
+                <a:latin typeface="Helvetica Neue"/>
+                <a:ea typeface="Helvetica Neue"/>
+                <a:cs typeface="Helvetica Neue"/>
+                <a:sym typeface="Helvetica Neue"/>
+              </a:defRPr>
+            </a:pPr>
+          </a:p>
+          <a:p>
+            <a:pPr defTabSz="457200">
+              <a:lnSpc>
+                <a:spcPts val="3200"/>
+              </a:lnSpc>
+              <a:defRPr sz="1400">
+                <a:solidFill>
+                  <a:srgbClr val="212121"/>
+                </a:solidFill>
+                <a:latin typeface="Helvetica Neue"/>
+                <a:ea typeface="Helvetica Neue"/>
+                <a:cs typeface="Helvetica Neue"/>
+                <a:sym typeface="Helvetica Neue"/>
+              </a:defRPr>
+            </a:pPr>
           </a:p>
         </p:txBody>
       </p:sp>
@@ -4973,6 +5493,196 @@
 </p:sld>
 </file>
 
+<file path=ppt/slides/slide20.xml><?xml version="1.0" encoding="utf-8"?>
+<p:sld xmlns:a="http://schemas.openxmlformats.org/drawingml/2006/main" xmlns:r="http://schemas.openxmlformats.org/officeDocument/2006/relationships" xmlns:p="http://schemas.openxmlformats.org/presentationml/2006/main" showMasterSp="1" showMasterPhAnim="1">
+  <p:cSld>
+    <p:spTree>
+      <p:nvGrpSpPr>
+        <p:cNvPr id="1" name=""/>
+        <p:cNvGrpSpPr/>
+        <p:nvPr/>
+      </p:nvGrpSpPr>
+      <p:grpSpPr>
+        <a:xfrm>
+          <a:off x="0" y="0"/>
+          <a:ext cx="0" cy="0"/>
+          <a:chOff x="0" y="0"/>
+          <a:chExt cx="0" cy="0"/>
+        </a:xfrm>
+      </p:grpSpPr>
+      <p:sp>
+        <p:nvSpPr>
+          <p:cNvPr id="192" name="Discussion"/>
+          <p:cNvSpPr txBox="1"/>
+          <p:nvPr>
+            <p:ph type="title"/>
+          </p:nvPr>
+        </p:nvSpPr>
+        <p:spPr>
+          <a:prstGeom prst="rect">
+            <a:avLst/>
+          </a:prstGeom>
+        </p:spPr>
+        <p:txBody>
+          <a:bodyPr/>
+          <a:lstStyle/>
+          <a:p>
+            <a:pPr/>
+            <a:r>
+              <a:t>Discussion</a:t>
+            </a:r>
+          </a:p>
+        </p:txBody>
+      </p:sp>
+      <p:sp>
+        <p:nvSpPr>
+          <p:cNvPr id="193" name="What could be an anomaly in sensor data? Consider examples: - Temperature time series in greenhouses - Pressure in a water distribution network - Loads in an electric power network…"/>
+          <p:cNvSpPr txBox="1"/>
+          <p:nvPr>
+            <p:ph type="body" idx="1"/>
+          </p:nvPr>
+        </p:nvSpPr>
+        <p:spPr>
+          <a:prstGeom prst="rect">
+            <a:avLst/>
+          </a:prstGeom>
+        </p:spPr>
+        <p:txBody>
+          <a:bodyPr/>
+          <a:lstStyle/>
+          <a:p>
+            <a:pPr/>
+            <a:r>
+              <a:t>What could be an anomaly in sensor data? Consider examples:</a:t>
+            </a:r>
+            <a:br/>
+            <a:r>
+              <a:t>- Temperature time series in greenhouses</a:t>
+            </a:r>
+            <a:br/>
+            <a:r>
+              <a:t>- Pressure in a water distribution network</a:t>
+            </a:r>
+            <a:br/>
+            <a:r>
+              <a:t>- Loads in an electric power network</a:t>
+            </a:r>
+          </a:p>
+          <a:p>
+            <a:pPr/>
+            <a:r>
+              <a:t>How would we run an anomaly detector on historical IoT sensor data?</a:t>
+            </a:r>
+          </a:p>
+          <a:p>
+            <a:pPr/>
+            <a:r>
+              <a:t>Consider also real-time detection</a:t>
+            </a:r>
+          </a:p>
+        </p:txBody>
+      </p:sp>
+    </p:spTree>
+  </p:cSld>
+  <p:clrMapOvr>
+    <a:masterClrMapping/>
+  </p:clrMapOvr>
+  <p:transition xmlns:p14="http://schemas.microsoft.com/office/powerpoint/2010/main" spd="med" advClick="1"/>
+</p:sld>
+</file>
+
+<file path=ppt/slides/slide21.xml><?xml version="1.0" encoding="utf-8"?>
+<p:sld xmlns:a="http://schemas.openxmlformats.org/drawingml/2006/main" xmlns:r="http://schemas.openxmlformats.org/officeDocument/2006/relationships" xmlns:p="http://schemas.openxmlformats.org/presentationml/2006/main" showMasterSp="1" showMasterPhAnim="1">
+  <p:cSld>
+    <p:spTree>
+      <p:nvGrpSpPr>
+        <p:cNvPr id="1" name=""/>
+        <p:cNvGrpSpPr/>
+        <p:nvPr/>
+      </p:nvGrpSpPr>
+      <p:grpSpPr>
+        <a:xfrm>
+          <a:off x="0" y="0"/>
+          <a:ext cx="0" cy="0"/>
+          <a:chOff x="0" y="0"/>
+          <a:chExt cx="0" cy="0"/>
+        </a:xfrm>
+      </p:grpSpPr>
+      <p:sp>
+        <p:nvSpPr>
+          <p:cNvPr id="197" name="Summary of the lecture"/>
+          <p:cNvSpPr txBox="1"/>
+          <p:nvPr>
+            <p:ph type="title"/>
+          </p:nvPr>
+        </p:nvSpPr>
+        <p:spPr>
+          <a:prstGeom prst="rect">
+            <a:avLst/>
+          </a:prstGeom>
+        </p:spPr>
+        <p:txBody>
+          <a:bodyPr/>
+          <a:lstStyle/>
+          <a:p>
+            <a:pPr/>
+            <a:r>
+              <a:t>Summary of the lecture</a:t>
+            </a:r>
+          </a:p>
+        </p:txBody>
+      </p:sp>
+      <p:sp>
+        <p:nvSpPr>
+          <p:cNvPr id="198" name="We have learned about another example of using the Spark framework with Scala and its Machine Learning library for Big Data analytics.…"/>
+          <p:cNvSpPr txBox="1"/>
+          <p:nvPr>
+            <p:ph type="body" idx="1"/>
+          </p:nvPr>
+        </p:nvSpPr>
+        <p:spPr>
+          <a:xfrm>
+            <a:off x="457200" y="1600200"/>
+            <a:ext cx="8229600" cy="4827758"/>
+          </a:xfrm>
+          <a:prstGeom prst="rect">
+            <a:avLst/>
+          </a:prstGeom>
+        </p:spPr>
+        <p:txBody>
+          <a:bodyPr/>
+          <a:lstStyle/>
+          <a:p>
+            <a:pPr marL="0" indent="0">
+              <a:buSzTx/>
+              <a:buFontTx/>
+              <a:buNone/>
+            </a:pPr>
+            <a:r>
+              <a:t>We have learned about another example of using the Spark framework with Scala and its Machine Learning library for Big Data analytics.</a:t>
+            </a:r>
+          </a:p>
+          <a:p>
+            <a:pPr marL="0" indent="0">
+              <a:buSzTx/>
+              <a:buFontTx/>
+              <a:buNone/>
+            </a:pPr>
+            <a:r>
+              <a:t>The case study uses the K-Means clustering method to find the dominant groups of similar data in a network traffic dataset. After separating the data into clusters, those points that are farthest from the majority become candidates for anomaly analysis.</a:t>
+            </a:r>
+          </a:p>
+        </p:txBody>
+      </p:sp>
+    </p:spTree>
+  </p:cSld>
+  <p:clrMapOvr>
+    <a:masterClrMapping/>
+  </p:clrMapOvr>
+  <p:transition xmlns:p14="http://schemas.microsoft.com/office/powerpoint/2010/main" spd="med" advClick="1"/>
+</p:sld>
+</file>
+
 <file path=ppt/slides/slide3.xml><?xml version="1.0" encoding="utf-8"?>
 <p:sld xmlns:a="http://schemas.openxmlformats.org/drawingml/2006/main" xmlns:r="http://schemas.openxmlformats.org/officeDocument/2006/relationships" xmlns:p="http://schemas.openxmlformats.org/presentationml/2006/main" showMasterSp="1" showMasterPhAnim="1">
   <p:cSld>
@@ -4992,7 +5702,7 @@
       </p:grpSpPr>
       <p:sp>
         <p:nvSpPr>
-          <p:cNvPr id="129" name="Lecture 12: Anomaly Detection"/>
+          <p:cNvPr id="129" name="Outline of the lecture"/>
           <p:cNvSpPr txBox="1"/>
           <p:nvPr>
             <p:ph type="title"/>
@@ -5009,20 +5719,24 @@
           <a:p>
             <a:pPr/>
             <a:r>
-              <a:t>Lecture 12: Anomaly Detection</a:t>
-            </a:r>
-          </a:p>
-        </p:txBody>
-      </p:sp>
-      <p:sp>
-        <p:nvSpPr>
-          <p:cNvPr id="130" name="Case study: Network Intrusion Detection…"/>
+              <a:t>Outline of the lecture</a:t>
+            </a:r>
+          </a:p>
+        </p:txBody>
+      </p:sp>
+      <p:sp>
+        <p:nvSpPr>
+          <p:cNvPr id="130" name="An important use of AI techniques is to help in finding unexpected, surprising information hidden in the data.…"/>
           <p:cNvSpPr txBox="1"/>
           <p:nvPr>
             <p:ph type="body" idx="1"/>
           </p:nvPr>
         </p:nvSpPr>
         <p:spPr>
+          <a:xfrm>
+            <a:off x="457200" y="1600200"/>
+            <a:ext cx="8229600" cy="4796452"/>
+          </a:xfrm>
           <a:prstGeom prst="rect">
             <a:avLst/>
           </a:prstGeom>
@@ -5031,45 +5745,33 @@
           <a:bodyPr/>
           <a:lstStyle/>
           <a:p>
-            <a:pPr/>
-            <a:r>
-              <a:t>Case study: Network Intrusion Detection</a:t>
-            </a:r>
-          </a:p>
-          <a:p>
-            <a:pPr/>
-            <a:r>
-              <a:t>The KDD Cup dataset</a:t>
-            </a:r>
-          </a:p>
-          <a:p>
-            <a:pPr/>
-            <a:r>
-              <a:t>Exploring the data</a:t>
-            </a:r>
-          </a:p>
-          <a:p>
-            <a:pPr/>
-            <a:r>
-              <a:t>K-means clustering</a:t>
-            </a:r>
-          </a:p>
-          <a:p>
-            <a:pPr/>
-            <a:r>
-              <a:t>Anomaly detection</a:t>
-            </a:r>
-          </a:p>
-          <a:p>
-            <a:pPr/>
-            <a:r>
-              <a:t>Visualization</a:t>
-            </a:r>
-          </a:p>
-          <a:p>
-            <a:pPr/>
-            <a:r>
-              <a:t>Self-study hints</a:t>
+            <a:pPr marL="0" indent="0">
+              <a:buSzTx/>
+              <a:buFontTx/>
+              <a:buNone/>
+            </a:pPr>
+            <a:r>
+              <a:t>An important use of AI techniques is to help in finding unexpected, surprising information hidden in the data.</a:t>
+            </a:r>
+          </a:p>
+          <a:p>
+            <a:pPr marL="0" indent="0">
+              <a:buSzTx/>
+              <a:buFontTx/>
+              <a:buNone/>
+            </a:pPr>
+            <a:r>
+              <a:t>Here we will consider the application of a clustering method to extract anomalies from a BD dataset, in this case, from network traffic data.</a:t>
+            </a:r>
+          </a:p>
+          <a:p>
+            <a:pPr marL="0" indent="0">
+              <a:buSzTx/>
+              <a:buFontTx/>
+              <a:buNone/>
+            </a:pPr>
+            <a:r>
+              <a:t>We will use Spark and Scala with its ML library (similar results could be found with Python too)</a:t>
             </a:r>
           </a:p>
         </p:txBody>
@@ -5102,7 +5804,7 @@
       </p:grpSpPr>
       <p:sp>
         <p:nvSpPr>
-          <p:cNvPr id="132" name="The KDD Cup 1999 Data"/>
+          <p:cNvPr id="132" name="Lecture 12: Anomaly Detection"/>
           <p:cNvSpPr txBox="1"/>
           <p:nvPr>
             <p:ph type="title"/>
@@ -5119,14 +5821,14 @@
           <a:p>
             <a:pPr/>
             <a:r>
-              <a:t>The KDD Cup 1999 Data</a:t>
-            </a:r>
-          </a:p>
-        </p:txBody>
-      </p:sp>
-      <p:sp>
-        <p:nvSpPr>
-          <p:cNvPr id="133" name="Annual data mining competition of ACM…"/>
+              <a:t>Lecture 12: Anomaly Detection</a:t>
+            </a:r>
+          </a:p>
+        </p:txBody>
+      </p:sp>
+      <p:sp>
+        <p:nvSpPr>
+          <p:cNvPr id="133" name="Case study: Network Intrusion Detection…"/>
           <p:cNvSpPr txBox="1"/>
           <p:nvPr>
             <p:ph type="body" idx="1"/>
@@ -5143,38 +5845,43 @@
           <a:p>
             <a:pPr/>
             <a:r>
-              <a:t>Annual data mining competition of ACM</a:t>
-            </a:r>
-          </a:p>
-          <a:p>
-            <a:pPr/>
-            <a:r>
-              <a:t>Data collected for 4.9 million connections</a:t>
-            </a:r>
-          </a:p>
-          <a:p>
-            <a:pPr/>
-            <a:r>
-              <a:t>Raw data preprocessed for “interesting” features: protocol (TCP/UDP/…), bytes sent, login attempts, etc.</a:t>
-            </a:r>
-          </a:p>
-          <a:p>
-            <a:pPr/>
-            <a:r>
-              <a:t>Many “categorical features”</a:t>
-            </a:r>
-          </a:p>
-          <a:p>
-            <a:pPr/>
-            <a:r>
-              <a:t>Labeled for “known attacks”, but we would like to see if we can find “</a:t>
-            </a:r>
-            <a:r>
-              <a:rPr b="1"/>
-              <a:t>unknown attacks</a:t>
-            </a:r>
-            <a:r>
-              <a:t>”</a:t>
+              <a:t>Case study: Network Intrusion Detection</a:t>
+            </a:r>
+          </a:p>
+          <a:p>
+            <a:pPr/>
+            <a:r>
+              <a:t>The KDD Cup dataset</a:t>
+            </a:r>
+          </a:p>
+          <a:p>
+            <a:pPr/>
+            <a:r>
+              <a:t>Exploring the data</a:t>
+            </a:r>
+          </a:p>
+          <a:p>
+            <a:pPr/>
+            <a:r>
+              <a:t>K-means clustering</a:t>
+            </a:r>
+          </a:p>
+          <a:p>
+            <a:pPr/>
+            <a:r>
+              <a:t>Anomaly detection</a:t>
+            </a:r>
+          </a:p>
+          <a:p>
+            <a:pPr/>
+            <a:r>
+              <a:t>Visualization</a:t>
+            </a:r>
+          </a:p>
+          <a:p>
+            <a:pPr/>
+            <a:r>
+              <a:t>Self-study hints</a:t>
             </a:r>
           </a:p>
         </p:txBody>
@@ -5207,7 +5914,7 @@
       </p:grpSpPr>
       <p:sp>
         <p:nvSpPr>
-          <p:cNvPr id="135" name="Analyzing with Scala on Spark"/>
+          <p:cNvPr id="135" name="The KDD Cup 1999 Data"/>
           <p:cNvSpPr txBox="1"/>
           <p:nvPr>
             <p:ph type="title"/>
@@ -5224,14 +5931,14 @@
           <a:p>
             <a:pPr/>
             <a:r>
-              <a:t>Analyzing with Scala on Spark</a:t>
-            </a:r>
-          </a:p>
-        </p:txBody>
-      </p:sp>
-      <p:sp>
-        <p:nvSpPr>
-          <p:cNvPr id="136" name="Example Scala program from:…"/>
+              <a:t>The KDD Cup 1999 Data</a:t>
+            </a:r>
+          </a:p>
+        </p:txBody>
+      </p:sp>
+      <p:sp>
+        <p:nvSpPr>
+          <p:cNvPr id="136" name="Annual data mining competition of ACM…"/>
           <p:cNvSpPr txBox="1"/>
           <p:nvPr>
             <p:ph type="body" idx="1"/>
@@ -5248,15 +5955,38 @@
           <a:p>
             <a:pPr/>
             <a:r>
-              <a:t>Example Scala program from:</a:t>
-            </a:r>
-            <a:br/>
-            <a:br/>
-          </a:p>
-          <a:p>
-            <a:pPr/>
-            <a:r>
-              <a:t>Local execution is feasible on a PC</a:t>
+              <a:t>Annual data mining competition of ACM</a:t>
+            </a:r>
+          </a:p>
+          <a:p>
+            <a:pPr/>
+            <a:r>
+              <a:t>Data collected for 4.9 million connections</a:t>
+            </a:r>
+          </a:p>
+          <a:p>
+            <a:pPr/>
+            <a:r>
+              <a:t>Raw data preprocessed for “interesting” features: protocol (TCP/UDP/…), bytes sent, login attempts, etc.</a:t>
+            </a:r>
+          </a:p>
+          <a:p>
+            <a:pPr/>
+            <a:r>
+              <a:t>Many “categorical features”</a:t>
+            </a:r>
+          </a:p>
+          <a:p>
+            <a:pPr/>
+            <a:r>
+              <a:t>Labeled for “known attacks”, but we would like to see if we can find “</a:t>
+            </a:r>
+            <a:r>
+              <a:rPr b="1"/>
+              <a:t>unknown attacks</a:t>
+            </a:r>
+            <a:r>
+              <a:t>”</a:t>
             </a:r>
           </a:p>
         </p:txBody>
@@ -5289,7 +6019,7 @@
       </p:grpSpPr>
       <p:sp>
         <p:nvSpPr>
-          <p:cNvPr id="138" name="Start with imports"/>
+          <p:cNvPr id="138" name="Analyzing with Scala on Spark"/>
           <p:cNvSpPr txBox="1"/>
           <p:nvPr>
             <p:ph type="title"/>
@@ -5306,115 +6036,39 @@
           <a:p>
             <a:pPr/>
             <a:r>
-              <a:t>Start with imports</a:t>
-            </a:r>
-          </a:p>
-        </p:txBody>
-      </p:sp>
-      <p:sp>
-        <p:nvSpPr>
-          <p:cNvPr id="139" name="/*…"/>
+              <a:t>Analyzing with Scala on Spark</a:t>
+            </a:r>
+          </a:p>
+        </p:txBody>
+      </p:sp>
+      <p:sp>
+        <p:nvSpPr>
+          <p:cNvPr id="139" name="Example Scala program from:…"/>
           <p:cNvSpPr txBox="1"/>
-          <p:nvPr/>
-        </p:nvSpPr>
-        <p:spPr>
-          <a:xfrm>
-            <a:off x="437221" y="1744979"/>
-            <a:ext cx="8269559" cy="4561841"/>
-          </a:xfrm>
-          <a:prstGeom prst="rect">
-            <a:avLst/>
-          </a:prstGeom>
-          <a:ln w="12700">
-            <a:miter lim="400000"/>
-          </a:ln>
-          <a:extLst>
-            <a:ext uri="{C572A759-6A51-4108-AA02-DFA0A04FC94B}">
-              <ma14:wrappingTextBoxFlag xmlns:ma14="http://schemas.microsoft.com/office/mac/drawingml/2011/main" val="1"/>
-            </a:ext>
-          </a:extLst>
-        </p:spPr>
-        <p:txBody>
-          <a:bodyPr wrap="none" lIns="45719" rIns="45719">
-            <a:spAutoFit/>
-          </a:bodyPr>
+          <p:nvPr>
+            <p:ph type="body" idx="1"/>
+          </p:nvPr>
+        </p:nvSpPr>
+        <p:spPr>
+          <a:prstGeom prst="rect">
+            <a:avLst/>
+          </a:prstGeom>
+        </p:spPr>
+        <p:txBody>
+          <a:bodyPr/>
           <a:lstStyle/>
           <a:p>
             <a:pPr/>
             <a:r>
-              <a:t>/*</a:t>
-            </a:r>
-          </a:p>
-          <a:p>
-            <a:pPr/>
-            <a:r>
-              <a:t> * Copyright 2015 and onwards Sanford Ryza, Uri Laserson, Sean Owen and Joshua Wills</a:t>
-            </a:r>
-          </a:p>
-          <a:p>
-            <a:pPr/>
-            <a:r>
-              <a:t> *</a:t>
-            </a:r>
-          </a:p>
-          <a:p>
-            <a:pPr/>
-            <a:r>
-              <a:t> * See LICENSE file for further information.</a:t>
-            </a:r>
-          </a:p>
-          <a:p>
-            <a:pPr/>
-            <a:r>
-              <a:t> */</a:t>
-            </a:r>
-          </a:p>
-          <a:p>
-            <a:pPr/>
-          </a:p>
-          <a:p>
-            <a:pPr/>
-            <a:r>
-              <a:t>//package com.cloudera.datascience.kmeans</a:t>
-            </a:r>
-          </a:p>
-          <a:p>
-            <a:pPr/>
-          </a:p>
-          <a:p>
-            <a:pPr/>
-            <a:r>
-              <a:t>import org.apache.spark.ml.{PipelineModel, Pipeline}</a:t>
-            </a:r>
-          </a:p>
-          <a:p>
-            <a:pPr/>
-            <a:r>
-              <a:t>import org.apache.spark.ml.clustering.{KMeans, KMeansModel}</a:t>
-            </a:r>
-          </a:p>
-          <a:p>
-            <a:pPr/>
-            <a:r>
-              <a:t>import org.apache.spark.ml.feature.{OneHotEncoder, VectorAssembler, StringIndexer, StandardScaler}</a:t>
-            </a:r>
-          </a:p>
-          <a:p>
-            <a:pPr/>
-            <a:r>
-              <a:t>import org.apache.spark.ml.linalg.{Vector, Vectors}</a:t>
-            </a:r>
-          </a:p>
-          <a:p>
-            <a:pPr/>
-            <a:r>
-              <a:t>import org.apache.spark.sql.{DataFrame, SparkSession}</a:t>
-            </a:r>
-          </a:p>
-          <a:p>
-            <a:pPr/>
-            <a:r>
-              <a:t>import scala.util.Random</a:t>
+              <a:t>Example Scala program from:</a:t>
+            </a:r>
+            <a:br/>
+            <a:br/>
+          </a:p>
+          <a:p>
+            <a:pPr/>
+            <a:r>
+              <a:t>For this particular dataset, local execution is feasible on a PC. However, we will use RDD access methods, so the analysis would proceed in a similar way for much bigger datasets too.</a:t>
             </a:r>
           </a:p>
         </p:txBody>
@@ -5447,7 +6101,7 @@
       </p:grpSpPr>
       <p:sp>
         <p:nvSpPr>
-          <p:cNvPr id="141" name="Create an RDD from CSV data"/>
+          <p:cNvPr id="141" name="Start with imports"/>
           <p:cNvSpPr txBox="1"/>
           <p:nvPr>
             <p:ph type="title"/>
@@ -5464,21 +6118,21 @@
           <a:p>
             <a:pPr/>
             <a:r>
-              <a:t>Create an RDD from CSV data</a:t>
-            </a:r>
-          </a:p>
-        </p:txBody>
-      </p:sp>
-      <p:sp>
-        <p:nvSpPr>
-          <p:cNvPr id="142" name="val data = spark.read.…"/>
+              <a:t>Start with imports</a:t>
+            </a:r>
+          </a:p>
+        </p:txBody>
+      </p:sp>
+      <p:sp>
+        <p:nvSpPr>
+          <p:cNvPr id="142" name="/*…"/>
           <p:cNvSpPr txBox="1"/>
           <p:nvPr/>
         </p:nvSpPr>
         <p:spPr>
           <a:xfrm>
-            <a:off x="1200504" y="1681479"/>
-            <a:ext cx="6742992" cy="4917441"/>
+            <a:off x="437221" y="1744979"/>
+            <a:ext cx="8269559" cy="4561841"/>
           </a:xfrm>
           <a:prstGeom prst="rect">
             <a:avLst/>
@@ -5493,160 +6147,86 @@
           </a:extLst>
         </p:spPr>
         <p:txBody>
-          <a:bodyPr lIns="45719" rIns="45719">
+          <a:bodyPr wrap="none" lIns="45719" rIns="45719">
             <a:spAutoFit/>
           </a:bodyPr>
           <a:lstStyle/>
           <a:p>
-            <a:pPr>
-              <a:defRPr sz="1600"/>
-            </a:pPr>
-            <a:r>
-              <a:t>  val data = spark.read.</a:t>
-            </a:r>
-          </a:p>
-          <a:p>
-            <a:pPr>
-              <a:defRPr sz="1600"/>
-            </a:pPr>
-            <a:r>
-              <a:t>      option("inferSchema", true).</a:t>
-            </a:r>
-          </a:p>
-          <a:p>
-            <a:pPr>
-              <a:defRPr sz="1600"/>
-            </a:pPr>
-            <a:r>
-              <a:t>      option("header", false).</a:t>
-            </a:r>
-          </a:p>
-          <a:p>
-            <a:pPr>
-              <a:defRPr sz="1600"/>
-            </a:pPr>
-            <a:r>
-              <a:t>      csv("/Users/markon/ITU/anomaly_test/kddcup.data").</a:t>
-            </a:r>
-          </a:p>
-          <a:p>
-            <a:pPr>
-              <a:defRPr sz="1600"/>
-            </a:pPr>
-            <a:r>
-              <a:t>      toDF(</a:t>
-            </a:r>
-          </a:p>
-          <a:p>
-            <a:pPr>
-              <a:defRPr sz="1600"/>
-            </a:pPr>
-            <a:r>
-              <a:t>        "duration", "protocol_type", "service", "flag",</a:t>
-            </a:r>
-          </a:p>
-          <a:p>
-            <a:pPr>
-              <a:defRPr sz="1600"/>
-            </a:pPr>
-            <a:r>
-              <a:t>        "src_bytes", "dst_bytes", "land", "wrong_fragment", "urgent",</a:t>
-            </a:r>
-          </a:p>
-          <a:p>
-            <a:pPr>
-              <a:defRPr sz="1600"/>
-            </a:pPr>
-            <a:r>
-              <a:t>        "hot", "num_failed_logins", "logged_in", "num_compromised",</a:t>
-            </a:r>
-          </a:p>
-          <a:p>
-            <a:pPr>
-              <a:defRPr sz="1600"/>
-            </a:pPr>
-            <a:r>
-              <a:t>        "root_shell", "su_attempted", "num_root", "num_file_creations",</a:t>
-            </a:r>
-          </a:p>
-          <a:p>
-            <a:pPr>
-              <a:defRPr sz="1600"/>
-            </a:pPr>
-            <a:r>
-              <a:t>        "num_shells", "num_access_files", "num_outbound_cmds",</a:t>
-            </a:r>
-          </a:p>
-          <a:p>
-            <a:pPr>
-              <a:defRPr sz="1600"/>
-            </a:pPr>
-            <a:r>
-              <a:t>        "is_host_login", "is_guest_login", "count", "srv_count",</a:t>
-            </a:r>
-          </a:p>
-          <a:p>
-            <a:pPr>
-              <a:defRPr sz="1600"/>
-            </a:pPr>
-            <a:r>
-              <a:t>        "serror_rate", "srv_serror_rate", "rerror_rate", "srv_rerror_rate",</a:t>
-            </a:r>
-          </a:p>
-          <a:p>
-            <a:pPr>
-              <a:defRPr sz="1600"/>
-            </a:pPr>
-            <a:r>
-              <a:t>        "same_srv_rate", "diff_srv_rate", "srv_diff_host_rate",</a:t>
-            </a:r>
-          </a:p>
-          <a:p>
-            <a:pPr>
-              <a:defRPr sz="1600"/>
-            </a:pPr>
-            <a:r>
-              <a:t>        "dst_host_count", "dst_host_srv_count",</a:t>
-            </a:r>
-          </a:p>
-          <a:p>
-            <a:pPr>
-              <a:defRPr sz="1600"/>
-            </a:pPr>
-            <a:r>
-              <a:t>        "dst_host_same_srv_rate", "dst_host_diff_srv_rate",</a:t>
-            </a:r>
-          </a:p>
-          <a:p>
-            <a:pPr>
-              <a:defRPr sz="1600"/>
-            </a:pPr>
-            <a:r>
-              <a:t>        "dst_host_same_src_port_rate", "dst_host_srv_diff_host_rate",</a:t>
-            </a:r>
-          </a:p>
-          <a:p>
-            <a:pPr>
-              <a:defRPr sz="1600"/>
-            </a:pPr>
-            <a:r>
-              <a:t>        "dst_host_serror_rate", "dst_host_srv_serror_rate",</a:t>
-            </a:r>
-          </a:p>
-          <a:p>
-            <a:pPr>
-              <a:defRPr sz="1600"/>
-            </a:pPr>
-            <a:r>
-              <a:t>        "dst_host_rerror_rate", "dst_host_srv_rerror_rate",</a:t>
-            </a:r>
-          </a:p>
-          <a:p>
-            <a:pPr>
-              <a:defRPr sz="1600"/>
-            </a:pPr>
-            <a:r>
-              <a:t>        "label")</a:t>
+            <a:pPr/>
+            <a:r>
+              <a:t>/*</a:t>
+            </a:r>
+          </a:p>
+          <a:p>
+            <a:pPr/>
+            <a:r>
+              <a:t> * Copyright 2015 and onwards Sanford Ryza, Uri Laserson, Sean Owen and Joshua Wills</a:t>
+            </a:r>
+          </a:p>
+          <a:p>
+            <a:pPr/>
+            <a:r>
+              <a:t> *</a:t>
+            </a:r>
+          </a:p>
+          <a:p>
+            <a:pPr/>
+            <a:r>
+              <a:t> * See LICENSE file for further information.</a:t>
+            </a:r>
+          </a:p>
+          <a:p>
+            <a:pPr/>
+            <a:r>
+              <a:t> */</a:t>
+            </a:r>
+          </a:p>
+          <a:p>
+            <a:pPr/>
+          </a:p>
+          <a:p>
+            <a:pPr/>
+            <a:r>
+              <a:t>//package com.cloudera.datascience.kmeans</a:t>
+            </a:r>
+          </a:p>
+          <a:p>
+            <a:pPr/>
+          </a:p>
+          <a:p>
+            <a:pPr/>
+            <a:r>
+              <a:t>import org.apache.spark.ml.{PipelineModel, Pipeline}</a:t>
+            </a:r>
+          </a:p>
+          <a:p>
+            <a:pPr/>
+            <a:r>
+              <a:t>import org.apache.spark.ml.clustering.{KMeans, KMeansModel}</a:t>
+            </a:r>
+          </a:p>
+          <a:p>
+            <a:pPr/>
+            <a:r>
+              <a:t>import org.apache.spark.ml.feature.{OneHotEncoder, VectorAssembler, StringIndexer, StandardScaler}</a:t>
+            </a:r>
+          </a:p>
+          <a:p>
+            <a:pPr/>
+            <a:r>
+              <a:t>import org.apache.spark.ml.linalg.{Vector, Vectors}</a:t>
+            </a:r>
+          </a:p>
+          <a:p>
+            <a:pPr/>
+            <a:r>
+              <a:t>import org.apache.spark.sql.{DataFrame, SparkSession}</a:t>
+            </a:r>
+          </a:p>
+          <a:p>
+            <a:pPr/>
+            <a:r>
+              <a:t>import scala.util.Random</a:t>
             </a:r>
           </a:p>
         </p:txBody>
@@ -5679,7 +6259,7 @@
       </p:grpSpPr>
       <p:sp>
         <p:nvSpPr>
-          <p:cNvPr id="144" name="Comments on the RDD"/>
+          <p:cNvPr id="146" name="Create an RDD from CSV data"/>
           <p:cNvSpPr txBox="1"/>
           <p:nvPr>
             <p:ph type="title"/>
@@ -5696,55 +6276,189 @@
           <a:p>
             <a:pPr/>
             <a:r>
-              <a:t>Comments on the RDD</a:t>
-            </a:r>
-          </a:p>
-        </p:txBody>
-      </p:sp>
-      <p:sp>
-        <p:nvSpPr>
-          <p:cNvPr id="145" name="option(&quot;inferSchema&quot;, true) Scala infers the type of the input variables from their values…"/>
+              <a:t>Create an RDD from CSV data</a:t>
+            </a:r>
+          </a:p>
+        </p:txBody>
+      </p:sp>
+      <p:sp>
+        <p:nvSpPr>
+          <p:cNvPr id="147" name="val data = spark.read.…"/>
           <p:cNvSpPr txBox="1"/>
-          <p:nvPr>
-            <p:ph type="body" idx="1"/>
-          </p:nvPr>
-        </p:nvSpPr>
-        <p:spPr>
-          <a:prstGeom prst="rect">
-            <a:avLst/>
-          </a:prstGeom>
-        </p:spPr>
-        <p:txBody>
-          <a:bodyPr/>
+          <p:nvPr/>
+        </p:nvSpPr>
+        <p:spPr>
+          <a:xfrm>
+            <a:off x="1200504" y="1681479"/>
+            <a:ext cx="6742992" cy="4917441"/>
+          </a:xfrm>
+          <a:prstGeom prst="rect">
+            <a:avLst/>
+          </a:prstGeom>
+          <a:ln w="12700">
+            <a:miter lim="400000"/>
+          </a:ln>
+          <a:extLst>
+            <a:ext uri="{C572A759-6A51-4108-AA02-DFA0A04FC94B}">
+              <ma14:wrappingTextBoxFlag xmlns:ma14="http://schemas.microsoft.com/office/mac/drawingml/2011/main" val="1"/>
+            </a:ext>
+          </a:extLst>
+        </p:spPr>
+        <p:txBody>
+          <a:bodyPr lIns="45719" rIns="45719">
+            <a:spAutoFit/>
+          </a:bodyPr>
           <a:lstStyle/>
           <a:p>
-            <a:pPr/>
-            <a:r>
-              <a:t>option("inferSchema", true)</a:t>
-            </a:r>
-            <a:br/>
-            <a:r>
-              <a:t>Scala infers the type of the input variables from their values</a:t>
-            </a:r>
-          </a:p>
-          <a:p>
-            <a:pPr/>
-            <a:r>
-              <a:t>option("header", false)</a:t>
-            </a:r>
-            <a:br/>
-            <a:r>
-              <a:t>The CSV file has no header line, we need to supply column names</a:t>
-            </a:r>
-          </a:p>
-          <a:p>
-            <a:pPr/>
-            <a:r>
-              <a:t>toDF( "duration", “protocol_type”,…</a:t>
-            </a:r>
-            <a:br/>
-            <a:r>
-              <a:t>These are the names we give to the data</a:t>
+            <a:pPr>
+              <a:defRPr sz="1600"/>
+            </a:pPr>
+            <a:r>
+              <a:t>  val data = spark.read.</a:t>
+            </a:r>
+          </a:p>
+          <a:p>
+            <a:pPr>
+              <a:defRPr sz="1600"/>
+            </a:pPr>
+            <a:r>
+              <a:t>      option("inferSchema", true).</a:t>
+            </a:r>
+          </a:p>
+          <a:p>
+            <a:pPr>
+              <a:defRPr sz="1600"/>
+            </a:pPr>
+            <a:r>
+              <a:t>      option("header", false).</a:t>
+            </a:r>
+          </a:p>
+          <a:p>
+            <a:pPr>
+              <a:defRPr sz="1600"/>
+            </a:pPr>
+            <a:r>
+              <a:t>      csv("kddcup.data").</a:t>
+            </a:r>
+          </a:p>
+          <a:p>
+            <a:pPr>
+              <a:defRPr sz="1600"/>
+            </a:pPr>
+            <a:r>
+              <a:t>      toDF(</a:t>
+            </a:r>
+          </a:p>
+          <a:p>
+            <a:pPr>
+              <a:defRPr sz="1600"/>
+            </a:pPr>
+            <a:r>
+              <a:t>        "duration", "protocol_type", "service", "flag",</a:t>
+            </a:r>
+          </a:p>
+          <a:p>
+            <a:pPr>
+              <a:defRPr sz="1600"/>
+            </a:pPr>
+            <a:r>
+              <a:t>        "src_bytes", "dst_bytes", "land", "wrong_fragment", "urgent",</a:t>
+            </a:r>
+          </a:p>
+          <a:p>
+            <a:pPr>
+              <a:defRPr sz="1600"/>
+            </a:pPr>
+            <a:r>
+              <a:t>        "hot", "num_failed_logins", "logged_in", "num_compromised",</a:t>
+            </a:r>
+          </a:p>
+          <a:p>
+            <a:pPr>
+              <a:defRPr sz="1600"/>
+            </a:pPr>
+            <a:r>
+              <a:t>        "root_shell", "su_attempted", "num_root", "num_file_creations",</a:t>
+            </a:r>
+          </a:p>
+          <a:p>
+            <a:pPr>
+              <a:defRPr sz="1600"/>
+            </a:pPr>
+            <a:r>
+              <a:t>        "num_shells", "num_access_files", "num_outbound_cmds",</a:t>
+            </a:r>
+          </a:p>
+          <a:p>
+            <a:pPr>
+              <a:defRPr sz="1600"/>
+            </a:pPr>
+            <a:r>
+              <a:t>        "is_host_login", "is_guest_login", "count", "srv_count",</a:t>
+            </a:r>
+          </a:p>
+          <a:p>
+            <a:pPr>
+              <a:defRPr sz="1600"/>
+            </a:pPr>
+            <a:r>
+              <a:t>        "serror_rate", "srv_serror_rate", "rerror_rate", "srv_rerror_rate",</a:t>
+            </a:r>
+          </a:p>
+          <a:p>
+            <a:pPr>
+              <a:defRPr sz="1600"/>
+            </a:pPr>
+            <a:r>
+              <a:t>        "same_srv_rate", "diff_srv_rate", "srv_diff_host_rate",</a:t>
+            </a:r>
+          </a:p>
+          <a:p>
+            <a:pPr>
+              <a:defRPr sz="1600"/>
+            </a:pPr>
+            <a:r>
+              <a:t>        "dst_host_count", "dst_host_srv_count",</a:t>
+            </a:r>
+          </a:p>
+          <a:p>
+            <a:pPr>
+              <a:defRPr sz="1600"/>
+            </a:pPr>
+            <a:r>
+              <a:t>        "dst_host_same_srv_rate", "dst_host_diff_srv_rate",</a:t>
+            </a:r>
+          </a:p>
+          <a:p>
+            <a:pPr>
+              <a:defRPr sz="1600"/>
+            </a:pPr>
+            <a:r>
+              <a:t>        "dst_host_same_src_port_rate", "dst_host_srv_diff_host_rate",</a:t>
+            </a:r>
+          </a:p>
+          <a:p>
+            <a:pPr>
+              <a:defRPr sz="1600"/>
+            </a:pPr>
+            <a:r>
+              <a:t>        "dst_host_serror_rate", "dst_host_srv_serror_rate",</a:t>
+            </a:r>
+          </a:p>
+          <a:p>
+            <a:pPr>
+              <a:defRPr sz="1600"/>
+            </a:pPr>
+            <a:r>
+              <a:t>        "dst_host_rerror_rate", "dst_host_srv_rerror_rate",</a:t>
+            </a:r>
+          </a:p>
+          <a:p>
+            <a:pPr>
+              <a:defRPr sz="1600"/>
+            </a:pPr>
+            <a:r>
+              <a:t>        "label")</a:t>
             </a:r>
           </a:p>
         </p:txBody>
@@ -5777,7 +6491,7 @@
       </p:grpSpPr>
       <p:sp>
         <p:nvSpPr>
-          <p:cNvPr id="147" name="Pipeline for one-hot encoding"/>
+          <p:cNvPr id="151" name="Comments on the RDD"/>
           <p:cNvSpPr txBox="1"/>
           <p:nvPr>
             <p:ph type="title"/>
@@ -5794,97 +6508,55 @@
           <a:p>
             <a:pPr/>
             <a:r>
-              <a:t>Pipeline for one-hot encoding</a:t>
-            </a:r>
-          </a:p>
-        </p:txBody>
-      </p:sp>
-      <p:sp>
-        <p:nvSpPr>
-          <p:cNvPr id="148" name="def oneHotPipeline(inputCol: String): (Pipeline, String) = {…"/>
+              <a:t>Comments on the RDD</a:t>
+            </a:r>
+          </a:p>
+        </p:txBody>
+      </p:sp>
+      <p:sp>
+        <p:nvSpPr>
+          <p:cNvPr id="152" name="option(&quot;inferSchema&quot;, true) Scala infers the type of the input variables from their values…"/>
           <p:cNvSpPr txBox="1"/>
-          <p:nvPr/>
-        </p:nvSpPr>
-        <p:spPr>
-          <a:xfrm>
-            <a:off x="1464190" y="1846579"/>
-            <a:ext cx="6215620" cy="3164841"/>
-          </a:xfrm>
-          <a:prstGeom prst="rect">
-            <a:avLst/>
-          </a:prstGeom>
-          <a:ln w="12700">
-            <a:miter lim="400000"/>
-          </a:ln>
-          <a:extLst>
-            <a:ext uri="{C572A759-6A51-4108-AA02-DFA0A04FC94B}">
-              <ma14:wrappingTextBoxFlag xmlns:ma14="http://schemas.microsoft.com/office/mac/drawingml/2011/main" val="1"/>
-            </a:ext>
-          </a:extLst>
-        </p:spPr>
-        <p:txBody>
-          <a:bodyPr wrap="none" lIns="45719" rIns="45719">
-            <a:spAutoFit/>
-          </a:bodyPr>
+          <p:nvPr>
+            <p:ph type="body" idx="1"/>
+          </p:nvPr>
+        </p:nvSpPr>
+        <p:spPr>
+          <a:prstGeom prst="rect">
+            <a:avLst/>
+          </a:prstGeom>
+        </p:spPr>
+        <p:txBody>
+          <a:bodyPr/>
           <a:lstStyle/>
           <a:p>
             <a:pPr/>
             <a:r>
-              <a:t> def oneHotPipeline(inputCol: String): (Pipeline, String) = {</a:t>
-            </a:r>
-          </a:p>
-          <a:p>
-            <a:pPr/>
-            <a:r>
-              <a:t>    val indexer = new StringIndexer().</a:t>
-            </a:r>
-          </a:p>
-          <a:p>
-            <a:pPr/>
-            <a:r>
-              <a:t>      setInputCol(inputCol).</a:t>
-            </a:r>
-          </a:p>
-          <a:p>
-            <a:pPr/>
-            <a:r>
-              <a:t>      setOutputCol(inputCol + "_indexed")</a:t>
-            </a:r>
-          </a:p>
-          <a:p>
-            <a:pPr/>
-            <a:r>
-              <a:t>    val encoder = new OneHotEncoder().</a:t>
-            </a:r>
-          </a:p>
-          <a:p>
-            <a:pPr/>
-            <a:r>
-              <a:t>      setInputCol(inputCol + "_indexed").</a:t>
-            </a:r>
-          </a:p>
-          <a:p>
-            <a:pPr/>
-            <a:r>
-              <a:t>      setOutputCol(inputCol + "_vec")</a:t>
-            </a:r>
-          </a:p>
-          <a:p>
-            <a:pPr/>
-            <a:r>
-              <a:t>    val pipeline = new Pipeline().setStages(Array(indexer, encoder))</a:t>
-            </a:r>
-          </a:p>
-          <a:p>
-            <a:pPr/>
-            <a:r>
-              <a:t>    (pipeline, inputCol + "_vec")</a:t>
-            </a:r>
-          </a:p>
-          <a:p>
-            <a:pPr/>
-            <a:r>
-              <a:t>  }</a:t>
+              <a:t>option("inferSchema", true)</a:t>
+            </a:r>
+            <a:br/>
+            <a:r>
+              <a:t>Scala infers the type of the input variables from their values</a:t>
+            </a:r>
+          </a:p>
+          <a:p>
+            <a:pPr/>
+            <a:r>
+              <a:t>option("header", false)</a:t>
+            </a:r>
+            <a:br/>
+            <a:r>
+              <a:t>The CSV file has no header line, we need to supply column names</a:t>
+            </a:r>
+          </a:p>
+          <a:p>
+            <a:pPr/>
+            <a:r>
+              <a:t>toDF( "duration", “protocol_type”,…</a:t>
+            </a:r>
+            <a:br/>
+            <a:r>
+              <a:t>These are the names we give to the data</a:t>
             </a:r>
           </a:p>
         </p:txBody>
